--- a/p10/sheets.pptx
+++ b/p10/sheets.pptx
@@ -121,7 +121,7 @@
 <file path=ppt/revisionInfo.xml><?xml version="1.0" encoding="utf-8"?>
 <p1510:revInfo xmlns:a="http://schemas.openxmlformats.org/drawingml/2006/main" xmlns:r="http://schemas.openxmlformats.org/officeDocument/2006/relationships" xmlns:p1510="http://schemas.microsoft.com/office/powerpoint/2015/10/main">
   <p1510:revLst>
-    <p1510:client id="{E0778A1E-D827-4224-A60C-32F3514D9223}" v="121" dt="2023-04-03T20:11:41.641"/>
+    <p1510:client id="{E0778A1E-D827-4224-A60C-32F3514D9223}" v="132" dt="2023-05-01T21:11:12.650"/>
   </p1510:revLst>
 </p1510:revInfo>
 </file>
@@ -282,12 +282,12 @@
   <pc:docChgLst>
     <pc:chgData name="Rikard Larsson" userId="7f66aacf32806e64" providerId="LiveId" clId="{E0778A1E-D827-4224-A60C-32F3514D9223}"/>
     <pc:docChg chg="undo redo custSel addSld delSld modSld">
-      <pc:chgData name="Rikard Larsson" userId="7f66aacf32806e64" providerId="LiveId" clId="{E0778A1E-D827-4224-A60C-32F3514D9223}" dt="2023-04-03T20:11:58.785" v="3611" actId="20577"/>
+      <pc:chgData name="Rikard Larsson" userId="7f66aacf32806e64" providerId="LiveId" clId="{E0778A1E-D827-4224-A60C-32F3514D9223}" dt="2023-05-11T22:10:32.702" v="4097" actId="20577"/>
       <pc:docMkLst>
         <pc:docMk/>
       </pc:docMkLst>
       <pc:sldChg chg="addSp delSp modSp mod">
-        <pc:chgData name="Rikard Larsson" userId="7f66aacf32806e64" providerId="LiveId" clId="{E0778A1E-D827-4224-A60C-32F3514D9223}" dt="2023-04-03T20:11:58.785" v="3611" actId="20577"/>
+        <pc:chgData name="Rikard Larsson" userId="7f66aacf32806e64" providerId="LiveId" clId="{E0778A1E-D827-4224-A60C-32F3514D9223}" dt="2023-05-11T22:10:32.702" v="4097" actId="20577"/>
         <pc:sldMkLst>
           <pc:docMk/>
           <pc:sldMk cId="1748760876" sldId="256"/>
@@ -548,6 +548,14 @@
             <ac:spMk id="24" creationId="{AA228E04-9719-D753-23F2-74F33FA11A9A}"/>
           </ac:spMkLst>
         </pc:spChg>
+        <pc:spChg chg="add del mod">
+          <ac:chgData name="Rikard Larsson" userId="7f66aacf32806e64" providerId="LiveId" clId="{E0778A1E-D827-4224-A60C-32F3514D9223}" dt="2023-05-01T20:39:33.592" v="3857" actId="478"/>
+          <ac:spMkLst>
+            <pc:docMk/>
+            <pc:sldMk cId="1748760876" sldId="256"/>
+            <ac:spMk id="25" creationId="{39557675-6EAD-46FE-B5FC-6FDCE445A82B}"/>
+          </ac:spMkLst>
+        </pc:spChg>
         <pc:spChg chg="del">
           <ac:chgData name="Rikard Larsson" userId="7f66aacf32806e64" providerId="LiveId" clId="{E0778A1E-D827-4224-A60C-32F3514D9223}" dt="2023-03-23T18:06:07.065" v="64" actId="21"/>
           <ac:spMkLst>
@@ -572,6 +580,14 @@
             <ac:spMk id="26" creationId="{16BA347F-13C8-9EE7-FC75-70A79DA9B8C2}"/>
           </ac:spMkLst>
         </pc:spChg>
+        <pc:spChg chg="add mod ord">
+          <ac:chgData name="Rikard Larsson" userId="7f66aacf32806e64" providerId="LiveId" clId="{E0778A1E-D827-4224-A60C-32F3514D9223}" dt="2023-05-01T20:48:07.715" v="3943" actId="1076"/>
+          <ac:spMkLst>
+            <pc:docMk/>
+            <pc:sldMk cId="1748760876" sldId="256"/>
+            <ac:spMk id="26" creationId="{DF8A0483-F9B6-2A9C-0ABA-57901AC033AC}"/>
+          </ac:spMkLst>
+        </pc:spChg>
         <pc:spChg chg="add del mod">
           <ac:chgData name="Rikard Larsson" userId="7f66aacf32806e64" providerId="LiveId" clId="{E0778A1E-D827-4224-A60C-32F3514D9223}" dt="2023-03-29T22:02:15.277" v="2576" actId="478"/>
           <ac:spMkLst>
@@ -589,11 +605,27 @@
           </ac:spMkLst>
         </pc:spChg>
         <pc:spChg chg="add del mod">
+          <ac:chgData name="Rikard Larsson" userId="7f66aacf32806e64" providerId="LiveId" clId="{E0778A1E-D827-4224-A60C-32F3514D9223}" dt="2023-05-01T20:40:56.504" v="3868" actId="478"/>
+          <ac:spMkLst>
+            <pc:docMk/>
+            <pc:sldMk cId="1748760876" sldId="256"/>
+            <ac:spMk id="27" creationId="{BF09CAFF-F011-5772-9864-9D3253025B3A}"/>
+          </ac:spMkLst>
+        </pc:spChg>
+        <pc:spChg chg="add del mod">
           <ac:chgData name="Rikard Larsson" userId="7f66aacf32806e64" providerId="LiveId" clId="{E0778A1E-D827-4224-A60C-32F3514D9223}" dt="2023-03-29T22:02:11.163" v="2570" actId="478"/>
           <ac:spMkLst>
             <pc:docMk/>
             <pc:sldMk cId="1748760876" sldId="256"/>
             <ac:spMk id="28" creationId="{0EB8533B-15E6-324C-3D39-963B83E584B9}"/>
+          </ac:spMkLst>
+        </pc:spChg>
+        <pc:spChg chg="add del mod">
+          <ac:chgData name="Rikard Larsson" userId="7f66aacf32806e64" providerId="LiveId" clId="{E0778A1E-D827-4224-A60C-32F3514D9223}" dt="2023-05-01T20:40:57.474" v="3869" actId="478"/>
+          <ac:spMkLst>
+            <pc:docMk/>
+            <pc:sldMk cId="1748760876" sldId="256"/>
+            <ac:spMk id="28" creationId="{62E37216-A0DA-B7C3-4EE3-2E59756B800A}"/>
           </ac:spMkLst>
         </pc:spChg>
         <pc:spChg chg="add del mod">
@@ -604,6 +636,22 @@
             <ac:spMk id="29" creationId="{26EE1F88-553F-E413-E6ED-732A2AB41DDB}"/>
           </ac:spMkLst>
         </pc:spChg>
+        <pc:spChg chg="add mod">
+          <ac:chgData name="Rikard Larsson" userId="7f66aacf32806e64" providerId="LiveId" clId="{E0778A1E-D827-4224-A60C-32F3514D9223}" dt="2023-05-01T20:48:07.715" v="3943" actId="1076"/>
+          <ac:spMkLst>
+            <pc:docMk/>
+            <pc:sldMk cId="1748760876" sldId="256"/>
+            <ac:spMk id="29" creationId="{CAA5564A-1279-41E0-E046-54D4124835A6}"/>
+          </ac:spMkLst>
+        </pc:spChg>
+        <pc:spChg chg="add mod">
+          <ac:chgData name="Rikard Larsson" userId="7f66aacf32806e64" providerId="LiveId" clId="{E0778A1E-D827-4224-A60C-32F3514D9223}" dt="2023-05-01T21:00:18.891" v="3988" actId="20577"/>
+          <ac:spMkLst>
+            <pc:docMk/>
+            <pc:sldMk cId="1748760876" sldId="256"/>
+            <ac:spMk id="30" creationId="{63210488-2A99-9043-FED5-DDD3943FE542}"/>
+          </ac:spMkLst>
+        </pc:spChg>
         <pc:spChg chg="add del mod">
           <ac:chgData name="Rikard Larsson" userId="7f66aacf32806e64" providerId="LiveId" clId="{E0778A1E-D827-4224-A60C-32F3514D9223}" dt="2023-03-29T22:02:08.184" v="2567" actId="478"/>
           <ac:spMkLst>
@@ -620,6 +668,14 @@
             <ac:spMk id="31" creationId="{BA99FDC0-5B1F-CC8A-4335-B798EF24E00D}"/>
           </ac:spMkLst>
         </pc:spChg>
+        <pc:spChg chg="add mod">
+          <ac:chgData name="Rikard Larsson" userId="7f66aacf32806e64" providerId="LiveId" clId="{E0778A1E-D827-4224-A60C-32F3514D9223}" dt="2023-05-01T20:48:07.715" v="3943" actId="1076"/>
+          <ac:spMkLst>
+            <pc:docMk/>
+            <pc:sldMk cId="1748760876" sldId="256"/>
+            <ac:spMk id="32" creationId="{6A0EA4D5-BE2F-BA61-1EA3-BBA49AFDDD76}"/>
+          </ac:spMkLst>
+        </pc:spChg>
         <pc:spChg chg="add del mod ord">
           <ac:chgData name="Rikard Larsson" userId="7f66aacf32806e64" providerId="LiveId" clId="{E0778A1E-D827-4224-A60C-32F3514D9223}" dt="2023-03-29T21:56:11.726" v="2413" actId="478"/>
           <ac:spMkLst>
@@ -628,6 +684,14 @@
             <ac:spMk id="32" creationId="{CDD685BD-063D-DDFD-C7E4-9C625C26D51D}"/>
           </ac:spMkLst>
         </pc:spChg>
+        <pc:spChg chg="add mod">
+          <ac:chgData name="Rikard Larsson" userId="7f66aacf32806e64" providerId="LiveId" clId="{E0778A1E-D827-4224-A60C-32F3514D9223}" dt="2023-05-01T21:00:22.018" v="3994" actId="20577"/>
+          <ac:spMkLst>
+            <pc:docMk/>
+            <pc:sldMk cId="1748760876" sldId="256"/>
+            <ac:spMk id="33" creationId="{00C23091-1B33-86CA-9CD4-064DF8D9F332}"/>
+          </ac:spMkLst>
+        </pc:spChg>
         <pc:spChg chg="add del mod ord">
           <ac:chgData name="Rikard Larsson" userId="7f66aacf32806e64" providerId="LiveId" clId="{E0778A1E-D827-4224-A60C-32F3514D9223}" dt="2023-03-29T21:20:17.545" v="1925" actId="478"/>
           <ac:spMkLst>
@@ -644,6 +708,14 @@
             <ac:spMk id="34" creationId="{2236D791-2BE3-6848-6578-1A247EE64039}"/>
           </ac:spMkLst>
         </pc:spChg>
+        <pc:spChg chg="add mod">
+          <ac:chgData name="Rikard Larsson" userId="7f66aacf32806e64" providerId="LiveId" clId="{E0778A1E-D827-4224-A60C-32F3514D9223}" dt="2023-05-01T20:48:07.715" v="3943" actId="1076"/>
+          <ac:spMkLst>
+            <pc:docMk/>
+            <pc:sldMk cId="1748760876" sldId="256"/>
+            <ac:spMk id="34" creationId="{A5E0E5CB-3CFF-9AB8-CDC6-8066926E82D4}"/>
+          </ac:spMkLst>
+        </pc:spChg>
         <pc:spChg chg="add del mod ord topLvl">
           <ac:chgData name="Rikard Larsson" userId="7f66aacf32806e64" providerId="LiveId" clId="{E0778A1E-D827-4224-A60C-32F3514D9223}" dt="2023-03-29T21:43:37.947" v="2237" actId="478"/>
           <ac:spMkLst>
@@ -652,6 +724,14 @@
             <ac:spMk id="35" creationId="{35F541D5-12FC-D109-1E5C-C67767F01395}"/>
           </ac:spMkLst>
         </pc:spChg>
+        <pc:spChg chg="add del mod">
+          <ac:chgData name="Rikard Larsson" userId="7f66aacf32806e64" providerId="LiveId" clId="{E0778A1E-D827-4224-A60C-32F3514D9223}" dt="2023-05-01T20:41:39.154" v="3889"/>
+          <ac:spMkLst>
+            <pc:docMk/>
+            <pc:sldMk cId="1748760876" sldId="256"/>
+            <ac:spMk id="35" creationId="{BE5C4524-F456-B60B-C469-8FE6BBDEDF87}"/>
+          </ac:spMkLst>
+        </pc:spChg>
         <pc:spChg chg="add del mod ord">
           <ac:chgData name="Rikard Larsson" userId="7f66aacf32806e64" providerId="LiveId" clId="{E0778A1E-D827-4224-A60C-32F3514D9223}" dt="2023-03-29T21:24:11.697" v="1964" actId="478"/>
           <ac:spMkLst>
@@ -668,6 +748,22 @@
             <ac:spMk id="36" creationId="{7DCFDC85-4F9F-E266-F5F6-39E295BF4227}"/>
           </ac:spMkLst>
         </pc:spChg>
+        <pc:spChg chg="add del mod">
+          <ac:chgData name="Rikard Larsson" userId="7f66aacf32806e64" providerId="LiveId" clId="{E0778A1E-D827-4224-A60C-32F3514D9223}" dt="2023-05-01T20:41:39.154" v="3889"/>
+          <ac:spMkLst>
+            <pc:docMk/>
+            <pc:sldMk cId="1748760876" sldId="256"/>
+            <ac:spMk id="36" creationId="{D9DD68EA-E951-2109-0C57-142A936D52E1}"/>
+          </ac:spMkLst>
+        </pc:spChg>
+        <pc:spChg chg="add del mod">
+          <ac:chgData name="Rikard Larsson" userId="7f66aacf32806e64" providerId="LiveId" clId="{E0778A1E-D827-4224-A60C-32F3514D9223}" dt="2023-05-01T20:41:39.154" v="3889"/>
+          <ac:spMkLst>
+            <pc:docMk/>
+            <pc:sldMk cId="1748760876" sldId="256"/>
+            <ac:spMk id="37" creationId="{2D34D050-9DDD-A437-821F-2A9E982D0130}"/>
+          </ac:spMkLst>
+        </pc:spChg>
         <pc:spChg chg="add del mod ord">
           <ac:chgData name="Rikard Larsson" userId="7f66aacf32806e64" providerId="LiveId" clId="{E0778A1E-D827-4224-A60C-32F3514D9223}" dt="2023-03-29T21:24:10.729" v="1963" actId="478"/>
           <ac:spMkLst>
@@ -692,6 +788,14 @@
             <ac:spMk id="38" creationId="{51373BC7-0EFB-5F2D-17EE-2240636A975B}"/>
           </ac:spMkLst>
         </pc:spChg>
+        <pc:spChg chg="add del mod">
+          <ac:chgData name="Rikard Larsson" userId="7f66aacf32806e64" providerId="LiveId" clId="{E0778A1E-D827-4224-A60C-32F3514D9223}" dt="2023-05-01T20:41:39.154" v="3889"/>
+          <ac:spMkLst>
+            <pc:docMk/>
+            <pc:sldMk cId="1748760876" sldId="256"/>
+            <ac:spMk id="38" creationId="{646328AA-9FF6-09F2-E80D-B561FA32330D}"/>
+          </ac:spMkLst>
+        </pc:spChg>
         <pc:spChg chg="mod">
           <ac:chgData name="Rikard Larsson" userId="7f66aacf32806e64" providerId="LiveId" clId="{E0778A1E-D827-4224-A60C-32F3514D9223}" dt="2023-03-23T18:59:47.062" v="75" actId="207"/>
           <ac:spMkLst>
@@ -708,6 +812,22 @@
             <ac:spMk id="39" creationId="{001E620D-665B-34E6-ED55-FE5E7671B329}"/>
           </ac:spMkLst>
         </pc:spChg>
+        <pc:spChg chg="add del mod">
+          <ac:chgData name="Rikard Larsson" userId="7f66aacf32806e64" providerId="LiveId" clId="{E0778A1E-D827-4224-A60C-32F3514D9223}" dt="2023-05-01T20:41:39.154" v="3889"/>
+          <ac:spMkLst>
+            <pc:docMk/>
+            <pc:sldMk cId="1748760876" sldId="256"/>
+            <ac:spMk id="39" creationId="{507A8A7A-5C94-5F0D-00AC-49E0798CDD41}"/>
+          </ac:spMkLst>
+        </pc:spChg>
+        <pc:spChg chg="add del mod">
+          <ac:chgData name="Rikard Larsson" userId="7f66aacf32806e64" providerId="LiveId" clId="{E0778A1E-D827-4224-A60C-32F3514D9223}" dt="2023-05-01T20:41:39.154" v="3889"/>
+          <ac:spMkLst>
+            <pc:docMk/>
+            <pc:sldMk cId="1748760876" sldId="256"/>
+            <ac:spMk id="40" creationId="{7160B60D-2564-F98A-BBD3-EB9D39E1FA3C}"/>
+          </ac:spMkLst>
+        </pc:spChg>
         <pc:spChg chg="mod">
           <ac:chgData name="Rikard Larsson" userId="7f66aacf32806e64" providerId="LiveId" clId="{E0778A1E-D827-4224-A60C-32F3514D9223}" dt="2023-03-23T18:59:47.062" v="75" actId="207"/>
           <ac:spMkLst>
@@ -740,6 +860,22 @@
             <ac:spMk id="41" creationId="{7B680B71-EF96-D7AA-4E9B-1FA0DAAB2B49}"/>
           </ac:spMkLst>
         </pc:spChg>
+        <pc:spChg chg="add del mod">
+          <ac:chgData name="Rikard Larsson" userId="7f66aacf32806e64" providerId="LiveId" clId="{E0778A1E-D827-4224-A60C-32F3514D9223}" dt="2023-05-01T20:41:49.109" v="3892"/>
+          <ac:spMkLst>
+            <pc:docMk/>
+            <pc:sldMk cId="1748760876" sldId="256"/>
+            <ac:spMk id="41" creationId="{EB218DE5-E447-3497-8326-57D1DBA6B2B8}"/>
+          </ac:spMkLst>
+        </pc:spChg>
+        <pc:spChg chg="add del mod">
+          <ac:chgData name="Rikard Larsson" userId="7f66aacf32806e64" providerId="LiveId" clId="{E0778A1E-D827-4224-A60C-32F3514D9223}" dt="2023-05-01T20:41:49.109" v="3892"/>
+          <ac:spMkLst>
+            <pc:docMk/>
+            <pc:sldMk cId="1748760876" sldId="256"/>
+            <ac:spMk id="42" creationId="{45F25C04-5022-140F-9B8D-1E1827E53379}"/>
+          </ac:spMkLst>
+        </pc:spChg>
         <pc:spChg chg="mod">
           <ac:chgData name="Rikard Larsson" userId="7f66aacf32806e64" providerId="LiveId" clId="{E0778A1E-D827-4224-A60C-32F3514D9223}" dt="2023-03-23T18:59:47.062" v="75" actId="207"/>
           <ac:spMkLst>
@@ -772,6 +908,14 @@
             <ac:spMk id="43" creationId="{C7430D40-7A8C-25FC-4118-D3F55D83A296}"/>
           </ac:spMkLst>
         </pc:spChg>
+        <pc:spChg chg="add del mod">
+          <ac:chgData name="Rikard Larsson" userId="7f66aacf32806e64" providerId="LiveId" clId="{E0778A1E-D827-4224-A60C-32F3514D9223}" dt="2023-05-01T20:41:49.109" v="3892"/>
+          <ac:spMkLst>
+            <pc:docMk/>
+            <pc:sldMk cId="1748760876" sldId="256"/>
+            <ac:spMk id="43" creationId="{D82DDDBB-67A9-DB67-5ED7-51D38DB6174E}"/>
+          </ac:spMkLst>
+        </pc:spChg>
         <pc:spChg chg="add del mod ord topLvl">
           <ac:chgData name="Rikard Larsson" userId="7f66aacf32806e64" providerId="LiveId" clId="{E0778A1E-D827-4224-A60C-32F3514D9223}" dt="2023-03-29T21:41:10.691" v="2161" actId="478"/>
           <ac:spMkLst>
@@ -780,12 +924,28 @@
             <ac:spMk id="44" creationId="{804B6B08-3AF0-8C0A-D7DA-FDFD2587B5F1}"/>
           </ac:spMkLst>
         </pc:spChg>
+        <pc:spChg chg="add del mod">
+          <ac:chgData name="Rikard Larsson" userId="7f66aacf32806e64" providerId="LiveId" clId="{E0778A1E-D827-4224-A60C-32F3514D9223}" dt="2023-05-01T20:41:49.109" v="3892"/>
+          <ac:spMkLst>
+            <pc:docMk/>
+            <pc:sldMk cId="1748760876" sldId="256"/>
+            <ac:spMk id="44" creationId="{A1A0F758-0A7A-921B-232B-A04A7B2691D2}"/>
+          </ac:spMkLst>
+        </pc:spChg>
         <pc:spChg chg="mod">
           <ac:chgData name="Rikard Larsson" userId="7f66aacf32806e64" providerId="LiveId" clId="{E0778A1E-D827-4224-A60C-32F3514D9223}" dt="2023-03-23T18:59:47.062" v="75" actId="207"/>
           <ac:spMkLst>
             <pc:docMk/>
             <pc:sldMk cId="1748760876" sldId="256"/>
             <ac:spMk id="44" creationId="{D90F2CB2-002E-299C-FCD4-B7206C11C63A}"/>
+          </ac:spMkLst>
+        </pc:spChg>
+        <pc:spChg chg="add del mod">
+          <ac:chgData name="Rikard Larsson" userId="7f66aacf32806e64" providerId="LiveId" clId="{E0778A1E-D827-4224-A60C-32F3514D9223}" dt="2023-05-01T20:41:49.109" v="3892"/>
+          <ac:spMkLst>
+            <pc:docMk/>
+            <pc:sldMk cId="1748760876" sldId="256"/>
+            <ac:spMk id="45" creationId="{A132FC04-2B92-642B-FBF1-0462EABDEED3}"/>
           </ac:spMkLst>
         </pc:spChg>
         <pc:spChg chg="mod">
@@ -820,12 +980,28 @@
             <ac:spMk id="46" creationId="{9ECAE0A5-4218-C974-9774-D7F5AAEAAE38}"/>
           </ac:spMkLst>
         </pc:spChg>
+        <pc:spChg chg="add del mod">
+          <ac:chgData name="Rikard Larsson" userId="7f66aacf32806e64" providerId="LiveId" clId="{E0778A1E-D827-4224-A60C-32F3514D9223}" dt="2023-05-01T20:41:49.109" v="3892"/>
+          <ac:spMkLst>
+            <pc:docMk/>
+            <pc:sldMk cId="1748760876" sldId="256"/>
+            <ac:spMk id="46" creationId="{C482D7B5-307E-76C5-5945-ED8FB9D49905}"/>
+          </ac:spMkLst>
+        </pc:spChg>
         <pc:spChg chg="mod">
           <ac:chgData name="Rikard Larsson" userId="7f66aacf32806e64" providerId="LiveId" clId="{E0778A1E-D827-4224-A60C-32F3514D9223}" dt="2023-03-23T18:59:47.062" v="75" actId="207"/>
           <ac:spMkLst>
             <pc:docMk/>
             <pc:sldMk cId="1748760876" sldId="256"/>
             <ac:spMk id="47" creationId="{0CD858BD-8CB2-2DB0-066C-53130B17429A}"/>
+          </ac:spMkLst>
+        </pc:spChg>
+        <pc:spChg chg="add mod">
+          <ac:chgData name="Rikard Larsson" userId="7f66aacf32806e64" providerId="LiveId" clId="{E0778A1E-D827-4224-A60C-32F3514D9223}" dt="2023-05-01T20:48:07.715" v="3943" actId="1076"/>
+          <ac:spMkLst>
+            <pc:docMk/>
+            <pc:sldMk cId="1748760876" sldId="256"/>
+            <ac:spMk id="47" creationId="{48A68383-C50A-9B1F-EB7C-B02DDA1FF786}"/>
           </ac:spMkLst>
         </pc:spChg>
         <pc:spChg chg="add del mod">
@@ -852,6 +1028,14 @@
             <ac:spMk id="48" creationId="{6744648B-9B42-473D-8D75-0C22FA73725E}"/>
           </ac:spMkLst>
         </pc:spChg>
+        <pc:spChg chg="add mod">
+          <ac:chgData name="Rikard Larsson" userId="7f66aacf32806e64" providerId="LiveId" clId="{E0778A1E-D827-4224-A60C-32F3514D9223}" dt="2023-05-01T21:00:15.412" v="3983" actId="20577"/>
+          <ac:spMkLst>
+            <pc:docMk/>
+            <pc:sldMk cId="1748760876" sldId="256"/>
+            <ac:spMk id="48" creationId="{DD4B325F-D923-07D2-3BA8-F74F9DA25960}"/>
+          </ac:spMkLst>
+        </pc:spChg>
         <pc:spChg chg="add mod ord">
           <ac:chgData name="Rikard Larsson" userId="7f66aacf32806e64" providerId="LiveId" clId="{E0778A1E-D827-4224-A60C-32F3514D9223}" dt="2023-03-23T19:56:56.209" v="584" actId="20577"/>
           <ac:spMkLst>
@@ -861,6 +1045,14 @@
           </ac:spMkLst>
         </pc:spChg>
         <pc:spChg chg="add del mod">
+          <ac:chgData name="Rikard Larsson" userId="7f66aacf32806e64" providerId="LiveId" clId="{E0778A1E-D827-4224-A60C-32F3514D9223}" dt="2023-05-01T21:06:35.885" v="4021" actId="478"/>
+          <ac:spMkLst>
+            <pc:docMk/>
+            <pc:sldMk cId="1748760876" sldId="256"/>
+            <ac:spMk id="49" creationId="{EEBB3457-E05C-FC12-F386-84112C1A0B94}"/>
+          </ac:spMkLst>
+        </pc:spChg>
+        <pc:spChg chg="add del mod">
           <ac:chgData name="Rikard Larsson" userId="7f66aacf32806e64" providerId="LiveId" clId="{E0778A1E-D827-4224-A60C-32F3514D9223}" dt="2023-03-23T19:06:39.121" v="100" actId="478"/>
           <ac:spMkLst>
             <pc:docMk/>
@@ -876,6 +1068,22 @@
             <ac:spMk id="50" creationId="{DAB1C6DA-6F69-403D-3D07-60E927183EC1}"/>
           </ac:spMkLst>
         </pc:spChg>
+        <pc:spChg chg="add mod">
+          <ac:chgData name="Rikard Larsson" userId="7f66aacf32806e64" providerId="LiveId" clId="{E0778A1E-D827-4224-A60C-32F3514D9223}" dt="2023-05-01T20:48:07.715" v="3943" actId="1076"/>
+          <ac:spMkLst>
+            <pc:docMk/>
+            <pc:sldMk cId="1748760876" sldId="256"/>
+            <ac:spMk id="50" creationId="{F9836BCB-E1B3-CC1A-323C-9B5D78F1D4F4}"/>
+          </ac:spMkLst>
+        </pc:spChg>
+        <pc:spChg chg="add mod">
+          <ac:chgData name="Rikard Larsson" userId="7f66aacf32806e64" providerId="LiveId" clId="{E0778A1E-D827-4224-A60C-32F3514D9223}" dt="2023-05-01T21:00:12.402" v="3982" actId="20577"/>
+          <ac:spMkLst>
+            <pc:docMk/>
+            <pc:sldMk cId="1748760876" sldId="256"/>
+            <ac:spMk id="51" creationId="{13601369-ABF9-D1CB-B71F-B52B74A6EB4D}"/>
+          </ac:spMkLst>
+        </pc:spChg>
         <pc:spChg chg="add del mod">
           <ac:chgData name="Rikard Larsson" userId="7f66aacf32806e64" providerId="LiveId" clId="{E0778A1E-D827-4224-A60C-32F3514D9223}" dt="2023-03-23T19:06:38.273" v="99" actId="478"/>
           <ac:spMkLst>
@@ -892,6 +1100,14 @@
             <ac:spMk id="51" creationId="{DCA16B8B-AC2B-4312-BE03-67A1669147BF}"/>
           </ac:spMkLst>
         </pc:spChg>
+        <pc:spChg chg="add mod">
+          <ac:chgData name="Rikard Larsson" userId="7f66aacf32806e64" providerId="LiveId" clId="{E0778A1E-D827-4224-A60C-32F3514D9223}" dt="2023-05-01T20:48:07.715" v="3943" actId="1076"/>
+          <ac:spMkLst>
+            <pc:docMk/>
+            <pc:sldMk cId="1748760876" sldId="256"/>
+            <ac:spMk id="52" creationId="{92375A69-7B75-F05B-6863-331A41E19959}"/>
+          </ac:spMkLst>
+        </pc:spChg>
         <pc:spChg chg="add del mod">
           <ac:chgData name="Rikard Larsson" userId="7f66aacf32806e64" providerId="LiveId" clId="{E0778A1E-D827-4224-A60C-32F3514D9223}" dt="2023-03-29T21:24:21.385" v="1966"/>
           <ac:spMkLst>
@@ -908,6 +1124,14 @@
             <ac:spMk id="53" creationId="{AC04D840-35A7-225C-B8FE-C7692418B0DF}"/>
           </ac:spMkLst>
         </pc:spChg>
+        <pc:spChg chg="add mod ord">
+          <ac:chgData name="Rikard Larsson" userId="7f66aacf32806e64" providerId="LiveId" clId="{E0778A1E-D827-4224-A60C-32F3514D9223}" dt="2023-05-01T20:52:58.682" v="3975" actId="1076"/>
+          <ac:spMkLst>
+            <pc:docMk/>
+            <pc:sldMk cId="1748760876" sldId="256"/>
+            <ac:spMk id="53" creationId="{FD2E58FF-7818-6846-B631-CC3DB13E7861}"/>
+          </ac:spMkLst>
+        </pc:spChg>
         <pc:spChg chg="add del mod">
           <ac:chgData name="Rikard Larsson" userId="7f66aacf32806e64" providerId="LiveId" clId="{E0778A1E-D827-4224-A60C-32F3514D9223}" dt="2023-03-29T21:24:21.385" v="1966"/>
           <ac:spMkLst>
@@ -916,6 +1140,22 @@
             <ac:spMk id="54" creationId="{8BB516FD-8F89-900B-4D43-3C92FF2A870E}"/>
           </ac:spMkLst>
         </pc:spChg>
+        <pc:spChg chg="add mod ord">
+          <ac:chgData name="Rikard Larsson" userId="7f66aacf32806e64" providerId="LiveId" clId="{E0778A1E-D827-4224-A60C-32F3514D9223}" dt="2023-05-01T21:00:41.701" v="4012" actId="20577"/>
+          <ac:spMkLst>
+            <pc:docMk/>
+            <pc:sldMk cId="1748760876" sldId="256"/>
+            <ac:spMk id="54" creationId="{EDD006C4-8E04-4769-F04F-AA1C4C11CC46}"/>
+          </ac:spMkLst>
+        </pc:spChg>
+        <pc:spChg chg="add mod ord">
+          <ac:chgData name="Rikard Larsson" userId="7f66aacf32806e64" providerId="LiveId" clId="{E0778A1E-D827-4224-A60C-32F3514D9223}" dt="2023-05-01T20:52:58.682" v="3975" actId="1076"/>
+          <ac:spMkLst>
+            <pc:docMk/>
+            <pc:sldMk cId="1748760876" sldId="256"/>
+            <ac:spMk id="55" creationId="{A2F6C310-967A-846B-322F-BCD4E3CBD636}"/>
+          </ac:spMkLst>
+        </pc:spChg>
         <pc:spChg chg="add del mod">
           <ac:chgData name="Rikard Larsson" userId="7f66aacf32806e64" providerId="LiveId" clId="{E0778A1E-D827-4224-A60C-32F3514D9223}" dt="2023-03-29T21:24:21.385" v="1966"/>
           <ac:spMkLst>
@@ -924,6 +1164,14 @@
             <ac:spMk id="55" creationId="{E2C00DBB-E553-835E-560B-C65D22B040E4}"/>
           </ac:spMkLst>
         </pc:spChg>
+        <pc:spChg chg="add mod ord">
+          <ac:chgData name="Rikard Larsson" userId="7f66aacf32806e64" providerId="LiveId" clId="{E0778A1E-D827-4224-A60C-32F3514D9223}" dt="2023-05-01T20:52:58.682" v="3975" actId="1076"/>
+          <ac:spMkLst>
+            <pc:docMk/>
+            <pc:sldMk cId="1748760876" sldId="256"/>
+            <ac:spMk id="56" creationId="{4380519C-98B8-8C50-51D3-704706959650}"/>
+          </ac:spMkLst>
+        </pc:spChg>
         <pc:spChg chg="add del mod topLvl">
           <ac:chgData name="Rikard Larsson" userId="7f66aacf32806e64" providerId="LiveId" clId="{E0778A1E-D827-4224-A60C-32F3514D9223}" dt="2023-03-29T21:41:13.916" v="2167" actId="478"/>
           <ac:spMkLst>
@@ -932,6 +1180,14 @@
             <ac:spMk id="56" creationId="{E79B268D-7721-5469-1B74-5EF7B3F66171}"/>
           </ac:spMkLst>
         </pc:spChg>
+        <pc:spChg chg="add mod ord">
+          <ac:chgData name="Rikard Larsson" userId="7f66aacf32806e64" providerId="LiveId" clId="{E0778A1E-D827-4224-A60C-32F3514D9223}" dt="2023-05-01T21:00:45.396" v="4019" actId="20577"/>
+          <ac:spMkLst>
+            <pc:docMk/>
+            <pc:sldMk cId="1748760876" sldId="256"/>
+            <ac:spMk id="57" creationId="{544F175B-16F9-9BA2-8D77-5C62F32D0B71}"/>
+          </ac:spMkLst>
+        </pc:spChg>
         <pc:spChg chg="add del mod topLvl">
           <ac:chgData name="Rikard Larsson" userId="7f66aacf32806e64" providerId="LiveId" clId="{E0778A1E-D827-4224-A60C-32F3514D9223}" dt="2023-03-29T21:41:14.507" v="2168" actId="478"/>
           <ac:spMkLst>
@@ -940,6 +1196,14 @@
             <ac:spMk id="57" creationId="{8F01F700-4C7E-6AC4-09CD-D9CC24B04397}"/>
           </ac:spMkLst>
         </pc:spChg>
+        <pc:spChg chg="add mod ord">
+          <ac:chgData name="Rikard Larsson" userId="7f66aacf32806e64" providerId="LiveId" clId="{E0778A1E-D827-4224-A60C-32F3514D9223}" dt="2023-05-01T20:52:58.682" v="3975" actId="1076"/>
+          <ac:spMkLst>
+            <pc:docMk/>
+            <pc:sldMk cId="1748760876" sldId="256"/>
+            <ac:spMk id="58" creationId="{CC9D918D-5BA3-98AA-119A-E63932E2DA79}"/>
+          </ac:spMkLst>
+        </pc:spChg>
         <pc:spChg chg="add del mod topLvl">
           <ac:chgData name="Rikard Larsson" userId="7f66aacf32806e64" providerId="LiveId" clId="{E0778A1E-D827-4224-A60C-32F3514D9223}" dt="2023-03-29T21:41:12.229" v="2164" actId="478"/>
           <ac:spMkLst>
@@ -956,6 +1220,14 @@
             <ac:spMk id="59" creationId="{327FEBBE-4F68-DFBF-9731-62387FC7E164}"/>
           </ac:spMkLst>
         </pc:spChg>
+        <pc:spChg chg="add mod ord">
+          <ac:chgData name="Rikard Larsson" userId="7f66aacf32806e64" providerId="LiveId" clId="{E0778A1E-D827-4224-A60C-32F3514D9223}" dt="2023-05-01T20:52:58.682" v="3975" actId="1076"/>
+          <ac:spMkLst>
+            <pc:docMk/>
+            <pc:sldMk cId="1748760876" sldId="256"/>
+            <ac:spMk id="59" creationId="{FDE27432-9A5C-3619-957E-93D9BA7FAFE0}"/>
+          </ac:spMkLst>
+        </pc:spChg>
         <pc:spChg chg="add del mod topLvl">
           <ac:chgData name="Rikard Larsson" userId="7f66aacf32806e64" providerId="LiveId" clId="{E0778A1E-D827-4224-A60C-32F3514D9223}" dt="2023-03-29T21:41:13.308" v="2166" actId="478"/>
           <ac:spMkLst>
@@ -964,6 +1236,14 @@
             <ac:spMk id="60" creationId="{AF660CED-3FD2-87D6-8500-BA2FE7EEF9EB}"/>
           </ac:spMkLst>
         </pc:spChg>
+        <pc:spChg chg="add mod ord">
+          <ac:chgData name="Rikard Larsson" userId="7f66aacf32806e64" providerId="LiveId" clId="{E0778A1E-D827-4224-A60C-32F3514D9223}" dt="2023-05-01T21:00:27.540" v="3995" actId="6549"/>
+          <ac:spMkLst>
+            <pc:docMk/>
+            <pc:sldMk cId="1748760876" sldId="256"/>
+            <ac:spMk id="60" creationId="{BC549E35-EAB5-1CEE-6B40-40BDDD50D5FC}"/>
+          </ac:spMkLst>
+        </pc:spChg>
         <pc:spChg chg="add mod">
           <ac:chgData name="Rikard Larsson" userId="7f66aacf32806e64" providerId="LiveId" clId="{E0778A1E-D827-4224-A60C-32F3514D9223}" dt="2023-03-23T19:38:04.421" v="273" actId="164"/>
           <ac:spMkLst>
@@ -972,6 +1252,14 @@
             <ac:spMk id="61" creationId="{05DF34AA-6363-FE9E-C380-EED16BED6F9A}"/>
           </ac:spMkLst>
         </pc:spChg>
+        <pc:spChg chg="add del mod ord">
+          <ac:chgData name="Rikard Larsson" userId="7f66aacf32806e64" providerId="LiveId" clId="{E0778A1E-D827-4224-A60C-32F3514D9223}" dt="2023-05-01T21:06:30.205" v="4020" actId="478"/>
+          <ac:spMkLst>
+            <pc:docMk/>
+            <pc:sldMk cId="1748760876" sldId="256"/>
+            <ac:spMk id="61" creationId="{48BD679F-8E93-822B-5C41-83BE7C355653}"/>
+          </ac:spMkLst>
+        </pc:spChg>
         <pc:spChg chg="add del mod">
           <ac:chgData name="Rikard Larsson" userId="7f66aacf32806e64" providerId="LiveId" clId="{E0778A1E-D827-4224-A60C-32F3514D9223}" dt="2023-03-23T19:19:28.095" v="252" actId="478"/>
           <ac:spMkLst>
@@ -988,6 +1276,22 @@
             <ac:spMk id="62" creationId="{B89A54F3-015E-785F-7A2E-89763E73874C}"/>
           </ac:spMkLst>
         </pc:spChg>
+        <pc:spChg chg="add mod ord">
+          <ac:chgData name="Rikard Larsson" userId="7f66aacf32806e64" providerId="LiveId" clId="{E0778A1E-D827-4224-A60C-32F3514D9223}" dt="2023-05-01T20:52:58.682" v="3975" actId="1076"/>
+          <ac:spMkLst>
+            <pc:docMk/>
+            <pc:sldMk cId="1748760876" sldId="256"/>
+            <ac:spMk id="62" creationId="{DA1B6507-101C-97DB-1AE7-DB05C899458A}"/>
+          </ac:spMkLst>
+        </pc:spChg>
+        <pc:spChg chg="add mod ord">
+          <ac:chgData name="Rikard Larsson" userId="7f66aacf32806e64" providerId="LiveId" clId="{E0778A1E-D827-4224-A60C-32F3514D9223}" dt="2023-05-01T21:00:34.658" v="4007" actId="20577"/>
+          <ac:spMkLst>
+            <pc:docMk/>
+            <pc:sldMk cId="1748760876" sldId="256"/>
+            <ac:spMk id="63" creationId="{A7C82994-0715-5A0D-F42E-4EBED3F15BBE}"/>
+          </ac:spMkLst>
+        </pc:spChg>
         <pc:spChg chg="add del mod">
           <ac:chgData name="Rikard Larsson" userId="7f66aacf32806e64" providerId="LiveId" clId="{E0778A1E-D827-4224-A60C-32F3514D9223}" dt="2023-03-23T19:15:46.341" v="204"/>
           <ac:spMkLst>
@@ -1004,6 +1308,14 @@
             <ac:spMk id="64" creationId="{B8E28C90-16C0-8292-DA33-66B5449847A0}"/>
           </ac:spMkLst>
         </pc:spChg>
+        <pc:spChg chg="mod">
+          <ac:chgData name="Rikard Larsson" userId="7f66aacf32806e64" providerId="LiveId" clId="{E0778A1E-D827-4224-A60C-32F3514D9223}" dt="2023-05-01T21:11:12.649" v="4022"/>
+          <ac:spMkLst>
+            <pc:docMk/>
+            <pc:sldMk cId="1748760876" sldId="256"/>
+            <ac:spMk id="65" creationId="{020E5040-5F32-D89E-686E-49AA2EA6B879}"/>
+          </ac:spMkLst>
+        </pc:spChg>
         <pc:spChg chg="del mod topLvl">
           <ac:chgData name="Rikard Larsson" userId="7f66aacf32806e64" providerId="LiveId" clId="{E0778A1E-D827-4224-A60C-32F3514D9223}" dt="2023-03-29T21:43:37.947" v="2237" actId="478"/>
           <ac:spMkLst>
@@ -1012,6 +1324,14 @@
             <ac:spMk id="65" creationId="{EA612A1B-7437-01A6-21A7-A068B1360D59}"/>
           </ac:spMkLst>
         </pc:spChg>
+        <pc:spChg chg="mod">
+          <ac:chgData name="Rikard Larsson" userId="7f66aacf32806e64" providerId="LiveId" clId="{E0778A1E-D827-4224-A60C-32F3514D9223}" dt="2023-05-01T21:11:12.649" v="4022"/>
+          <ac:spMkLst>
+            <pc:docMk/>
+            <pc:sldMk cId="1748760876" sldId="256"/>
+            <ac:spMk id="66" creationId="{04B86F3C-62F4-3034-B8DB-372FBF76004B}"/>
+          </ac:spMkLst>
+        </pc:spChg>
         <pc:spChg chg="mod topLvl">
           <ac:chgData name="Rikard Larsson" userId="7f66aacf32806e64" providerId="LiveId" clId="{E0778A1E-D827-4224-A60C-32F3514D9223}" dt="2023-03-29T21:40:40.639" v="2137" actId="164"/>
           <ac:spMkLst>
@@ -1028,6 +1348,14 @@
             <ac:spMk id="67" creationId="{2A7797FA-947A-72A2-DEF6-C61E88DC15D6}"/>
           </ac:spMkLst>
         </pc:spChg>
+        <pc:spChg chg="mod">
+          <ac:chgData name="Rikard Larsson" userId="7f66aacf32806e64" providerId="LiveId" clId="{E0778A1E-D827-4224-A60C-32F3514D9223}" dt="2023-05-01T21:11:12.649" v="4022"/>
+          <ac:spMkLst>
+            <pc:docMk/>
+            <pc:sldMk cId="1748760876" sldId="256"/>
+            <ac:spMk id="68" creationId="{8870925F-B97D-2487-19D1-0C761AFE66BA}"/>
+          </ac:spMkLst>
+        </pc:spChg>
         <pc:spChg chg="add del mod">
           <ac:chgData name="Rikard Larsson" userId="7f66aacf32806e64" providerId="LiveId" clId="{E0778A1E-D827-4224-A60C-32F3514D9223}" dt="2023-03-23T19:19:28.095" v="252" actId="478"/>
           <ac:spMkLst>
@@ -1060,6 +1388,14 @@
             <ac:spMk id="69" creationId="{77BCA593-6182-0B34-DA48-5DE0E2F45A55}"/>
           </ac:spMkLst>
         </pc:spChg>
+        <pc:spChg chg="mod">
+          <ac:chgData name="Rikard Larsson" userId="7f66aacf32806e64" providerId="LiveId" clId="{E0778A1E-D827-4224-A60C-32F3514D9223}" dt="2023-05-01T21:11:12.649" v="4022"/>
+          <ac:spMkLst>
+            <pc:docMk/>
+            <pc:sldMk cId="1748760876" sldId="256"/>
+            <ac:spMk id="69" creationId="{8D4BDE52-6630-E655-0625-636202F4298D}"/>
+          </ac:spMkLst>
+        </pc:spChg>
         <pc:spChg chg="mod topLvl">
           <ac:chgData name="Rikard Larsson" userId="7f66aacf32806e64" providerId="LiveId" clId="{E0778A1E-D827-4224-A60C-32F3514D9223}" dt="2023-03-29T21:40:40.639" v="2137" actId="164"/>
           <ac:spMkLst>
@@ -1068,6 +1404,14 @@
             <ac:spMk id="70" creationId="{4CF5DD41-0E1C-4CA1-1927-AFABBC76EA73}"/>
           </ac:spMkLst>
         </pc:spChg>
+        <pc:spChg chg="mod">
+          <ac:chgData name="Rikard Larsson" userId="7f66aacf32806e64" providerId="LiveId" clId="{E0778A1E-D827-4224-A60C-32F3514D9223}" dt="2023-05-01T21:11:12.649" v="4022"/>
+          <ac:spMkLst>
+            <pc:docMk/>
+            <pc:sldMk cId="1748760876" sldId="256"/>
+            <ac:spMk id="70" creationId="{56017F89-40F4-B6BA-9630-3A2BBEDBDBC3}"/>
+          </ac:spMkLst>
+        </pc:spChg>
         <pc:spChg chg="add del mod">
           <ac:chgData name="Rikard Larsson" userId="7f66aacf32806e64" providerId="LiveId" clId="{E0778A1E-D827-4224-A60C-32F3514D9223}" dt="2023-03-23T19:36:24.814" v="265" actId="478"/>
           <ac:spMkLst>
@@ -1076,6 +1420,14 @@
             <ac:spMk id="70" creationId="{94827290-3B69-D917-61ED-0D03E128F153}"/>
           </ac:spMkLst>
         </pc:spChg>
+        <pc:spChg chg="mod">
+          <ac:chgData name="Rikard Larsson" userId="7f66aacf32806e64" providerId="LiveId" clId="{E0778A1E-D827-4224-A60C-32F3514D9223}" dt="2023-05-01T21:11:12.649" v="4022"/>
+          <ac:spMkLst>
+            <pc:docMk/>
+            <pc:sldMk cId="1748760876" sldId="256"/>
+            <ac:spMk id="71" creationId="{0E649D8A-551E-D5F6-E639-5B7B0F4828E6}"/>
+          </ac:spMkLst>
+        </pc:spChg>
         <pc:spChg chg="add del mod">
           <ac:chgData name="Rikard Larsson" userId="7f66aacf32806e64" providerId="LiveId" clId="{E0778A1E-D827-4224-A60C-32F3514D9223}" dt="2023-03-23T19:36:25.477" v="266" actId="478"/>
           <ac:spMkLst>
@@ -1092,6 +1444,14 @@
             <ac:spMk id="71" creationId="{9761FD0E-6B01-72B4-D968-73435BC8E155}"/>
           </ac:spMkLst>
         </pc:spChg>
+        <pc:spChg chg="mod">
+          <ac:chgData name="Rikard Larsson" userId="7f66aacf32806e64" providerId="LiveId" clId="{E0778A1E-D827-4224-A60C-32F3514D9223}" dt="2023-05-01T21:11:12.649" v="4022"/>
+          <ac:spMkLst>
+            <pc:docMk/>
+            <pc:sldMk cId="1748760876" sldId="256"/>
+            <ac:spMk id="72" creationId="{68DBAEA8-D915-11EE-1FE0-981DEDBDC73E}"/>
+          </ac:spMkLst>
+        </pc:spChg>
         <pc:spChg chg="add mod">
           <ac:chgData name="Rikard Larsson" userId="7f66aacf32806e64" providerId="LiveId" clId="{E0778A1E-D827-4224-A60C-32F3514D9223}" dt="2023-03-23T19:38:04.421" v="273" actId="164"/>
           <ac:spMkLst>
@@ -1108,6 +1468,14 @@
             <ac:spMk id="73" creationId="{11EBF7E1-C012-4010-0E6D-FD7E3C24D98E}"/>
           </ac:spMkLst>
         </pc:spChg>
+        <pc:spChg chg="mod">
+          <ac:chgData name="Rikard Larsson" userId="7f66aacf32806e64" providerId="LiveId" clId="{E0778A1E-D827-4224-A60C-32F3514D9223}" dt="2023-05-01T21:11:12.649" v="4022"/>
+          <ac:spMkLst>
+            <pc:docMk/>
+            <pc:sldMk cId="1748760876" sldId="256"/>
+            <ac:spMk id="73" creationId="{C6AFF8C6-AF5F-335D-DD09-E9BDB392A59B}"/>
+          </ac:spMkLst>
+        </pc:spChg>
         <pc:spChg chg="add mod">
           <ac:chgData name="Rikard Larsson" userId="7f66aacf32806e64" providerId="LiveId" clId="{E0778A1E-D827-4224-A60C-32F3514D9223}" dt="2023-03-23T19:38:04.421" v="273" actId="164"/>
           <ac:spMkLst>
@@ -1116,6 +1484,22 @@
             <ac:spMk id="74" creationId="{AD2C7984-64C2-58CD-A3B1-08B37FB83579}"/>
           </ac:spMkLst>
         </pc:spChg>
+        <pc:spChg chg="mod">
+          <ac:chgData name="Rikard Larsson" userId="7f66aacf32806e64" providerId="LiveId" clId="{E0778A1E-D827-4224-A60C-32F3514D9223}" dt="2023-05-01T21:11:12.649" v="4022"/>
+          <ac:spMkLst>
+            <pc:docMk/>
+            <pc:sldMk cId="1748760876" sldId="256"/>
+            <ac:spMk id="74" creationId="{CAC225E6-8A60-6E56-4197-697396418D2F}"/>
+          </ac:spMkLst>
+        </pc:spChg>
+        <pc:spChg chg="mod">
+          <ac:chgData name="Rikard Larsson" userId="7f66aacf32806e64" providerId="LiveId" clId="{E0778A1E-D827-4224-A60C-32F3514D9223}" dt="2023-05-01T21:11:12.649" v="4022"/>
+          <ac:spMkLst>
+            <pc:docMk/>
+            <pc:sldMk cId="1748760876" sldId="256"/>
+            <ac:spMk id="75" creationId="{95F00F08-2573-CCD2-B58F-4CFABDDA6843}"/>
+          </ac:spMkLst>
+        </pc:spChg>
         <pc:spChg chg="add mod">
           <ac:chgData name="Rikard Larsson" userId="7f66aacf32806e64" providerId="LiveId" clId="{E0778A1E-D827-4224-A60C-32F3514D9223}" dt="2023-03-23T19:38:04.421" v="273" actId="164"/>
           <ac:spMkLst>
@@ -1124,6 +1508,14 @@
             <ac:spMk id="75" creationId="{DA420E2B-E7C9-BBCE-CC26-AC4D43235E37}"/>
           </ac:spMkLst>
         </pc:spChg>
+        <pc:spChg chg="mod">
+          <ac:chgData name="Rikard Larsson" userId="7f66aacf32806e64" providerId="LiveId" clId="{E0778A1E-D827-4224-A60C-32F3514D9223}" dt="2023-05-01T21:11:12.649" v="4022"/>
+          <ac:spMkLst>
+            <pc:docMk/>
+            <pc:sldMk cId="1748760876" sldId="256"/>
+            <ac:spMk id="76" creationId="{7C6E65B1-1A71-AA67-D587-F661FE53BD5C}"/>
+          </ac:spMkLst>
+        </pc:spChg>
         <pc:spChg chg="mod topLvl">
           <ac:chgData name="Rikard Larsson" userId="7f66aacf32806e64" providerId="LiveId" clId="{E0778A1E-D827-4224-A60C-32F3514D9223}" dt="2023-03-29T21:40:40.639" v="2137" actId="164"/>
           <ac:spMkLst>
@@ -1133,6 +1525,14 @@
           </ac:spMkLst>
         </pc:spChg>
         <pc:spChg chg="mod">
+          <ac:chgData name="Rikard Larsson" userId="7f66aacf32806e64" providerId="LiveId" clId="{E0778A1E-D827-4224-A60C-32F3514D9223}" dt="2023-05-01T21:11:12.649" v="4022"/>
+          <ac:spMkLst>
+            <pc:docMk/>
+            <pc:sldMk cId="1748760876" sldId="256"/>
+            <ac:spMk id="77" creationId="{E694DCB0-93A2-337B-701B-6D35D2F62B81}"/>
+          </ac:spMkLst>
+        </pc:spChg>
+        <pc:spChg chg="mod">
           <ac:chgData name="Rikard Larsson" userId="7f66aacf32806e64" providerId="LiveId" clId="{E0778A1E-D827-4224-A60C-32F3514D9223}" dt="2023-03-23T19:38:12.359" v="274"/>
           <ac:spMkLst>
             <pc:docMk/>
@@ -1149,6 +1549,14 @@
           </ac:spMkLst>
         </pc:spChg>
         <pc:spChg chg="mod">
+          <ac:chgData name="Rikard Larsson" userId="7f66aacf32806e64" providerId="LiveId" clId="{E0778A1E-D827-4224-A60C-32F3514D9223}" dt="2023-05-01T21:11:12.649" v="4022"/>
+          <ac:spMkLst>
+            <pc:docMk/>
+            <pc:sldMk cId="1748760876" sldId="256"/>
+            <ac:spMk id="78" creationId="{CFD18352-9066-63CD-2948-9AC2888A86B2}"/>
+          </ac:spMkLst>
+        </pc:spChg>
+        <pc:spChg chg="mod">
           <ac:chgData name="Rikard Larsson" userId="7f66aacf32806e64" providerId="LiveId" clId="{E0778A1E-D827-4224-A60C-32F3514D9223}" dt="2023-03-23T19:38:12.359" v="274"/>
           <ac:spMkLst>
             <pc:docMk/>
@@ -1205,7 +1613,7 @@
           </ac:spMkLst>
         </pc:spChg>
         <pc:spChg chg="mod topLvl">
-          <ac:chgData name="Rikard Larsson" userId="7f66aacf32806e64" providerId="LiveId" clId="{E0778A1E-D827-4224-A60C-32F3514D9223}" dt="2023-03-29T22:06:37.942" v="2671" actId="20577"/>
+          <ac:chgData name="Rikard Larsson" userId="7f66aacf32806e64" providerId="LiveId" clId="{E0778A1E-D827-4224-A60C-32F3514D9223}" dt="2023-04-26T20:59:54.130" v="3732" actId="20577"/>
           <ac:spMkLst>
             <pc:docMk/>
             <pc:sldMk cId="1748760876" sldId="256"/>
@@ -1573,7 +1981,7 @@
           </ac:spMkLst>
         </pc:spChg>
         <pc:spChg chg="mod">
-          <ac:chgData name="Rikard Larsson" userId="7f66aacf32806e64" providerId="LiveId" clId="{E0778A1E-D827-4224-A60C-32F3514D9223}" dt="2023-03-30T19:46:24.365" v="3500" actId="14100"/>
+          <ac:chgData name="Rikard Larsson" userId="7f66aacf32806e64" providerId="LiveId" clId="{E0778A1E-D827-4224-A60C-32F3514D9223}" dt="2023-05-01T20:50:18.729" v="3963" actId="1037"/>
           <ac:spMkLst>
             <pc:docMk/>
             <pc:sldMk cId="1748760876" sldId="256"/>
@@ -2093,7 +2501,7 @@
           </ac:spMkLst>
         </pc:spChg>
         <pc:spChg chg="mod">
-          <ac:chgData name="Rikard Larsson" userId="7f66aacf32806e64" providerId="LiveId" clId="{E0778A1E-D827-4224-A60C-32F3514D9223}" dt="2023-03-29T22:06:22.156" v="2646" actId="20577"/>
+          <ac:chgData name="Rikard Larsson" userId="7f66aacf32806e64" providerId="LiveId" clId="{E0778A1E-D827-4224-A60C-32F3514D9223}" dt="2023-04-24T17:23:00.172" v="3620" actId="20577"/>
           <ac:spMkLst>
             <pc:docMk/>
             <pc:sldMk cId="1748760876" sldId="256"/>
@@ -2189,7 +2597,7 @@
           </ac:spMkLst>
         </pc:spChg>
         <pc:spChg chg="mod">
-          <ac:chgData name="Rikard Larsson" userId="7f66aacf32806e64" providerId="LiveId" clId="{E0778A1E-D827-4224-A60C-32F3514D9223}" dt="2023-03-29T22:06:27.069" v="2658" actId="20577"/>
+          <ac:chgData name="Rikard Larsson" userId="7f66aacf32806e64" providerId="LiveId" clId="{E0778A1E-D827-4224-A60C-32F3514D9223}" dt="2023-04-26T20:27:36.177" v="3721" actId="20577"/>
           <ac:spMkLst>
             <pc:docMk/>
             <pc:sldMk cId="1748760876" sldId="256"/>
@@ -2285,7 +2693,7 @@
           </ac:spMkLst>
         </pc:spChg>
         <pc:spChg chg="mod">
-          <ac:chgData name="Rikard Larsson" userId="7f66aacf32806e64" providerId="LiveId" clId="{E0778A1E-D827-4224-A60C-32F3514D9223}" dt="2023-03-29T22:06:42.309" v="2681" actId="20577"/>
+          <ac:chgData name="Rikard Larsson" userId="7f66aacf32806e64" providerId="LiveId" clId="{E0778A1E-D827-4224-A60C-32F3514D9223}" dt="2023-04-26T20:59:58.970" v="3744" actId="20577"/>
           <ac:spMkLst>
             <pc:docMk/>
             <pc:sldMk cId="1748760876" sldId="256"/>
@@ -3293,11 +3701,19 @@
           </ac:spMkLst>
         </pc:spChg>
         <pc:spChg chg="mod">
+          <ac:chgData name="Rikard Larsson" userId="7f66aacf32806e64" providerId="LiveId" clId="{E0778A1E-D827-4224-A60C-32F3514D9223}" dt="2023-04-30T20:39:41.135" v="3782" actId="20577"/>
+          <ac:spMkLst>
+            <pc:docMk/>
+            <pc:sldMk cId="1748760876" sldId="256"/>
+            <ac:spMk id="371" creationId="{60AB516E-F54D-144C-7A05-734D515C1899}"/>
+          </ac:spMkLst>
+        </pc:spChg>
+        <pc:spChg chg="mod">
           <ac:chgData name="Rikard Larsson" userId="7f66aacf32806e64" providerId="LiveId" clId="{E0778A1E-D827-4224-A60C-32F3514D9223}" dt="2023-03-29T22:01:16.499" v="2547"/>
           <ac:spMkLst>
             <pc:docMk/>
             <pc:sldMk cId="1748760876" sldId="256"/>
-            <ac:spMk id="371" creationId="{60AB516E-F54D-144C-7A05-734D515C1899}"/>
+            <ac:spMk id="372" creationId="{4790ADAE-355B-F8DA-7A5A-1A0F0E08583E}"/>
           </ac:spMkLst>
         </pc:spChg>
         <pc:spChg chg="mod">
@@ -3305,7 +3721,7 @@
           <ac:spMkLst>
             <pc:docMk/>
             <pc:sldMk cId="1748760876" sldId="256"/>
-            <ac:spMk id="372" creationId="{4790ADAE-355B-F8DA-7A5A-1A0F0E08583E}"/>
+            <ac:spMk id="374" creationId="{344A053D-3ABB-55E2-BB37-9C60A6CDFD4C}"/>
           </ac:spMkLst>
         </pc:spChg>
         <pc:spChg chg="mod">
@@ -3313,7 +3729,7 @@
           <ac:spMkLst>
             <pc:docMk/>
             <pc:sldMk cId="1748760876" sldId="256"/>
-            <ac:spMk id="374" creationId="{344A053D-3ABB-55E2-BB37-9C60A6CDFD4C}"/>
+            <ac:spMk id="375" creationId="{2693F25B-2244-3D4B-4E7C-420C257F2C6B}"/>
           </ac:spMkLst>
         </pc:spChg>
         <pc:spChg chg="mod">
@@ -3321,7 +3737,7 @@
           <ac:spMkLst>
             <pc:docMk/>
             <pc:sldMk cId="1748760876" sldId="256"/>
-            <ac:spMk id="375" creationId="{2693F25B-2244-3D4B-4E7C-420C257F2C6B}"/>
+            <ac:spMk id="376" creationId="{3AF16BCC-8280-CBB9-6E97-2B15E0B467F6}"/>
           </ac:spMkLst>
         </pc:spChg>
         <pc:spChg chg="mod">
@@ -3329,7 +3745,7 @@
           <ac:spMkLst>
             <pc:docMk/>
             <pc:sldMk cId="1748760876" sldId="256"/>
-            <ac:spMk id="376" creationId="{3AF16BCC-8280-CBB9-6E97-2B15E0B467F6}"/>
+            <ac:spMk id="377" creationId="{6C121D11-7913-94EA-4A1A-0D01D434D111}"/>
           </ac:spMkLst>
         </pc:spChg>
         <pc:spChg chg="mod">
@@ -3337,7 +3753,7 @@
           <ac:spMkLst>
             <pc:docMk/>
             <pc:sldMk cId="1748760876" sldId="256"/>
-            <ac:spMk id="377" creationId="{6C121D11-7913-94EA-4A1A-0D01D434D111}"/>
+            <ac:spMk id="378" creationId="{39DB919B-85DE-4DC5-D0DE-88CE65F67687}"/>
           </ac:spMkLst>
         </pc:spChg>
         <pc:spChg chg="mod">
@@ -3345,7 +3761,7 @@
           <ac:spMkLst>
             <pc:docMk/>
             <pc:sldMk cId="1748760876" sldId="256"/>
-            <ac:spMk id="378" creationId="{39DB919B-85DE-4DC5-D0DE-88CE65F67687}"/>
+            <ac:spMk id="379" creationId="{35785EF7-9861-0C19-1DE2-2BFF489349C6}"/>
           </ac:spMkLst>
         </pc:spChg>
         <pc:spChg chg="mod">
@@ -3353,7 +3769,7 @@
           <ac:spMkLst>
             <pc:docMk/>
             <pc:sldMk cId="1748760876" sldId="256"/>
-            <ac:spMk id="379" creationId="{35785EF7-9861-0C19-1DE2-2BFF489349C6}"/>
+            <ac:spMk id="380" creationId="{72F5D6B3-EDBB-7F4B-EB0F-234AB2072501}"/>
           </ac:spMkLst>
         </pc:spChg>
         <pc:spChg chg="mod">
@@ -3361,7 +3777,7 @@
           <ac:spMkLst>
             <pc:docMk/>
             <pc:sldMk cId="1748760876" sldId="256"/>
-            <ac:spMk id="380" creationId="{72F5D6B3-EDBB-7F4B-EB0F-234AB2072501}"/>
+            <ac:spMk id="381" creationId="{E2959165-E684-CA1A-D121-CDD8EC0C8FB9}"/>
           </ac:spMkLst>
         </pc:spChg>
         <pc:spChg chg="mod">
@@ -3369,7 +3785,7 @@
           <ac:spMkLst>
             <pc:docMk/>
             <pc:sldMk cId="1748760876" sldId="256"/>
-            <ac:spMk id="381" creationId="{E2959165-E684-CA1A-D121-CDD8EC0C8FB9}"/>
+            <ac:spMk id="382" creationId="{B20E436B-A703-B85E-1703-6A8D15E4BB92}"/>
           </ac:spMkLst>
         </pc:spChg>
         <pc:spChg chg="mod">
@@ -3377,7 +3793,7 @@
           <ac:spMkLst>
             <pc:docMk/>
             <pc:sldMk cId="1748760876" sldId="256"/>
-            <ac:spMk id="382" creationId="{B20E436B-A703-B85E-1703-6A8D15E4BB92}"/>
+            <ac:spMk id="383" creationId="{27AF803C-3919-9E5A-E6C0-942B8DBE9B9B}"/>
           </ac:spMkLst>
         </pc:spChg>
         <pc:spChg chg="mod">
@@ -3385,7 +3801,7 @@
           <ac:spMkLst>
             <pc:docMk/>
             <pc:sldMk cId="1748760876" sldId="256"/>
-            <ac:spMk id="383" creationId="{27AF803C-3919-9E5A-E6C0-942B8DBE9B9B}"/>
+            <ac:spMk id="384" creationId="{56D55439-953D-2EA5-04EC-5A326D336C51}"/>
           </ac:spMkLst>
         </pc:spChg>
         <pc:spChg chg="mod">
@@ -3393,7 +3809,7 @@
           <ac:spMkLst>
             <pc:docMk/>
             <pc:sldMk cId="1748760876" sldId="256"/>
-            <ac:spMk id="384" creationId="{56D55439-953D-2EA5-04EC-5A326D336C51}"/>
+            <ac:spMk id="385" creationId="{165E72D6-9425-3A04-C8EE-FCE3DC4093AA}"/>
           </ac:spMkLst>
         </pc:spChg>
         <pc:spChg chg="mod">
@@ -3401,7 +3817,7 @@
           <ac:spMkLst>
             <pc:docMk/>
             <pc:sldMk cId="1748760876" sldId="256"/>
-            <ac:spMk id="385" creationId="{165E72D6-9425-3A04-C8EE-FCE3DC4093AA}"/>
+            <ac:spMk id="387" creationId="{70D88C44-64FC-D3BB-4619-40E0ABE62E60}"/>
           </ac:spMkLst>
         </pc:spChg>
         <pc:spChg chg="mod">
@@ -3409,7 +3825,7 @@
           <ac:spMkLst>
             <pc:docMk/>
             <pc:sldMk cId="1748760876" sldId="256"/>
-            <ac:spMk id="387" creationId="{70D88C44-64FC-D3BB-4619-40E0ABE62E60}"/>
+            <ac:spMk id="388" creationId="{EBC5B908-B803-13A9-A292-A30C58050A0F}"/>
           </ac:spMkLst>
         </pc:spChg>
         <pc:spChg chg="mod">
@@ -3417,7 +3833,7 @@
           <ac:spMkLst>
             <pc:docMk/>
             <pc:sldMk cId="1748760876" sldId="256"/>
-            <ac:spMk id="388" creationId="{EBC5B908-B803-13A9-A292-A30C58050A0F}"/>
+            <ac:spMk id="389" creationId="{D731A65D-FA26-5F0C-2934-E7FBB1F93F86}"/>
           </ac:spMkLst>
         </pc:spChg>
         <pc:spChg chg="mod">
@@ -3425,7 +3841,7 @@
           <ac:spMkLst>
             <pc:docMk/>
             <pc:sldMk cId="1748760876" sldId="256"/>
-            <ac:spMk id="389" creationId="{D731A65D-FA26-5F0C-2934-E7FBB1F93F86}"/>
+            <ac:spMk id="390" creationId="{5FC52B74-69F4-CC6C-CAB5-F0A5AD0D3514}"/>
           </ac:spMkLst>
         </pc:spChg>
         <pc:spChg chg="mod">
@@ -3433,7 +3849,7 @@
           <ac:spMkLst>
             <pc:docMk/>
             <pc:sldMk cId="1748760876" sldId="256"/>
-            <ac:spMk id="390" creationId="{5FC52B74-69F4-CC6C-CAB5-F0A5AD0D3514}"/>
+            <ac:spMk id="391" creationId="{A2F912EA-06BF-8FFF-238F-FD00B0CC2D23}"/>
           </ac:spMkLst>
         </pc:spChg>
         <pc:spChg chg="mod">
@@ -3441,7 +3857,7 @@
           <ac:spMkLst>
             <pc:docMk/>
             <pc:sldMk cId="1748760876" sldId="256"/>
-            <ac:spMk id="391" creationId="{A2F912EA-06BF-8FFF-238F-FD00B0CC2D23}"/>
+            <ac:spMk id="392" creationId="{E4B1D50B-D2B0-A045-0B65-A33B79231B5D}"/>
           </ac:spMkLst>
         </pc:spChg>
         <pc:spChg chg="mod">
@@ -3449,7 +3865,7 @@
           <ac:spMkLst>
             <pc:docMk/>
             <pc:sldMk cId="1748760876" sldId="256"/>
-            <ac:spMk id="392" creationId="{E4B1D50B-D2B0-A045-0B65-A33B79231B5D}"/>
+            <ac:spMk id="393" creationId="{7D58D62D-4E6B-C973-6D20-F3848BBA8BCB}"/>
           </ac:spMkLst>
         </pc:spChg>
         <pc:spChg chg="mod">
@@ -3457,7 +3873,7 @@
           <ac:spMkLst>
             <pc:docMk/>
             <pc:sldMk cId="1748760876" sldId="256"/>
-            <ac:spMk id="393" creationId="{7D58D62D-4E6B-C973-6D20-F3848BBA8BCB}"/>
+            <ac:spMk id="394" creationId="{126255C9-0DD5-091E-F1D3-E6AC99874E93}"/>
           </ac:spMkLst>
         </pc:spChg>
         <pc:spChg chg="mod">
@@ -3465,7 +3881,7 @@
           <ac:spMkLst>
             <pc:docMk/>
             <pc:sldMk cId="1748760876" sldId="256"/>
-            <ac:spMk id="394" creationId="{126255C9-0DD5-091E-F1D3-E6AC99874E93}"/>
+            <ac:spMk id="395" creationId="{D5AA7579-869D-4E1D-34C1-343E6E40C781}"/>
           </ac:spMkLst>
         </pc:spChg>
         <pc:spChg chg="mod">
@@ -3473,7 +3889,23 @@
           <ac:spMkLst>
             <pc:docMk/>
             <pc:sldMk cId="1748760876" sldId="256"/>
-            <ac:spMk id="395" creationId="{D5AA7579-869D-4E1D-34C1-343E6E40C781}"/>
+            <ac:spMk id="396" creationId="{86EFA4B5-E82C-3EB2-3AC2-E3E4B820F874}"/>
+          </ac:spMkLst>
+        </pc:spChg>
+        <pc:spChg chg="mod">
+          <ac:chgData name="Rikard Larsson" userId="7f66aacf32806e64" providerId="LiveId" clId="{E0778A1E-D827-4224-A60C-32F3514D9223}" dt="2023-04-30T20:39:51.260" v="3792" actId="20577"/>
+          <ac:spMkLst>
+            <pc:docMk/>
+            <pc:sldMk cId="1748760876" sldId="256"/>
+            <ac:spMk id="397" creationId="{44ADE315-5EA1-C42E-6F24-2BB492F22B01}"/>
+          </ac:spMkLst>
+        </pc:spChg>
+        <pc:spChg chg="mod">
+          <ac:chgData name="Rikard Larsson" userId="7f66aacf32806e64" providerId="LiveId" clId="{E0778A1E-D827-4224-A60C-32F3514D9223}" dt="2023-03-30T19:15:42.154" v="3333" actId="1036"/>
+          <ac:spMkLst>
+            <pc:docMk/>
+            <pc:sldMk cId="1748760876" sldId="256"/>
+            <ac:spMk id="398" creationId="{3E5F251E-D3A8-8FA4-B0EC-5A2856FD5A21}"/>
           </ac:spMkLst>
         </pc:spChg>
         <pc:spChg chg="mod">
@@ -3481,7 +3913,7 @@
           <ac:spMkLst>
             <pc:docMk/>
             <pc:sldMk cId="1748760876" sldId="256"/>
-            <ac:spMk id="396" creationId="{86EFA4B5-E82C-3EB2-3AC2-E3E4B820F874}"/>
+            <ac:spMk id="400" creationId="{8351E577-60F5-C90E-91FB-0CF365034369}"/>
           </ac:spMkLst>
         </pc:spChg>
         <pc:spChg chg="mod">
@@ -3489,15 +3921,7 @@
           <ac:spMkLst>
             <pc:docMk/>
             <pc:sldMk cId="1748760876" sldId="256"/>
-            <ac:spMk id="397" creationId="{44ADE315-5EA1-C42E-6F24-2BB492F22B01}"/>
-          </ac:spMkLst>
-        </pc:spChg>
-        <pc:spChg chg="mod">
-          <ac:chgData name="Rikard Larsson" userId="7f66aacf32806e64" providerId="LiveId" clId="{E0778A1E-D827-4224-A60C-32F3514D9223}" dt="2023-03-30T19:15:42.154" v="3333" actId="1036"/>
-          <ac:spMkLst>
-            <pc:docMk/>
-            <pc:sldMk cId="1748760876" sldId="256"/>
-            <ac:spMk id="398" creationId="{3E5F251E-D3A8-8FA4-B0EC-5A2856FD5A21}"/>
+            <ac:spMk id="401" creationId="{B9B33DDD-F653-A932-9AC6-ACBECA9812F2}"/>
           </ac:spMkLst>
         </pc:spChg>
         <pc:spChg chg="mod">
@@ -3505,7 +3929,7 @@
           <ac:spMkLst>
             <pc:docMk/>
             <pc:sldMk cId="1748760876" sldId="256"/>
-            <ac:spMk id="400" creationId="{8351E577-60F5-C90E-91FB-0CF365034369}"/>
+            <ac:spMk id="402" creationId="{4522FBBC-0858-D35A-800B-46BEBBF1A7B2}"/>
           </ac:spMkLst>
         </pc:spChg>
         <pc:spChg chg="mod">
@@ -3513,7 +3937,7 @@
           <ac:spMkLst>
             <pc:docMk/>
             <pc:sldMk cId="1748760876" sldId="256"/>
-            <ac:spMk id="401" creationId="{B9B33DDD-F653-A932-9AC6-ACBECA9812F2}"/>
+            <ac:spMk id="403" creationId="{42345152-B395-1B98-79E2-059F66D28BBE}"/>
           </ac:spMkLst>
         </pc:spChg>
         <pc:spChg chg="mod">
@@ -3521,7 +3945,7 @@
           <ac:spMkLst>
             <pc:docMk/>
             <pc:sldMk cId="1748760876" sldId="256"/>
-            <ac:spMk id="402" creationId="{4522FBBC-0858-D35A-800B-46BEBBF1A7B2}"/>
+            <ac:spMk id="404" creationId="{B6DC2EBD-4ECB-89DB-A4A7-063F7773FA7F}"/>
           </ac:spMkLst>
         </pc:spChg>
         <pc:spChg chg="mod">
@@ -3529,7 +3953,7 @@
           <ac:spMkLst>
             <pc:docMk/>
             <pc:sldMk cId="1748760876" sldId="256"/>
-            <ac:spMk id="403" creationId="{42345152-B395-1B98-79E2-059F66D28BBE}"/>
+            <ac:spMk id="405" creationId="{62DB91D4-56B0-5FB1-174C-5BD84A7393C6}"/>
           </ac:spMkLst>
         </pc:spChg>
         <pc:spChg chg="mod">
@@ -3537,7 +3961,7 @@
           <ac:spMkLst>
             <pc:docMk/>
             <pc:sldMk cId="1748760876" sldId="256"/>
-            <ac:spMk id="404" creationId="{B6DC2EBD-4ECB-89DB-A4A7-063F7773FA7F}"/>
+            <ac:spMk id="406" creationId="{3F38C2F0-3037-D5BB-B176-DDAAADAB69F0}"/>
           </ac:spMkLst>
         </pc:spChg>
         <pc:spChg chg="mod">
@@ -3545,7 +3969,7 @@
           <ac:spMkLst>
             <pc:docMk/>
             <pc:sldMk cId="1748760876" sldId="256"/>
-            <ac:spMk id="405" creationId="{62DB91D4-56B0-5FB1-174C-5BD84A7393C6}"/>
+            <ac:spMk id="407" creationId="{884CDEF0-8782-5B68-C51E-04491774FAD7}"/>
           </ac:spMkLst>
         </pc:spChg>
         <pc:spChg chg="mod">
@@ -3553,7 +3977,7 @@
           <ac:spMkLst>
             <pc:docMk/>
             <pc:sldMk cId="1748760876" sldId="256"/>
-            <ac:spMk id="406" creationId="{3F38C2F0-3037-D5BB-B176-DDAAADAB69F0}"/>
+            <ac:spMk id="408" creationId="{A374D365-ED9B-7599-B97E-96E9229BD6B4}"/>
           </ac:spMkLst>
         </pc:spChg>
         <pc:spChg chg="mod">
@@ -3561,7 +3985,23 @@
           <ac:spMkLst>
             <pc:docMk/>
             <pc:sldMk cId="1748760876" sldId="256"/>
-            <ac:spMk id="407" creationId="{884CDEF0-8782-5B68-C51E-04491774FAD7}"/>
+            <ac:spMk id="409" creationId="{A4B26FD8-0258-37DF-35F8-2300E6AE77E4}"/>
+          </ac:spMkLst>
+        </pc:spChg>
+        <pc:spChg chg="mod">
+          <ac:chgData name="Rikard Larsson" userId="7f66aacf32806e64" providerId="LiveId" clId="{E0778A1E-D827-4224-A60C-32F3514D9223}" dt="2023-03-30T17:01:17.980" v="2980" actId="20577"/>
+          <ac:spMkLst>
+            <pc:docMk/>
+            <pc:sldMk cId="1748760876" sldId="256"/>
+            <ac:spMk id="414" creationId="{0D6974DF-C977-0628-329B-03A0AE97F428}"/>
+          </ac:spMkLst>
+        </pc:spChg>
+        <pc:spChg chg="mod">
+          <ac:chgData name="Rikard Larsson" userId="7f66aacf32806e64" providerId="LiveId" clId="{E0778A1E-D827-4224-A60C-32F3514D9223}" dt="2023-03-30T19:19:53.090" v="3334" actId="6549"/>
+          <ac:spMkLst>
+            <pc:docMk/>
+            <pc:sldMk cId="1748760876" sldId="256"/>
+            <ac:spMk id="417" creationId="{CB8C8AFA-ECCD-C8DD-8B07-3ACDE7C62258}"/>
           </ac:spMkLst>
         </pc:spChg>
         <pc:spChg chg="mod">
@@ -3569,7 +4009,7 @@
           <ac:spMkLst>
             <pc:docMk/>
             <pc:sldMk cId="1748760876" sldId="256"/>
-            <ac:spMk id="408" creationId="{A374D365-ED9B-7599-B97E-96E9229BD6B4}"/>
+            <ac:spMk id="418" creationId="{9F0AC66A-22CD-FF98-0F41-B74A21DC6339}"/>
           </ac:spMkLst>
         </pc:spChg>
         <pc:spChg chg="mod">
@@ -3577,23 +4017,7 @@
           <ac:spMkLst>
             <pc:docMk/>
             <pc:sldMk cId="1748760876" sldId="256"/>
-            <ac:spMk id="409" creationId="{A4B26FD8-0258-37DF-35F8-2300E6AE77E4}"/>
-          </ac:spMkLst>
-        </pc:spChg>
-        <pc:spChg chg="mod">
-          <ac:chgData name="Rikard Larsson" userId="7f66aacf32806e64" providerId="LiveId" clId="{E0778A1E-D827-4224-A60C-32F3514D9223}" dt="2023-03-30T17:01:17.980" v="2980" actId="20577"/>
-          <ac:spMkLst>
-            <pc:docMk/>
-            <pc:sldMk cId="1748760876" sldId="256"/>
-            <ac:spMk id="414" creationId="{0D6974DF-C977-0628-329B-03A0AE97F428}"/>
-          </ac:spMkLst>
-        </pc:spChg>
-        <pc:spChg chg="mod">
-          <ac:chgData name="Rikard Larsson" userId="7f66aacf32806e64" providerId="LiveId" clId="{E0778A1E-D827-4224-A60C-32F3514D9223}" dt="2023-03-30T19:19:53.090" v="3334" actId="6549"/>
-          <ac:spMkLst>
-            <pc:docMk/>
-            <pc:sldMk cId="1748760876" sldId="256"/>
-            <ac:spMk id="417" creationId="{CB8C8AFA-ECCD-C8DD-8B07-3ACDE7C62258}"/>
+            <ac:spMk id="420" creationId="{ADBB0C84-C53A-460B-163B-5B61C77B9366}"/>
           </ac:spMkLst>
         </pc:spChg>
         <pc:spChg chg="mod">
@@ -3601,7 +4025,7 @@
           <ac:spMkLst>
             <pc:docMk/>
             <pc:sldMk cId="1748760876" sldId="256"/>
-            <ac:spMk id="418" creationId="{9F0AC66A-22CD-FF98-0F41-B74A21DC6339}"/>
+            <ac:spMk id="421" creationId="{C4CD273E-BF60-58EA-B2BF-3BBDA2C70A23}"/>
           </ac:spMkLst>
         </pc:spChg>
         <pc:spChg chg="mod">
@@ -3609,7 +4033,7 @@
           <ac:spMkLst>
             <pc:docMk/>
             <pc:sldMk cId="1748760876" sldId="256"/>
-            <ac:spMk id="420" creationId="{ADBB0C84-C53A-460B-163B-5B61C77B9366}"/>
+            <ac:spMk id="422" creationId="{338FEE33-820B-55FE-6FE9-DD8DDD7ACF64}"/>
           </ac:spMkLst>
         </pc:spChg>
         <pc:spChg chg="mod">
@@ -3617,7 +4041,7 @@
           <ac:spMkLst>
             <pc:docMk/>
             <pc:sldMk cId="1748760876" sldId="256"/>
-            <ac:spMk id="421" creationId="{C4CD273E-BF60-58EA-B2BF-3BBDA2C70A23}"/>
+            <ac:spMk id="423" creationId="{32F835FD-8C85-4675-FC69-63303CED711E}"/>
           </ac:spMkLst>
         </pc:spChg>
         <pc:spChg chg="mod">
@@ -3625,7 +4049,7 @@
           <ac:spMkLst>
             <pc:docMk/>
             <pc:sldMk cId="1748760876" sldId="256"/>
-            <ac:spMk id="422" creationId="{338FEE33-820B-55FE-6FE9-DD8DDD7ACF64}"/>
+            <ac:spMk id="424" creationId="{A0A57F19-E17C-9AE1-37E1-51F77640683B}"/>
           </ac:spMkLst>
         </pc:spChg>
         <pc:spChg chg="mod">
@@ -3633,7 +4057,7 @@
           <ac:spMkLst>
             <pc:docMk/>
             <pc:sldMk cId="1748760876" sldId="256"/>
-            <ac:spMk id="423" creationId="{32F835FD-8C85-4675-FC69-63303CED711E}"/>
+            <ac:spMk id="425" creationId="{BF03A72C-F851-D77D-3232-A9BA1D7DC541}"/>
           </ac:spMkLst>
         </pc:spChg>
         <pc:spChg chg="mod">
@@ -3641,7 +4065,7 @@
           <ac:spMkLst>
             <pc:docMk/>
             <pc:sldMk cId="1748760876" sldId="256"/>
-            <ac:spMk id="424" creationId="{A0A57F19-E17C-9AE1-37E1-51F77640683B}"/>
+            <ac:spMk id="426" creationId="{EAE5D2F8-60AB-1101-96D2-C4A1DD031FA6}"/>
           </ac:spMkLst>
         </pc:spChg>
         <pc:spChg chg="mod">
@@ -3649,7 +4073,7 @@
           <ac:spMkLst>
             <pc:docMk/>
             <pc:sldMk cId="1748760876" sldId="256"/>
-            <ac:spMk id="425" creationId="{BF03A72C-F851-D77D-3232-A9BA1D7DC541}"/>
+            <ac:spMk id="427" creationId="{B3B8EE3B-BFCF-70AE-C255-4A2AAA77B5B1}"/>
           </ac:spMkLst>
         </pc:spChg>
         <pc:spChg chg="mod">
@@ -3657,7 +4081,15 @@
           <ac:spMkLst>
             <pc:docMk/>
             <pc:sldMk cId="1748760876" sldId="256"/>
-            <ac:spMk id="426" creationId="{EAE5D2F8-60AB-1101-96D2-C4A1DD031FA6}"/>
+            <ac:spMk id="428" creationId="{28B17FFD-180F-30B2-4840-CE8EF78E3C85}"/>
+          </ac:spMkLst>
+        </pc:spChg>
+        <pc:spChg chg="mod">
+          <ac:chgData name="Rikard Larsson" userId="7f66aacf32806e64" providerId="LiveId" clId="{E0778A1E-D827-4224-A60C-32F3514D9223}" dt="2023-03-30T18:52:44.699" v="3010" actId="14100"/>
+          <ac:spMkLst>
+            <pc:docMk/>
+            <pc:sldMk cId="1748760876" sldId="256"/>
+            <ac:spMk id="429" creationId="{6D5C9AA1-50C6-8DCB-6447-D533CE688621}"/>
           </ac:spMkLst>
         </pc:spChg>
         <pc:spChg chg="mod">
@@ -3665,7 +4097,7 @@
           <ac:spMkLst>
             <pc:docMk/>
             <pc:sldMk cId="1748760876" sldId="256"/>
-            <ac:spMk id="427" creationId="{B3B8EE3B-BFCF-70AE-C255-4A2AAA77B5B1}"/>
+            <ac:spMk id="430" creationId="{9A474F76-4AB4-86FE-35F6-0B322FAE7404}"/>
           </ac:spMkLst>
         </pc:spChg>
         <pc:spChg chg="mod">
@@ -3673,15 +4105,15 @@
           <ac:spMkLst>
             <pc:docMk/>
             <pc:sldMk cId="1748760876" sldId="256"/>
-            <ac:spMk id="428" creationId="{28B17FFD-180F-30B2-4840-CE8EF78E3C85}"/>
-          </ac:spMkLst>
-        </pc:spChg>
-        <pc:spChg chg="mod">
-          <ac:chgData name="Rikard Larsson" userId="7f66aacf32806e64" providerId="LiveId" clId="{E0778A1E-D827-4224-A60C-32F3514D9223}" dt="2023-03-30T18:52:44.699" v="3010" actId="14100"/>
-          <ac:spMkLst>
-            <pc:docMk/>
-            <pc:sldMk cId="1748760876" sldId="256"/>
-            <ac:spMk id="429" creationId="{6D5C9AA1-50C6-8DCB-6447-D533CE688621}"/>
+            <ac:spMk id="431" creationId="{84FA6CF8-B216-6027-1B29-4CB6358D1948}"/>
+          </ac:spMkLst>
+        </pc:spChg>
+        <pc:spChg chg="mod">
+          <ac:chgData name="Rikard Larsson" userId="7f66aacf32806e64" providerId="LiveId" clId="{E0778A1E-D827-4224-A60C-32F3514D9223}" dt="2023-05-01T21:13:13.691" v="4077" actId="20577"/>
+          <ac:spMkLst>
+            <pc:docMk/>
+            <pc:sldMk cId="1748760876" sldId="256"/>
+            <ac:spMk id="438" creationId="{88F61D08-D894-A3AA-D9BD-295CA0433501}"/>
           </ac:spMkLst>
         </pc:spChg>
         <pc:spChg chg="mod">
@@ -3689,35 +4121,11 @@
           <ac:spMkLst>
             <pc:docMk/>
             <pc:sldMk cId="1748760876" sldId="256"/>
-            <ac:spMk id="430" creationId="{9A474F76-4AB4-86FE-35F6-0B322FAE7404}"/>
-          </ac:spMkLst>
-        </pc:spChg>
-        <pc:spChg chg="mod">
-          <ac:chgData name="Rikard Larsson" userId="7f66aacf32806e64" providerId="LiveId" clId="{E0778A1E-D827-4224-A60C-32F3514D9223}" dt="2023-03-29T22:01:16.499" v="2547"/>
-          <ac:spMkLst>
-            <pc:docMk/>
-            <pc:sldMk cId="1748760876" sldId="256"/>
-            <ac:spMk id="431" creationId="{84FA6CF8-B216-6027-1B29-4CB6358D1948}"/>
-          </ac:spMkLst>
-        </pc:spChg>
-        <pc:spChg chg="mod">
-          <ac:chgData name="Rikard Larsson" userId="7f66aacf32806e64" providerId="LiveId" clId="{E0778A1E-D827-4224-A60C-32F3514D9223}" dt="2023-03-29T22:01:16.499" v="2547"/>
-          <ac:spMkLst>
-            <pc:docMk/>
-            <pc:sldMk cId="1748760876" sldId="256"/>
-            <ac:spMk id="438" creationId="{88F61D08-D894-A3AA-D9BD-295CA0433501}"/>
-          </ac:spMkLst>
-        </pc:spChg>
-        <pc:spChg chg="mod">
-          <ac:chgData name="Rikard Larsson" userId="7f66aacf32806e64" providerId="LiveId" clId="{E0778A1E-D827-4224-A60C-32F3514D9223}" dt="2023-03-29T22:01:16.499" v="2547"/>
-          <ac:spMkLst>
-            <pc:docMk/>
-            <pc:sldMk cId="1748760876" sldId="256"/>
             <ac:spMk id="439" creationId="{C218F0AA-E9D9-A5D1-8C8F-782FBE37E0E8}"/>
           </ac:spMkLst>
         </pc:spChg>
         <pc:spChg chg="mod">
-          <ac:chgData name="Rikard Larsson" userId="7f66aacf32806e64" providerId="LiveId" clId="{E0778A1E-D827-4224-A60C-32F3514D9223}" dt="2023-03-29T22:01:16.499" v="2547"/>
+          <ac:chgData name="Rikard Larsson" userId="7f66aacf32806e64" providerId="LiveId" clId="{E0778A1E-D827-4224-A60C-32F3514D9223}" dt="2023-05-11T22:10:32.702" v="4097" actId="20577"/>
           <ac:spMkLst>
             <pc:docMk/>
             <pc:sldMk cId="1748760876" sldId="256"/>
@@ -4108,6 +4516,14 @@
             <ac:spMk id="492" creationId="{64619BF9-FBB4-50BC-1DD7-01C64CDAC253}"/>
           </ac:spMkLst>
         </pc:spChg>
+        <pc:spChg chg="add mod ord">
+          <ac:chgData name="Rikard Larsson" userId="7f66aacf32806e64" providerId="LiveId" clId="{E0778A1E-D827-4224-A60C-32F3514D9223}" dt="2023-05-01T20:52:58.682" v="3975" actId="1076"/>
+          <ac:spMkLst>
+            <pc:docMk/>
+            <pc:sldMk cId="1748760876" sldId="256"/>
+            <ac:spMk id="492" creationId="{90DF3FDB-61BC-2176-947A-092E336E1AF7}"/>
+          </ac:spMkLst>
+        </pc:spChg>
         <pc:spChg chg="add mod">
           <ac:chgData name="Rikard Larsson" userId="7f66aacf32806e64" providerId="LiveId" clId="{E0778A1E-D827-4224-A60C-32F3514D9223}" dt="2023-03-30T14:32:31.769" v="2770" actId="1037"/>
           <ac:spMkLst>
@@ -4124,6 +4540,30 @@
             <ac:spMk id="494" creationId="{94EBB6FF-1DE8-D58E-4793-520DE60E57DB}"/>
           </ac:spMkLst>
         </pc:spChg>
+        <pc:spChg chg="mod">
+          <ac:chgData name="Rikard Larsson" userId="7f66aacf32806e64" providerId="LiveId" clId="{E0778A1E-D827-4224-A60C-32F3514D9223}" dt="2023-05-01T21:11:12.649" v="4022"/>
+          <ac:spMkLst>
+            <pc:docMk/>
+            <pc:sldMk cId="1748760876" sldId="256"/>
+            <ac:spMk id="495" creationId="{072A840C-3A83-E47F-2F19-0A053A2853B0}"/>
+          </ac:spMkLst>
+        </pc:spChg>
+        <pc:spChg chg="mod">
+          <ac:chgData name="Rikard Larsson" userId="7f66aacf32806e64" providerId="LiveId" clId="{E0778A1E-D827-4224-A60C-32F3514D9223}" dt="2023-05-01T21:11:12.649" v="4022"/>
+          <ac:spMkLst>
+            <pc:docMk/>
+            <pc:sldMk cId="1748760876" sldId="256"/>
+            <ac:spMk id="496" creationId="{F9E87B53-FE68-6C45-C380-F6D43CD5E9DD}"/>
+          </ac:spMkLst>
+        </pc:spChg>
+        <pc:spChg chg="mod">
+          <ac:chgData name="Rikard Larsson" userId="7f66aacf32806e64" providerId="LiveId" clId="{E0778A1E-D827-4224-A60C-32F3514D9223}" dt="2023-05-01T21:11:12.649" v="4022"/>
+          <ac:spMkLst>
+            <pc:docMk/>
+            <pc:sldMk cId="1748760876" sldId="256"/>
+            <ac:spMk id="498" creationId="{9E1BA45F-D6FC-B219-3487-0C3C887C959C}"/>
+          </ac:spMkLst>
+        </pc:spChg>
         <pc:spChg chg="add mod topLvl">
           <ac:chgData name="Rikard Larsson" userId="7f66aacf32806e64" providerId="LiveId" clId="{E0778A1E-D827-4224-A60C-32F3514D9223}" dt="2023-03-30T19:24:31.739" v="3401" actId="14100"/>
           <ac:spMkLst>
@@ -4149,63 +4589,71 @@
           </ac:spMkLst>
         </pc:spChg>
         <pc:spChg chg="mod">
-          <ac:chgData name="Rikard Larsson" userId="7f66aacf32806e64" providerId="LiveId" clId="{E0778A1E-D827-4224-A60C-32F3514D9223}" dt="2023-03-30T19:21:13.923" v="3338" actId="165"/>
+          <ac:chgData name="Rikard Larsson" userId="7f66aacf32806e64" providerId="LiveId" clId="{E0778A1E-D827-4224-A60C-32F3514D9223}" dt="2023-05-01T21:11:12.649" v="4022"/>
+          <ac:spMkLst>
+            <pc:docMk/>
+            <pc:sldMk cId="1748760876" sldId="256"/>
+            <ac:spMk id="502" creationId="{B129FEB1-9CA0-048B-81F5-158E87260EEE}"/>
+          </ac:spMkLst>
+        </pc:spChg>
+        <pc:spChg chg="del mod">
+          <ac:chgData name="Rikard Larsson" userId="7f66aacf32806e64" providerId="LiveId" clId="{E0778A1E-D827-4224-A60C-32F3514D9223}" dt="2023-05-01T20:49:41.514" v="3958" actId="478"/>
           <ac:spMkLst>
             <pc:docMk/>
             <pc:sldMk cId="1748760876" sldId="256"/>
             <ac:spMk id="505" creationId="{EE6AE0D7-88F8-68C4-1050-B303318D553C}"/>
           </ac:spMkLst>
         </pc:spChg>
-        <pc:spChg chg="mod">
-          <ac:chgData name="Rikard Larsson" userId="7f66aacf32806e64" providerId="LiveId" clId="{E0778A1E-D827-4224-A60C-32F3514D9223}" dt="2023-03-30T19:26:05.670" v="3438" actId="20577"/>
+        <pc:spChg chg="del mod">
+          <ac:chgData name="Rikard Larsson" userId="7f66aacf32806e64" providerId="LiveId" clId="{E0778A1E-D827-4224-A60C-32F3514D9223}" dt="2023-05-01T20:49:50.117" v="3960" actId="478"/>
           <ac:spMkLst>
             <pc:docMk/>
             <pc:sldMk cId="1748760876" sldId="256"/>
             <ac:spMk id="506" creationId="{740156E4-D1C0-AB3F-6943-8622ED350A65}"/>
           </ac:spMkLst>
         </pc:spChg>
-        <pc:spChg chg="mod">
-          <ac:chgData name="Rikard Larsson" userId="7f66aacf32806e64" providerId="LiveId" clId="{E0778A1E-D827-4224-A60C-32F3514D9223}" dt="2023-03-30T19:21:13.923" v="3338" actId="165"/>
+        <pc:spChg chg="del mod">
+          <ac:chgData name="Rikard Larsson" userId="7f66aacf32806e64" providerId="LiveId" clId="{E0778A1E-D827-4224-A60C-32F3514D9223}" dt="2023-05-01T20:49:50.117" v="3960" actId="478"/>
           <ac:spMkLst>
             <pc:docMk/>
             <pc:sldMk cId="1748760876" sldId="256"/>
             <ac:spMk id="508" creationId="{AC85D91B-FC20-6FE0-E6B5-8E892F07BDCF}"/>
           </ac:spMkLst>
         </pc:spChg>
-        <pc:spChg chg="mod">
-          <ac:chgData name="Rikard Larsson" userId="7f66aacf32806e64" providerId="LiveId" clId="{E0778A1E-D827-4224-A60C-32F3514D9223}" dt="2023-03-30T19:21:13.923" v="3338" actId="165"/>
+        <pc:spChg chg="del mod">
+          <ac:chgData name="Rikard Larsson" userId="7f66aacf32806e64" providerId="LiveId" clId="{E0778A1E-D827-4224-A60C-32F3514D9223}" dt="2023-05-01T20:49:50.117" v="3960" actId="478"/>
           <ac:spMkLst>
             <pc:docMk/>
             <pc:sldMk cId="1748760876" sldId="256"/>
             <ac:spMk id="509" creationId="{BCCA1EA2-578F-73D8-7B68-45917857562A}"/>
           </ac:spMkLst>
         </pc:spChg>
-        <pc:spChg chg="mod">
-          <ac:chgData name="Rikard Larsson" userId="7f66aacf32806e64" providerId="LiveId" clId="{E0778A1E-D827-4224-A60C-32F3514D9223}" dt="2023-03-30T19:21:13.923" v="3338" actId="165"/>
+        <pc:spChg chg="del mod">
+          <ac:chgData name="Rikard Larsson" userId="7f66aacf32806e64" providerId="LiveId" clId="{E0778A1E-D827-4224-A60C-32F3514D9223}" dt="2023-05-01T20:49:50.117" v="3960" actId="478"/>
           <ac:spMkLst>
             <pc:docMk/>
             <pc:sldMk cId="1748760876" sldId="256"/>
             <ac:spMk id="511" creationId="{EF16AC78-ECE1-57DB-C0FA-FA8AD0F3EEF2}"/>
           </ac:spMkLst>
         </pc:spChg>
-        <pc:spChg chg="mod">
-          <ac:chgData name="Rikard Larsson" userId="7f66aacf32806e64" providerId="LiveId" clId="{E0778A1E-D827-4224-A60C-32F3514D9223}" dt="2023-03-30T19:26:10.085" v="3447" actId="20577"/>
+        <pc:spChg chg="del mod">
+          <ac:chgData name="Rikard Larsson" userId="7f66aacf32806e64" providerId="LiveId" clId="{E0778A1E-D827-4224-A60C-32F3514D9223}" dt="2023-05-01T20:49:50.117" v="3960" actId="478"/>
           <ac:spMkLst>
             <pc:docMk/>
             <pc:sldMk cId="1748760876" sldId="256"/>
             <ac:spMk id="512" creationId="{E7F21822-05BB-4FAB-334A-B7FBD7583624}"/>
           </ac:spMkLst>
         </pc:spChg>
-        <pc:spChg chg="mod">
-          <ac:chgData name="Rikard Larsson" userId="7f66aacf32806e64" providerId="LiveId" clId="{E0778A1E-D827-4224-A60C-32F3514D9223}" dt="2023-03-30T19:21:13.923" v="3338" actId="165"/>
+        <pc:spChg chg="del mod">
+          <ac:chgData name="Rikard Larsson" userId="7f66aacf32806e64" providerId="LiveId" clId="{E0778A1E-D827-4224-A60C-32F3514D9223}" dt="2023-05-01T20:49:50.117" v="3960" actId="478"/>
           <ac:spMkLst>
             <pc:docMk/>
             <pc:sldMk cId="1748760876" sldId="256"/>
             <ac:spMk id="514" creationId="{39C8AA3A-67FE-BD6D-767F-BFCC346D5AA6}"/>
           </ac:spMkLst>
         </pc:spChg>
-        <pc:spChg chg="mod">
-          <ac:chgData name="Rikard Larsson" userId="7f66aacf32806e64" providerId="LiveId" clId="{E0778A1E-D827-4224-A60C-32F3514D9223}" dt="2023-03-30T19:21:13.923" v="3338" actId="165"/>
+        <pc:spChg chg="del mod">
+          <ac:chgData name="Rikard Larsson" userId="7f66aacf32806e64" providerId="LiveId" clId="{E0778A1E-D827-4224-A60C-32F3514D9223}" dt="2023-05-01T20:49:50.117" v="3960" actId="478"/>
           <ac:spMkLst>
             <pc:docMk/>
             <pc:sldMk cId="1748760876" sldId="256"/>
@@ -4213,7 +4661,7 @@
           </ac:spMkLst>
         </pc:spChg>
         <pc:spChg chg="add mod ord topLvl">
-          <ac:chgData name="Rikard Larsson" userId="7f66aacf32806e64" providerId="LiveId" clId="{E0778A1E-D827-4224-A60C-32F3514D9223}" dt="2023-03-30T19:29:08.483" v="3486" actId="1076"/>
+          <ac:chgData name="Rikard Larsson" userId="7f66aacf32806e64" providerId="LiveId" clId="{E0778A1E-D827-4224-A60C-32F3514D9223}" dt="2023-05-01T20:49:53.460" v="3961" actId="167"/>
           <ac:spMkLst>
             <pc:docMk/>
             <pc:sldMk cId="1748760876" sldId="256"/>
@@ -4572,8 +5020,8 @@
             <ac:spMk id="582" creationId="{ADA908F0-70DE-C57D-350E-64CAF4859D88}"/>
           </ac:spMkLst>
         </pc:spChg>
-        <pc:spChg chg="mod">
-          <ac:chgData name="Rikard Larsson" userId="7f66aacf32806e64" providerId="LiveId" clId="{E0778A1E-D827-4224-A60C-32F3514D9223}" dt="2023-03-30T19:01:09.925" v="3096" actId="1038"/>
+        <pc:spChg chg="del mod">
+          <ac:chgData name="Rikard Larsson" userId="7f66aacf32806e64" providerId="LiveId" clId="{E0778A1E-D827-4224-A60C-32F3514D9223}" dt="2023-05-01T21:11:25.200" v="4030" actId="478"/>
           <ac:spMkLst>
             <pc:docMk/>
             <pc:sldMk cId="1748760876" sldId="256"/>
@@ -4581,23 +5029,23 @@
           </ac:spMkLst>
         </pc:spChg>
         <pc:spChg chg="mod">
-          <ac:chgData name="Rikard Larsson" userId="7f66aacf32806e64" providerId="LiveId" clId="{E0778A1E-D827-4224-A60C-32F3514D9223}" dt="2023-03-30T19:10:17.190" v="3231" actId="1035"/>
+          <ac:chgData name="Rikard Larsson" userId="7f66aacf32806e64" providerId="LiveId" clId="{E0778A1E-D827-4224-A60C-32F3514D9223}" dt="2023-05-01T21:11:20.822" v="4029" actId="20577"/>
           <ac:spMkLst>
             <pc:docMk/>
             <pc:sldMk cId="1748760876" sldId="256"/>
             <ac:spMk id="589" creationId="{28AFB0DE-4896-33F3-4B13-D950D595DF31}"/>
           </ac:spMkLst>
         </pc:spChg>
-        <pc:spChg chg="mod">
-          <ac:chgData name="Rikard Larsson" userId="7f66aacf32806e64" providerId="LiveId" clId="{E0778A1E-D827-4224-A60C-32F3514D9223}" dt="2023-03-30T18:59:47.278" v="3086" actId="12789"/>
+        <pc:spChg chg="del mod">
+          <ac:chgData name="Rikard Larsson" userId="7f66aacf32806e64" providerId="LiveId" clId="{E0778A1E-D827-4224-A60C-32F3514D9223}" dt="2023-05-01T21:11:35.969" v="4035" actId="478"/>
           <ac:spMkLst>
             <pc:docMk/>
             <pc:sldMk cId="1748760876" sldId="256"/>
             <ac:spMk id="592" creationId="{09D92176-2F0A-12D1-A5A9-30FBE49D433B}"/>
           </ac:spMkLst>
         </pc:spChg>
-        <pc:spChg chg="mod">
-          <ac:chgData name="Rikard Larsson" userId="7f66aacf32806e64" providerId="LiveId" clId="{E0778A1E-D827-4224-A60C-32F3514D9223}" dt="2023-03-30T18:59:23.432" v="3083" actId="1076"/>
+        <pc:spChg chg="del mod">
+          <ac:chgData name="Rikard Larsson" userId="7f66aacf32806e64" providerId="LiveId" clId="{E0778A1E-D827-4224-A60C-32F3514D9223}" dt="2023-05-01T21:11:33.950" v="4034" actId="478"/>
           <ac:spMkLst>
             <pc:docMk/>
             <pc:sldMk cId="1748760876" sldId="256"/>
@@ -4684,8 +5132,8 @@
             <ac:spMk id="604" creationId="{723E6E76-72B3-04ED-142A-78B3B84381C9}"/>
           </ac:spMkLst>
         </pc:spChg>
-        <pc:spChg chg="mod">
-          <ac:chgData name="Rikard Larsson" userId="7f66aacf32806e64" providerId="LiveId" clId="{E0778A1E-D827-4224-A60C-32F3514D9223}" dt="2023-03-30T19:01:09.925" v="3096" actId="1038"/>
+        <pc:spChg chg="del mod">
+          <ac:chgData name="Rikard Larsson" userId="7f66aacf32806e64" providerId="LiveId" clId="{E0778A1E-D827-4224-A60C-32F3514D9223}" dt="2023-05-01T21:11:27.432" v="4031" actId="478"/>
           <ac:spMkLst>
             <pc:docMk/>
             <pc:sldMk cId="1748760876" sldId="256"/>
@@ -4700,16 +5148,16 @@
             <ac:spMk id="606" creationId="{7E5F502D-1066-79B0-3133-1431E888B069}"/>
           </ac:spMkLst>
         </pc:spChg>
-        <pc:spChg chg="add mod">
-          <ac:chgData name="Rikard Larsson" userId="7f66aacf32806e64" providerId="LiveId" clId="{E0778A1E-D827-4224-A60C-32F3514D9223}" dt="2023-03-30T18:59:47.278" v="3086" actId="12789"/>
+        <pc:spChg chg="add del mod topLvl">
+          <ac:chgData name="Rikard Larsson" userId="7f66aacf32806e64" providerId="LiveId" clId="{E0778A1E-D827-4224-A60C-32F3514D9223}" dt="2023-05-01T21:11:31.551" v="4033" actId="478"/>
           <ac:spMkLst>
             <pc:docMk/>
             <pc:sldMk cId="1748760876" sldId="256"/>
             <ac:spMk id="607" creationId="{35076C39-173A-5ED7-367A-481433BCBAAF}"/>
           </ac:spMkLst>
         </pc:spChg>
-        <pc:spChg chg="add mod">
-          <ac:chgData name="Rikard Larsson" userId="7f66aacf32806e64" providerId="LiveId" clId="{E0778A1E-D827-4224-A60C-32F3514D9223}" dt="2023-03-30T18:59:00.163" v="3081" actId="1076"/>
+        <pc:spChg chg="add del mod">
+          <ac:chgData name="Rikard Larsson" userId="7f66aacf32806e64" providerId="LiveId" clId="{E0778A1E-D827-4224-A60C-32F3514D9223}" dt="2023-05-01T21:11:29.551" v="4032" actId="478"/>
           <ac:spMkLst>
             <pc:docMk/>
             <pc:sldMk cId="1748760876" sldId="256"/>
@@ -4900,64 +5348,64 @@
             <ac:spMk id="641" creationId="{F603BF30-C3AC-C3CA-8374-8BEC4251814D}"/>
           </ac:spMkLst>
         </pc:spChg>
-        <pc:spChg chg="mod">
-          <ac:chgData name="Rikard Larsson" userId="7f66aacf32806e64" providerId="LiveId" clId="{E0778A1E-D827-4224-A60C-32F3514D9223}" dt="2023-03-30T19:23:50.885" v="3361"/>
+        <pc:spChg chg="del mod">
+          <ac:chgData name="Rikard Larsson" userId="7f66aacf32806e64" providerId="LiveId" clId="{E0778A1E-D827-4224-A60C-32F3514D9223}" dt="2023-05-01T20:39:25.203" v="3853" actId="478"/>
           <ac:spMkLst>
             <pc:docMk/>
             <pc:sldMk cId="1748760876" sldId="256"/>
             <ac:spMk id="646" creationId="{589879CD-08B3-C7C8-90E4-A4E5B082949D}"/>
           </ac:spMkLst>
         </pc:spChg>
-        <pc:spChg chg="mod">
-          <ac:chgData name="Rikard Larsson" userId="7f66aacf32806e64" providerId="LiveId" clId="{E0778A1E-D827-4224-A60C-32F3514D9223}" dt="2023-03-30T19:23:50.885" v="3361"/>
+        <pc:spChg chg="del mod">
+          <ac:chgData name="Rikard Larsson" userId="7f66aacf32806e64" providerId="LiveId" clId="{E0778A1E-D827-4224-A60C-32F3514D9223}" dt="2023-05-01T20:39:22.564" v="3852" actId="478"/>
           <ac:spMkLst>
             <pc:docMk/>
             <pc:sldMk cId="1748760876" sldId="256"/>
             <ac:spMk id="647" creationId="{5AD44A5F-69BE-A2AA-E20D-AB6ACF2E2825}"/>
           </ac:spMkLst>
         </pc:spChg>
-        <pc:spChg chg="mod">
-          <ac:chgData name="Rikard Larsson" userId="7f66aacf32806e64" providerId="LiveId" clId="{E0778A1E-D827-4224-A60C-32F3514D9223}" dt="2023-03-30T19:23:50.885" v="3361"/>
+        <pc:spChg chg="del mod">
+          <ac:chgData name="Rikard Larsson" userId="7f66aacf32806e64" providerId="LiveId" clId="{E0778A1E-D827-4224-A60C-32F3514D9223}" dt="2023-05-01T20:40:55.051" v="3867" actId="478"/>
           <ac:spMkLst>
             <pc:docMk/>
             <pc:sldMk cId="1748760876" sldId="256"/>
             <ac:spMk id="648" creationId="{F8787525-65A2-B8E9-53B7-093FBBD411BD}"/>
           </ac:spMkLst>
         </pc:spChg>
-        <pc:spChg chg="mod">
-          <ac:chgData name="Rikard Larsson" userId="7f66aacf32806e64" providerId="LiveId" clId="{E0778A1E-D827-4224-A60C-32F3514D9223}" dt="2023-03-30T19:23:50.885" v="3361"/>
+        <pc:spChg chg="del mod">
+          <ac:chgData name="Rikard Larsson" userId="7f66aacf32806e64" providerId="LiveId" clId="{E0778A1E-D827-4224-A60C-32F3514D9223}" dt="2023-05-01T20:40:55.051" v="3867" actId="478"/>
           <ac:spMkLst>
             <pc:docMk/>
             <pc:sldMk cId="1748760876" sldId="256"/>
             <ac:spMk id="649" creationId="{2C7C92FB-50C0-178B-C41A-BBF9B427F48B}"/>
           </ac:spMkLst>
         </pc:spChg>
-        <pc:spChg chg="mod">
-          <ac:chgData name="Rikard Larsson" userId="7f66aacf32806e64" providerId="LiveId" clId="{E0778A1E-D827-4224-A60C-32F3514D9223}" dt="2023-03-30T19:23:50.885" v="3361"/>
+        <pc:spChg chg="del mod">
+          <ac:chgData name="Rikard Larsson" userId="7f66aacf32806e64" providerId="LiveId" clId="{E0778A1E-D827-4224-A60C-32F3514D9223}" dt="2023-05-01T20:40:55.051" v="3867" actId="478"/>
           <ac:spMkLst>
             <pc:docMk/>
             <pc:sldMk cId="1748760876" sldId="256"/>
             <ac:spMk id="650" creationId="{22203A9D-FD53-3BFF-DAC2-E62ED9ADA96A}"/>
           </ac:spMkLst>
         </pc:spChg>
-        <pc:spChg chg="mod">
-          <ac:chgData name="Rikard Larsson" userId="7f66aacf32806e64" providerId="LiveId" clId="{E0778A1E-D827-4224-A60C-32F3514D9223}" dt="2023-03-30T19:23:50.885" v="3361"/>
+        <pc:spChg chg="del mod">
+          <ac:chgData name="Rikard Larsson" userId="7f66aacf32806e64" providerId="LiveId" clId="{E0778A1E-D827-4224-A60C-32F3514D9223}" dt="2023-05-01T20:40:55.051" v="3867" actId="478"/>
           <ac:spMkLst>
             <pc:docMk/>
             <pc:sldMk cId="1748760876" sldId="256"/>
             <ac:spMk id="651" creationId="{1C2D2AC5-34F4-9AF6-04DE-0A37592AC5CD}"/>
           </ac:spMkLst>
         </pc:spChg>
-        <pc:spChg chg="mod">
-          <ac:chgData name="Rikard Larsson" userId="7f66aacf32806e64" providerId="LiveId" clId="{E0778A1E-D827-4224-A60C-32F3514D9223}" dt="2023-03-30T19:23:50.885" v="3361"/>
+        <pc:spChg chg="del mod">
+          <ac:chgData name="Rikard Larsson" userId="7f66aacf32806e64" providerId="LiveId" clId="{E0778A1E-D827-4224-A60C-32F3514D9223}" dt="2023-05-01T20:40:55.051" v="3867" actId="478"/>
           <ac:spMkLst>
             <pc:docMk/>
             <pc:sldMk cId="1748760876" sldId="256"/>
             <ac:spMk id="652" creationId="{1E60E1DC-6A35-7C40-10A0-DDA361D7BEE2}"/>
           </ac:spMkLst>
         </pc:spChg>
-        <pc:spChg chg="mod">
-          <ac:chgData name="Rikard Larsson" userId="7f66aacf32806e64" providerId="LiveId" clId="{E0778A1E-D827-4224-A60C-32F3514D9223}" dt="2023-03-30T19:23:50.885" v="3361"/>
+        <pc:spChg chg="del mod">
+          <ac:chgData name="Rikard Larsson" userId="7f66aacf32806e64" providerId="LiveId" clId="{E0778A1E-D827-4224-A60C-32F3514D9223}" dt="2023-05-01T20:40:43.330" v="3864" actId="478"/>
           <ac:spMkLst>
             <pc:docMk/>
             <pc:sldMk cId="1748760876" sldId="256"/>
@@ -5052,6 +5500,22 @@
             <ac:grpSpMk id="64" creationId="{03FBC78B-501B-BDFE-289B-6FA3C44F2A8B}"/>
           </ac:grpSpMkLst>
         </pc:grpChg>
+        <pc:grpChg chg="mod">
+          <ac:chgData name="Rikard Larsson" userId="7f66aacf32806e64" providerId="LiveId" clId="{E0778A1E-D827-4224-A60C-32F3514D9223}" dt="2023-05-01T21:11:12.649" v="4022"/>
+          <ac:grpSpMkLst>
+            <pc:docMk/>
+            <pc:sldMk cId="1748760876" sldId="256"/>
+            <ac:grpSpMk id="64" creationId="{79975A17-9101-DEF6-DDFA-4EADD84CE68A}"/>
+          </ac:grpSpMkLst>
+        </pc:grpChg>
+        <pc:grpChg chg="mod">
+          <ac:chgData name="Rikard Larsson" userId="7f66aacf32806e64" providerId="LiveId" clId="{E0778A1E-D827-4224-A60C-32F3514D9223}" dt="2023-05-01T21:11:12.649" v="4022"/>
+          <ac:grpSpMkLst>
+            <pc:docMk/>
+            <pc:sldMk cId="1748760876" sldId="256"/>
+            <ac:grpSpMk id="67" creationId="{7BF71CD5-BC57-FA62-ECA6-09E25A1B6735}"/>
+          </ac:grpSpMkLst>
+        </pc:grpChg>
         <pc:grpChg chg="add del mod ord">
           <ac:chgData name="Rikard Larsson" userId="7f66aacf32806e64" providerId="LiveId" clId="{E0778A1E-D827-4224-A60C-32F3514D9223}" dt="2023-03-29T22:01:53.535" v="2564" actId="478"/>
           <ac:grpSpMkLst>
@@ -5612,12 +6076,36 @@
             <ac:grpSpMk id="481" creationId="{FD754606-A8E3-C22B-96EA-F154A76FA7B6}"/>
           </ac:grpSpMkLst>
         </pc:grpChg>
+        <pc:grpChg chg="add mod">
+          <ac:chgData name="Rikard Larsson" userId="7f66aacf32806e64" providerId="LiveId" clId="{E0778A1E-D827-4224-A60C-32F3514D9223}" dt="2023-05-01T21:11:12.649" v="4022"/>
+          <ac:grpSpMkLst>
+            <pc:docMk/>
+            <pc:sldMk cId="1748760876" sldId="256"/>
+            <ac:grpSpMk id="493" creationId="{3967A31F-2A4B-6529-136B-4B08B24092EA}"/>
+          </ac:grpSpMkLst>
+        </pc:grpChg>
+        <pc:grpChg chg="mod">
+          <ac:chgData name="Rikard Larsson" userId="7f66aacf32806e64" providerId="LiveId" clId="{E0778A1E-D827-4224-A60C-32F3514D9223}" dt="2023-05-01T21:11:12.649" v="4022"/>
+          <ac:grpSpMkLst>
+            <pc:docMk/>
+            <pc:sldMk cId="1748760876" sldId="256"/>
+            <ac:grpSpMk id="494" creationId="{E46150B7-153D-9CA2-11F7-E537ACDB86F6}"/>
+          </ac:grpSpMkLst>
+        </pc:grpChg>
         <pc:grpChg chg="add mod ord">
           <ac:chgData name="Rikard Larsson" userId="7f66aacf32806e64" providerId="LiveId" clId="{E0778A1E-D827-4224-A60C-32F3514D9223}" dt="2023-03-29T22:12:09.459" v="2760" actId="164"/>
           <ac:grpSpMkLst>
             <pc:docMk/>
             <pc:sldMk cId="1748760876" sldId="256"/>
             <ac:grpSpMk id="497" creationId="{5136CD23-DB4F-E7D4-6A66-629C8B3A7CDF}"/>
+          </ac:grpSpMkLst>
+        </pc:grpChg>
+        <pc:grpChg chg="mod">
+          <ac:chgData name="Rikard Larsson" userId="7f66aacf32806e64" providerId="LiveId" clId="{E0778A1E-D827-4224-A60C-32F3514D9223}" dt="2023-05-01T21:11:12.649" v="4022"/>
+          <ac:grpSpMkLst>
+            <pc:docMk/>
+            <pc:sldMk cId="1748760876" sldId="256"/>
+            <ac:grpSpMk id="497" creationId="{8592D9C4-2210-318C-EE48-EE758766D1F2}"/>
           </ac:grpSpMkLst>
         </pc:grpChg>
         <pc:grpChg chg="add del mod">
@@ -5628,12 +6116,28 @@
             <ac:grpSpMk id="498" creationId="{4DF7B558-FAF0-D0F9-CC42-B2CA755310C2}"/>
           </ac:grpSpMkLst>
         </pc:grpChg>
+        <pc:grpChg chg="mod">
+          <ac:chgData name="Rikard Larsson" userId="7f66aacf32806e64" providerId="LiveId" clId="{E0778A1E-D827-4224-A60C-32F3514D9223}" dt="2023-05-01T21:11:12.649" v="4022"/>
+          <ac:grpSpMkLst>
+            <pc:docMk/>
+            <pc:sldMk cId="1748760876" sldId="256"/>
+            <ac:grpSpMk id="499" creationId="{286C2E12-0CB6-453D-E3CA-12065B02DD89}"/>
+          </ac:grpSpMkLst>
+        </pc:grpChg>
         <pc:grpChg chg="add del mod">
           <ac:chgData name="Rikard Larsson" userId="7f66aacf32806e64" providerId="LiveId" clId="{E0778A1E-D827-4224-A60C-32F3514D9223}" dt="2023-03-30T19:19:54.686" v="3335" actId="478"/>
           <ac:grpSpMkLst>
             <pc:docMk/>
             <pc:sldMk cId="1748760876" sldId="256"/>
             <ac:grpSpMk id="499" creationId="{AB05E4DB-04DC-DF57-69E0-DBA0DCE8C390}"/>
+          </ac:grpSpMkLst>
+        </pc:grpChg>
+        <pc:grpChg chg="mod">
+          <ac:chgData name="Rikard Larsson" userId="7f66aacf32806e64" providerId="LiveId" clId="{E0778A1E-D827-4224-A60C-32F3514D9223}" dt="2023-05-01T21:11:12.649" v="4022"/>
+          <ac:grpSpMkLst>
+            <pc:docMk/>
+            <pc:sldMk cId="1748760876" sldId="256"/>
+            <ac:grpSpMk id="503" creationId="{D125E8E4-92DC-6C7F-599F-15A56DA84998}"/>
           </ac:grpSpMkLst>
         </pc:grpChg>
         <pc:grpChg chg="add del mod">
@@ -5644,32 +6148,32 @@
             <ac:grpSpMk id="503" creationId="{E51312BE-6F91-8034-8571-44CEEE9586AE}"/>
           </ac:grpSpMkLst>
         </pc:grpChg>
-        <pc:grpChg chg="add mod topLvl">
-          <ac:chgData name="Rikard Larsson" userId="7f66aacf32806e64" providerId="LiveId" clId="{E0778A1E-D827-4224-A60C-32F3514D9223}" dt="2023-03-30T19:21:18.794" v="3339" actId="164"/>
+        <pc:grpChg chg="add del mod topLvl">
+          <ac:chgData name="Rikard Larsson" userId="7f66aacf32806e64" providerId="LiveId" clId="{E0778A1E-D827-4224-A60C-32F3514D9223}" dt="2023-05-01T20:49:41.514" v="3958" actId="478"/>
           <ac:grpSpMkLst>
             <pc:docMk/>
             <pc:sldMk cId="1748760876" sldId="256"/>
             <ac:grpSpMk id="504" creationId="{4679C13C-1CEC-517F-72FA-A9220C734C37}"/>
           </ac:grpSpMkLst>
         </pc:grpChg>
-        <pc:grpChg chg="add mod topLvl">
-          <ac:chgData name="Rikard Larsson" userId="7f66aacf32806e64" providerId="LiveId" clId="{E0778A1E-D827-4224-A60C-32F3514D9223}" dt="2023-03-30T19:21:18.794" v="3339" actId="164"/>
+        <pc:grpChg chg="add del mod topLvl">
+          <ac:chgData name="Rikard Larsson" userId="7f66aacf32806e64" providerId="LiveId" clId="{E0778A1E-D827-4224-A60C-32F3514D9223}" dt="2023-05-01T20:49:50.117" v="3960" actId="478"/>
           <ac:grpSpMkLst>
             <pc:docMk/>
             <pc:sldMk cId="1748760876" sldId="256"/>
             <ac:grpSpMk id="507" creationId="{7F13865B-E594-BAD5-AA0C-47E851A93751}"/>
           </ac:grpSpMkLst>
         </pc:grpChg>
-        <pc:grpChg chg="add mod topLvl">
-          <ac:chgData name="Rikard Larsson" userId="7f66aacf32806e64" providerId="LiveId" clId="{E0778A1E-D827-4224-A60C-32F3514D9223}" dt="2023-03-30T19:21:18.794" v="3339" actId="164"/>
+        <pc:grpChg chg="add del mod topLvl">
+          <ac:chgData name="Rikard Larsson" userId="7f66aacf32806e64" providerId="LiveId" clId="{E0778A1E-D827-4224-A60C-32F3514D9223}" dt="2023-05-01T20:49:50.117" v="3960" actId="478"/>
           <ac:grpSpMkLst>
             <pc:docMk/>
             <pc:sldMk cId="1748760876" sldId="256"/>
             <ac:grpSpMk id="510" creationId="{FE25C593-C25F-5705-9229-20FC33928AC8}"/>
           </ac:grpSpMkLst>
         </pc:grpChg>
-        <pc:grpChg chg="add mod topLvl">
-          <ac:chgData name="Rikard Larsson" userId="7f66aacf32806e64" providerId="LiveId" clId="{E0778A1E-D827-4224-A60C-32F3514D9223}" dt="2023-03-30T19:21:18.794" v="3339" actId="164"/>
+        <pc:grpChg chg="add del mod topLvl">
+          <ac:chgData name="Rikard Larsson" userId="7f66aacf32806e64" providerId="LiveId" clId="{E0778A1E-D827-4224-A60C-32F3514D9223}" dt="2023-05-01T20:49:50.117" v="3960" actId="478"/>
           <ac:grpSpMkLst>
             <pc:docMk/>
             <pc:sldMk cId="1748760876" sldId="256"/>
@@ -5836,8 +6340,8 @@
             <ac:grpSpMk id="570" creationId="{9367A3C0-2328-BBEB-0F38-2D5E0500CEF8}"/>
           </ac:grpSpMkLst>
         </pc:grpChg>
-        <pc:grpChg chg="add mod">
-          <ac:chgData name="Rikard Larsson" userId="7f66aacf32806e64" providerId="LiveId" clId="{E0778A1E-D827-4224-A60C-32F3514D9223}" dt="2023-03-30T18:58:01.176" v="3077" actId="164"/>
+        <pc:grpChg chg="add del mod">
+          <ac:chgData name="Rikard Larsson" userId="7f66aacf32806e64" providerId="LiveId" clId="{E0778A1E-D827-4224-A60C-32F3514D9223}" dt="2023-05-01T21:11:25.200" v="4030" actId="478"/>
           <ac:grpSpMkLst>
             <pc:docMk/>
             <pc:sldMk cId="1748760876" sldId="256"/>
@@ -5852,8 +6356,8 @@
             <ac:grpSpMk id="584" creationId="{2EBC0FE1-D066-FF77-4598-45055051099C}"/>
           </ac:grpSpMkLst>
         </pc:grpChg>
-        <pc:grpChg chg="mod">
-          <ac:chgData name="Rikard Larsson" userId="7f66aacf32806e64" providerId="LiveId" clId="{E0778A1E-D827-4224-A60C-32F3514D9223}" dt="2023-03-30T18:53:26.105" v="3011"/>
+        <pc:grpChg chg="mod topLvl">
+          <ac:chgData name="Rikard Larsson" userId="7f66aacf32806e64" providerId="LiveId" clId="{E0778A1E-D827-4224-A60C-32F3514D9223}" dt="2023-05-01T21:11:49.698" v="4036" actId="1076"/>
           <ac:grpSpMkLst>
             <pc:docMk/>
             <pc:sldMk cId="1748760876" sldId="256"/>
@@ -5868,16 +6372,16 @@
             <ac:grpSpMk id="588" creationId="{6ACA9868-AFDF-8696-079C-4C8E2B61AA3A}"/>
           </ac:grpSpMkLst>
         </pc:grpChg>
-        <pc:grpChg chg="mod">
-          <ac:chgData name="Rikard Larsson" userId="7f66aacf32806e64" providerId="LiveId" clId="{E0778A1E-D827-4224-A60C-32F3514D9223}" dt="2023-03-30T18:53:26.105" v="3011"/>
+        <pc:grpChg chg="del mod">
+          <ac:chgData name="Rikard Larsson" userId="7f66aacf32806e64" providerId="LiveId" clId="{E0778A1E-D827-4224-A60C-32F3514D9223}" dt="2023-05-01T21:11:27.432" v="4031" actId="478"/>
           <ac:grpSpMkLst>
             <pc:docMk/>
             <pc:sldMk cId="1748760876" sldId="256"/>
             <ac:grpSpMk id="590" creationId="{019A5BD0-B329-AED2-F3AA-6D61CBF582BD}"/>
           </ac:grpSpMkLst>
         </pc:grpChg>
-        <pc:grpChg chg="mod">
-          <ac:chgData name="Rikard Larsson" userId="7f66aacf32806e64" providerId="LiveId" clId="{E0778A1E-D827-4224-A60C-32F3514D9223}" dt="2023-03-30T18:53:26.105" v="3011"/>
+        <pc:grpChg chg="del mod">
+          <ac:chgData name="Rikard Larsson" userId="7f66aacf32806e64" providerId="LiveId" clId="{E0778A1E-D827-4224-A60C-32F3514D9223}" dt="2023-05-01T21:11:35.969" v="4035" actId="478"/>
           <ac:grpSpMkLst>
             <pc:docMk/>
             <pc:sldMk cId="1748760876" sldId="256"/>
@@ -5892,8 +6396,8 @@
             <ac:grpSpMk id="594" creationId="{2D7BD3BA-33AE-298E-9ECC-8016F93DEA00}"/>
           </ac:grpSpMkLst>
         </pc:grpChg>
-        <pc:grpChg chg="add mod">
-          <ac:chgData name="Rikard Larsson" userId="7f66aacf32806e64" providerId="LiveId" clId="{E0778A1E-D827-4224-A60C-32F3514D9223}" dt="2023-03-30T19:11:21.840" v="3282" actId="1035"/>
+        <pc:grpChg chg="add del mod">
+          <ac:chgData name="Rikard Larsson" userId="7f66aacf32806e64" providerId="LiveId" clId="{E0778A1E-D827-4224-A60C-32F3514D9223}" dt="2023-05-01T21:11:31.551" v="4033" actId="478"/>
           <ac:grpSpMkLst>
             <pc:docMk/>
             <pc:sldMk cId="1748760876" sldId="256"/>
@@ -5964,40 +6468,40 @@
             <ac:grpSpMk id="636" creationId="{C09A82D5-B1E5-A455-9565-BAF968BCF4BD}"/>
           </ac:grpSpMkLst>
         </pc:grpChg>
-        <pc:grpChg chg="add mod">
-          <ac:chgData name="Rikard Larsson" userId="7f66aacf32806e64" providerId="LiveId" clId="{E0778A1E-D827-4224-A60C-32F3514D9223}" dt="2023-03-30T19:23:50.885" v="3361"/>
+        <pc:grpChg chg="add del mod">
+          <ac:chgData name="Rikard Larsson" userId="7f66aacf32806e64" providerId="LiveId" clId="{E0778A1E-D827-4224-A60C-32F3514D9223}" dt="2023-05-01T20:40:45.765" v="3866" actId="478"/>
           <ac:grpSpMkLst>
             <pc:docMk/>
             <pc:sldMk cId="1748760876" sldId="256"/>
             <ac:grpSpMk id="639" creationId="{8AB97C65-7761-467D-2711-A6E9FDE01B4C}"/>
           </ac:grpSpMkLst>
         </pc:grpChg>
-        <pc:grpChg chg="mod">
-          <ac:chgData name="Rikard Larsson" userId="7f66aacf32806e64" providerId="LiveId" clId="{E0778A1E-D827-4224-A60C-32F3514D9223}" dt="2023-03-30T19:23:50.885" v="3361"/>
+        <pc:grpChg chg="del mod">
+          <ac:chgData name="Rikard Larsson" userId="7f66aacf32806e64" providerId="LiveId" clId="{E0778A1E-D827-4224-A60C-32F3514D9223}" dt="2023-05-01T20:40:43.330" v="3864" actId="478"/>
           <ac:grpSpMkLst>
             <pc:docMk/>
             <pc:sldMk cId="1748760876" sldId="256"/>
             <ac:grpSpMk id="642" creationId="{E7DEDA99-BD60-7F83-1632-39B0C85B423F}"/>
           </ac:grpSpMkLst>
         </pc:grpChg>
-        <pc:grpChg chg="mod">
-          <ac:chgData name="Rikard Larsson" userId="7f66aacf32806e64" providerId="LiveId" clId="{E0778A1E-D827-4224-A60C-32F3514D9223}" dt="2023-03-30T19:23:50.885" v="3361"/>
+        <pc:grpChg chg="del mod">
+          <ac:chgData name="Rikard Larsson" userId="7f66aacf32806e64" providerId="LiveId" clId="{E0778A1E-D827-4224-A60C-32F3514D9223}" dt="2023-05-01T20:40:55.051" v="3867" actId="478"/>
           <ac:grpSpMkLst>
             <pc:docMk/>
             <pc:sldMk cId="1748760876" sldId="256"/>
             <ac:grpSpMk id="643" creationId="{50EC6EC6-E2DA-B13B-EBD1-5E23F12183E3}"/>
           </ac:grpSpMkLst>
         </pc:grpChg>
-        <pc:grpChg chg="mod">
-          <ac:chgData name="Rikard Larsson" userId="7f66aacf32806e64" providerId="LiveId" clId="{E0778A1E-D827-4224-A60C-32F3514D9223}" dt="2023-03-30T19:23:50.885" v="3361"/>
+        <pc:grpChg chg="del mod">
+          <ac:chgData name="Rikard Larsson" userId="7f66aacf32806e64" providerId="LiveId" clId="{E0778A1E-D827-4224-A60C-32F3514D9223}" dt="2023-05-01T20:40:55.051" v="3867" actId="478"/>
           <ac:grpSpMkLst>
             <pc:docMk/>
             <pc:sldMk cId="1748760876" sldId="256"/>
             <ac:grpSpMk id="644" creationId="{FF6BA8F7-0964-45D5-4C6B-FB065E93EFC5}"/>
           </ac:grpSpMkLst>
         </pc:grpChg>
-        <pc:grpChg chg="mod">
-          <ac:chgData name="Rikard Larsson" userId="7f66aacf32806e64" providerId="LiveId" clId="{E0778A1E-D827-4224-A60C-32F3514D9223}" dt="2023-03-30T19:23:50.885" v="3361"/>
+        <pc:grpChg chg="del mod">
+          <ac:chgData name="Rikard Larsson" userId="7f66aacf32806e64" providerId="LiveId" clId="{E0778A1E-D827-4224-A60C-32F3514D9223}" dt="2023-05-01T20:39:22.564" v="3852" actId="478"/>
           <ac:grpSpMkLst>
             <pc:docMk/>
             <pc:sldMk cId="1748760876" sldId="256"/>
@@ -8558,7 +9062,7 @@
           <a:p>
             <a:fld id="{2E97A839-834E-402A-A282-93A0F9A1C71E}" type="datetimeFigureOut">
               <a:rPr lang="sv-SE" smtClean="0"/>
-              <a:t>2023-03-29</a:t>
+              <a:t>2023-04-24</a:t>
             </a:fld>
             <a:endParaRPr lang="sv-SE"/>
           </a:p>
@@ -9040,7 +9544,7 @@
           <a:p>
             <a:fld id="{70B52A96-F914-40FF-8E1F-266D9DAC6516}" type="datetimeFigureOut">
               <a:rPr lang="sv-SE" smtClean="0"/>
-              <a:t>2023-03-29</a:t>
+              <a:t>2023-04-24</a:t>
             </a:fld>
             <a:endParaRPr lang="sv-SE"/>
           </a:p>
@@ -9210,7 +9714,7 @@
           <a:p>
             <a:fld id="{70B52A96-F914-40FF-8E1F-266D9DAC6516}" type="datetimeFigureOut">
               <a:rPr lang="sv-SE" smtClean="0"/>
-              <a:t>2023-03-29</a:t>
+              <a:t>2023-04-24</a:t>
             </a:fld>
             <a:endParaRPr lang="sv-SE"/>
           </a:p>
@@ -9390,7 +9894,7 @@
           <a:p>
             <a:fld id="{70B52A96-F914-40FF-8E1F-266D9DAC6516}" type="datetimeFigureOut">
               <a:rPr lang="sv-SE" smtClean="0"/>
-              <a:t>2023-03-29</a:t>
+              <a:t>2023-04-24</a:t>
             </a:fld>
             <a:endParaRPr lang="sv-SE"/>
           </a:p>
@@ -9560,7 +10064,7 @@
           <a:p>
             <a:fld id="{70B52A96-F914-40FF-8E1F-266D9DAC6516}" type="datetimeFigureOut">
               <a:rPr lang="sv-SE" smtClean="0"/>
-              <a:t>2023-03-29</a:t>
+              <a:t>2023-04-24</a:t>
             </a:fld>
             <a:endParaRPr lang="sv-SE"/>
           </a:p>
@@ -9804,7 +10308,7 @@
           <a:p>
             <a:fld id="{70B52A96-F914-40FF-8E1F-266D9DAC6516}" type="datetimeFigureOut">
               <a:rPr lang="sv-SE" smtClean="0"/>
-              <a:t>2023-03-29</a:t>
+              <a:t>2023-04-24</a:t>
             </a:fld>
             <a:endParaRPr lang="sv-SE"/>
           </a:p>
@@ -10036,7 +10540,7 @@
           <a:p>
             <a:fld id="{70B52A96-F914-40FF-8E1F-266D9DAC6516}" type="datetimeFigureOut">
               <a:rPr lang="sv-SE" smtClean="0"/>
-              <a:t>2023-03-29</a:t>
+              <a:t>2023-04-24</a:t>
             </a:fld>
             <a:endParaRPr lang="sv-SE"/>
           </a:p>
@@ -10403,7 +10907,7 @@
           <a:p>
             <a:fld id="{70B52A96-F914-40FF-8E1F-266D9DAC6516}" type="datetimeFigureOut">
               <a:rPr lang="sv-SE" smtClean="0"/>
-              <a:t>2023-03-29</a:t>
+              <a:t>2023-04-24</a:t>
             </a:fld>
             <a:endParaRPr lang="sv-SE"/>
           </a:p>
@@ -10521,7 +11025,7 @@
           <a:p>
             <a:fld id="{70B52A96-F914-40FF-8E1F-266D9DAC6516}" type="datetimeFigureOut">
               <a:rPr lang="sv-SE" smtClean="0"/>
-              <a:t>2023-03-29</a:t>
+              <a:t>2023-04-24</a:t>
             </a:fld>
             <a:endParaRPr lang="sv-SE"/>
           </a:p>
@@ -10616,7 +11120,7 @@
           <a:p>
             <a:fld id="{70B52A96-F914-40FF-8E1F-266D9DAC6516}" type="datetimeFigureOut">
               <a:rPr lang="sv-SE" smtClean="0"/>
-              <a:t>2023-03-29</a:t>
+              <a:t>2023-04-24</a:t>
             </a:fld>
             <a:endParaRPr lang="sv-SE"/>
           </a:p>
@@ -10893,7 +11397,7 @@
           <a:p>
             <a:fld id="{70B52A96-F914-40FF-8E1F-266D9DAC6516}" type="datetimeFigureOut">
               <a:rPr lang="sv-SE" smtClean="0"/>
-              <a:t>2023-03-29</a:t>
+              <a:t>2023-04-24</a:t>
             </a:fld>
             <a:endParaRPr lang="sv-SE"/>
           </a:p>
@@ -11150,7 +11654,7 @@
           <a:p>
             <a:fld id="{70B52A96-F914-40FF-8E1F-266D9DAC6516}" type="datetimeFigureOut">
               <a:rPr lang="sv-SE" smtClean="0"/>
-              <a:t>2023-03-29</a:t>
+              <a:t>2023-04-24</a:t>
             </a:fld>
             <a:endParaRPr lang="sv-SE"/>
           </a:p>
@@ -11363,7 +11867,7 @@
           <a:p>
             <a:fld id="{70B52A96-F914-40FF-8E1F-266D9DAC6516}" type="datetimeFigureOut">
               <a:rPr lang="sv-SE" smtClean="0"/>
-              <a:t>2023-03-29</a:t>
+              <a:t>2023-04-24</a:t>
             </a:fld>
             <a:endParaRPr lang="sv-SE"/>
           </a:p>
@@ -11768,6 +12272,666 @@
           <a:chExt cx="0" cy="0"/>
         </a:xfrm>
       </p:grpSpPr>
+      <p:sp>
+        <p:nvSpPr>
+          <p:cNvPr id="516" name="Rektangel 515">
+            <a:extLst>
+              <a:ext uri="{FF2B5EF4-FFF2-40B4-BE49-F238E27FC236}">
+                <a16:creationId xmlns:a16="http://schemas.microsoft.com/office/drawing/2014/main" id="{8A6BAC9A-81E0-BB38-4385-F26929DF1026}"/>
+              </a:ext>
+            </a:extLst>
+          </p:cNvPr>
+          <p:cNvSpPr/>
+          <p:nvPr/>
+        </p:nvSpPr>
+        <p:spPr>
+          <a:xfrm>
+            <a:off x="3470823" y="2366586"/>
+            <a:ext cx="2160000" cy="236726"/>
+          </a:xfrm>
+          <a:prstGeom prst="rect">
+            <a:avLst/>
+          </a:prstGeom>
+          <a:solidFill>
+            <a:schemeClr val="bg1"/>
+          </a:solidFill>
+          <a:ln>
+            <a:solidFill>
+              <a:schemeClr val="tx1"/>
+            </a:solidFill>
+          </a:ln>
+        </p:spPr>
+        <p:style>
+          <a:lnRef idx="2">
+            <a:schemeClr val="accent1">
+              <a:shade val="50000"/>
+            </a:schemeClr>
+          </a:lnRef>
+          <a:fillRef idx="1">
+            <a:schemeClr val="accent1"/>
+          </a:fillRef>
+          <a:effectRef idx="0">
+            <a:schemeClr val="accent1"/>
+          </a:effectRef>
+          <a:fontRef idx="minor">
+            <a:schemeClr val="lt1"/>
+          </a:fontRef>
+        </p:style>
+        <p:txBody>
+          <a:bodyPr rtlCol="0" anchor="b"/>
+          <a:lstStyle/>
+          <a:p>
+            <a:endParaRPr lang="sv-SE" sz="1400" dirty="0">
+              <a:solidFill>
+                <a:sysClr val="windowText" lastClr="000000"/>
+              </a:solidFill>
+            </a:endParaRPr>
+          </a:p>
+        </p:txBody>
+      </p:sp>
+      <p:sp>
+        <p:nvSpPr>
+          <p:cNvPr id="53" name="Åttahörning 52">
+            <a:extLst>
+              <a:ext uri="{FF2B5EF4-FFF2-40B4-BE49-F238E27FC236}">
+                <a16:creationId xmlns:a16="http://schemas.microsoft.com/office/drawing/2014/main" id="{FD2E58FF-7818-6846-B631-CC3DB13E7861}"/>
+              </a:ext>
+            </a:extLst>
+          </p:cNvPr>
+          <p:cNvSpPr/>
+          <p:nvPr/>
+        </p:nvSpPr>
+        <p:spPr>
+          <a:xfrm>
+            <a:off x="5001540" y="2400196"/>
+            <a:ext cx="270000" cy="180000"/>
+          </a:xfrm>
+          <a:prstGeom prst="octagon">
+            <a:avLst/>
+          </a:prstGeom>
+          <a:solidFill>
+            <a:schemeClr val="bg1"/>
+          </a:solidFill>
+          <a:ln w="6350">
+            <a:solidFill>
+              <a:schemeClr val="tx1"/>
+            </a:solidFill>
+          </a:ln>
+        </p:spPr>
+        <p:style>
+          <a:lnRef idx="2">
+            <a:schemeClr val="accent1">
+              <a:shade val="50000"/>
+            </a:schemeClr>
+          </a:lnRef>
+          <a:fillRef idx="1">
+            <a:schemeClr val="accent1"/>
+          </a:fillRef>
+          <a:effectRef idx="0">
+            <a:schemeClr val="accent1"/>
+          </a:effectRef>
+          <a:fontRef idx="minor">
+            <a:schemeClr val="lt1"/>
+          </a:fontRef>
+        </p:style>
+        <p:txBody>
+          <a:bodyPr rtlCol="0" anchor="ctr"/>
+          <a:lstStyle/>
+          <a:p>
+            <a:pPr algn="r"/>
+            <a:endParaRPr lang="sv-SE" sz="500" dirty="0">
+              <a:solidFill>
+                <a:schemeClr val="bg1">
+                  <a:lumMod val="50000"/>
+                </a:schemeClr>
+              </a:solidFill>
+            </a:endParaRPr>
+          </a:p>
+        </p:txBody>
+      </p:sp>
+      <p:sp>
+        <p:nvSpPr>
+          <p:cNvPr id="54" name="textruta 53">
+            <a:extLst>
+              <a:ext uri="{FF2B5EF4-FFF2-40B4-BE49-F238E27FC236}">
+                <a16:creationId xmlns:a16="http://schemas.microsoft.com/office/drawing/2014/main" id="{EDD006C4-8E04-4769-F04F-AA1C4C11CC46}"/>
+              </a:ext>
+            </a:extLst>
+          </p:cNvPr>
+          <p:cNvSpPr txBox="1"/>
+          <p:nvPr/>
+        </p:nvSpPr>
+        <p:spPr>
+          <a:xfrm>
+            <a:off x="5009467" y="2396344"/>
+            <a:ext cx="259095" cy="76944"/>
+          </a:xfrm>
+          <a:prstGeom prst="rect">
+            <a:avLst/>
+          </a:prstGeom>
+          <a:noFill/>
+          <a:ln>
+            <a:noFill/>
+          </a:ln>
+        </p:spPr>
+        <p:txBody>
+          <a:bodyPr wrap="square" lIns="0" tIns="0" rIns="0" bIns="0" rtlCol="0" anchor="ctr">
+            <a:spAutoFit/>
+          </a:bodyPr>
+          <a:lstStyle/>
+          <a:p>
+            <a:pPr algn="ctr"/>
+            <a:r>
+              <a:rPr lang="sv-SE" sz="500" i="1" dirty="0" err="1">
+                <a:solidFill>
+                  <a:schemeClr val="bg1">
+                    <a:lumMod val="50000"/>
+                  </a:schemeClr>
+                </a:solidFill>
+              </a:rPr>
+              <a:t>Sight</a:t>
+            </a:r>
+            <a:endParaRPr lang="sv-SE" sz="500" i="1" dirty="0">
+              <a:solidFill>
+                <a:schemeClr val="bg1">
+                  <a:lumMod val="50000"/>
+                </a:schemeClr>
+              </a:solidFill>
+            </a:endParaRPr>
+          </a:p>
+        </p:txBody>
+      </p:sp>
+      <p:sp>
+        <p:nvSpPr>
+          <p:cNvPr id="55" name="Ellips 54">
+            <a:extLst>
+              <a:ext uri="{FF2B5EF4-FFF2-40B4-BE49-F238E27FC236}">
+                <a16:creationId xmlns:a16="http://schemas.microsoft.com/office/drawing/2014/main" id="{A2F6C310-967A-846B-322F-BCD4E3CBD636}"/>
+              </a:ext>
+            </a:extLst>
+          </p:cNvPr>
+          <p:cNvSpPr/>
+          <p:nvPr/>
+        </p:nvSpPr>
+        <p:spPr>
+          <a:xfrm>
+            <a:off x="4966830" y="2453310"/>
+            <a:ext cx="72000" cy="72000"/>
+          </a:xfrm>
+          <a:prstGeom prst="ellipse">
+            <a:avLst/>
+          </a:prstGeom>
+          <a:solidFill>
+            <a:schemeClr val="bg1"/>
+          </a:solidFill>
+          <a:ln w="6350">
+            <a:solidFill>
+              <a:schemeClr val="tx1"/>
+            </a:solidFill>
+          </a:ln>
+        </p:spPr>
+        <p:style>
+          <a:lnRef idx="2">
+            <a:schemeClr val="accent1">
+              <a:shade val="50000"/>
+            </a:schemeClr>
+          </a:lnRef>
+          <a:fillRef idx="1">
+            <a:schemeClr val="accent1"/>
+          </a:fillRef>
+          <a:effectRef idx="0">
+            <a:schemeClr val="accent1"/>
+          </a:effectRef>
+          <a:fontRef idx="minor">
+            <a:schemeClr val="lt1"/>
+          </a:fontRef>
+        </p:style>
+        <p:txBody>
+          <a:bodyPr rtlCol="0" anchor="ctr"/>
+          <a:lstStyle/>
+          <a:p>
+            <a:pPr algn="ctr"/>
+            <a:endParaRPr lang="sv-SE" dirty="0"/>
+          </a:p>
+        </p:txBody>
+      </p:sp>
+      <p:sp>
+        <p:nvSpPr>
+          <p:cNvPr id="56" name="Åttahörning 55">
+            <a:extLst>
+              <a:ext uri="{FF2B5EF4-FFF2-40B4-BE49-F238E27FC236}">
+                <a16:creationId xmlns:a16="http://schemas.microsoft.com/office/drawing/2014/main" id="{4380519C-98B8-8C50-51D3-704706959650}"/>
+              </a:ext>
+            </a:extLst>
+          </p:cNvPr>
+          <p:cNvSpPr/>
+          <p:nvPr/>
+        </p:nvSpPr>
+        <p:spPr>
+          <a:xfrm>
+            <a:off x="5323533" y="2400860"/>
+            <a:ext cx="270000" cy="180000"/>
+          </a:xfrm>
+          <a:prstGeom prst="octagon">
+            <a:avLst/>
+          </a:prstGeom>
+          <a:solidFill>
+            <a:schemeClr val="bg1"/>
+          </a:solidFill>
+          <a:ln w="6350">
+            <a:solidFill>
+              <a:schemeClr val="tx1"/>
+            </a:solidFill>
+          </a:ln>
+        </p:spPr>
+        <p:style>
+          <a:lnRef idx="2">
+            <a:schemeClr val="accent1">
+              <a:shade val="50000"/>
+            </a:schemeClr>
+          </a:lnRef>
+          <a:fillRef idx="1">
+            <a:schemeClr val="accent1"/>
+          </a:fillRef>
+          <a:effectRef idx="0">
+            <a:schemeClr val="accent1"/>
+          </a:effectRef>
+          <a:fontRef idx="minor">
+            <a:schemeClr val="lt1"/>
+          </a:fontRef>
+        </p:style>
+        <p:txBody>
+          <a:bodyPr rtlCol="0" anchor="ctr"/>
+          <a:lstStyle/>
+          <a:p>
+            <a:pPr algn="r"/>
+            <a:endParaRPr lang="sv-SE" sz="500" dirty="0">
+              <a:solidFill>
+                <a:schemeClr val="bg1">
+                  <a:lumMod val="50000"/>
+                </a:schemeClr>
+              </a:solidFill>
+            </a:endParaRPr>
+          </a:p>
+        </p:txBody>
+      </p:sp>
+      <p:sp>
+        <p:nvSpPr>
+          <p:cNvPr id="57" name="textruta 56">
+            <a:extLst>
+              <a:ext uri="{FF2B5EF4-FFF2-40B4-BE49-F238E27FC236}">
+                <a16:creationId xmlns:a16="http://schemas.microsoft.com/office/drawing/2014/main" id="{544F175B-16F9-9BA2-8D77-5C62F32D0B71}"/>
+              </a:ext>
+            </a:extLst>
+          </p:cNvPr>
+          <p:cNvSpPr txBox="1"/>
+          <p:nvPr/>
+        </p:nvSpPr>
+        <p:spPr>
+          <a:xfrm>
+            <a:off x="5331460" y="2397008"/>
+            <a:ext cx="259095" cy="76944"/>
+          </a:xfrm>
+          <a:prstGeom prst="rect">
+            <a:avLst/>
+          </a:prstGeom>
+          <a:noFill/>
+          <a:ln>
+            <a:noFill/>
+          </a:ln>
+        </p:spPr>
+        <p:txBody>
+          <a:bodyPr wrap="square" lIns="0" tIns="0" rIns="0" bIns="0" rtlCol="0" anchor="ctr">
+            <a:spAutoFit/>
+          </a:bodyPr>
+          <a:lstStyle/>
+          <a:p>
+            <a:pPr algn="ctr"/>
+            <a:r>
+              <a:rPr lang="sv-SE" sz="500" i="1" dirty="0">
+                <a:solidFill>
+                  <a:schemeClr val="bg1">
+                    <a:lumMod val="50000"/>
+                  </a:schemeClr>
+                </a:solidFill>
+              </a:rPr>
+              <a:t>Hearing</a:t>
+            </a:r>
+          </a:p>
+        </p:txBody>
+      </p:sp>
+      <p:sp>
+        <p:nvSpPr>
+          <p:cNvPr id="58" name="Ellips 57">
+            <a:extLst>
+              <a:ext uri="{FF2B5EF4-FFF2-40B4-BE49-F238E27FC236}">
+                <a16:creationId xmlns:a16="http://schemas.microsoft.com/office/drawing/2014/main" id="{CC9D918D-5BA3-98AA-119A-E63932E2DA79}"/>
+              </a:ext>
+            </a:extLst>
+          </p:cNvPr>
+          <p:cNvSpPr/>
+          <p:nvPr/>
+        </p:nvSpPr>
+        <p:spPr>
+          <a:xfrm>
+            <a:off x="5288823" y="2453974"/>
+            <a:ext cx="72000" cy="72000"/>
+          </a:xfrm>
+          <a:prstGeom prst="ellipse">
+            <a:avLst/>
+          </a:prstGeom>
+          <a:solidFill>
+            <a:schemeClr val="bg1"/>
+          </a:solidFill>
+          <a:ln w="6350">
+            <a:solidFill>
+              <a:schemeClr val="tx1"/>
+            </a:solidFill>
+          </a:ln>
+        </p:spPr>
+        <p:style>
+          <a:lnRef idx="2">
+            <a:schemeClr val="accent1">
+              <a:shade val="50000"/>
+            </a:schemeClr>
+          </a:lnRef>
+          <a:fillRef idx="1">
+            <a:schemeClr val="accent1"/>
+          </a:fillRef>
+          <a:effectRef idx="0">
+            <a:schemeClr val="accent1"/>
+          </a:effectRef>
+          <a:fontRef idx="minor">
+            <a:schemeClr val="lt1"/>
+          </a:fontRef>
+        </p:style>
+        <p:txBody>
+          <a:bodyPr rtlCol="0" anchor="ctr"/>
+          <a:lstStyle/>
+          <a:p>
+            <a:pPr algn="ctr"/>
+            <a:endParaRPr lang="sv-SE" dirty="0"/>
+          </a:p>
+        </p:txBody>
+      </p:sp>
+      <p:sp>
+        <p:nvSpPr>
+          <p:cNvPr id="59" name="Åttahörning 58">
+            <a:extLst>
+              <a:ext uri="{FF2B5EF4-FFF2-40B4-BE49-F238E27FC236}">
+                <a16:creationId xmlns:a16="http://schemas.microsoft.com/office/drawing/2014/main" id="{FDE27432-9A5C-3619-957E-93D9BA7FAFE0}"/>
+              </a:ext>
+            </a:extLst>
+          </p:cNvPr>
+          <p:cNvSpPr/>
+          <p:nvPr/>
+        </p:nvSpPr>
+        <p:spPr>
+          <a:xfrm>
+            <a:off x="4355384" y="2400196"/>
+            <a:ext cx="270000" cy="180000"/>
+          </a:xfrm>
+          <a:prstGeom prst="octagon">
+            <a:avLst/>
+          </a:prstGeom>
+          <a:solidFill>
+            <a:schemeClr val="bg1"/>
+          </a:solidFill>
+          <a:ln w="6350">
+            <a:solidFill>
+              <a:schemeClr val="tx1"/>
+            </a:solidFill>
+          </a:ln>
+        </p:spPr>
+        <p:style>
+          <a:lnRef idx="2">
+            <a:schemeClr val="accent1">
+              <a:shade val="50000"/>
+            </a:schemeClr>
+          </a:lnRef>
+          <a:fillRef idx="1">
+            <a:schemeClr val="accent1"/>
+          </a:fillRef>
+          <a:effectRef idx="0">
+            <a:schemeClr val="accent1"/>
+          </a:effectRef>
+          <a:fontRef idx="minor">
+            <a:schemeClr val="lt1"/>
+          </a:fontRef>
+        </p:style>
+        <p:txBody>
+          <a:bodyPr rtlCol="0" anchor="ctr"/>
+          <a:lstStyle/>
+          <a:p>
+            <a:pPr algn="r"/>
+            <a:endParaRPr lang="sv-SE" sz="500" dirty="0">
+              <a:solidFill>
+                <a:schemeClr val="bg1">
+                  <a:lumMod val="50000"/>
+                </a:schemeClr>
+              </a:solidFill>
+            </a:endParaRPr>
+          </a:p>
+        </p:txBody>
+      </p:sp>
+      <p:sp>
+        <p:nvSpPr>
+          <p:cNvPr id="60" name="textruta 59">
+            <a:extLst>
+              <a:ext uri="{FF2B5EF4-FFF2-40B4-BE49-F238E27FC236}">
+                <a16:creationId xmlns:a16="http://schemas.microsoft.com/office/drawing/2014/main" id="{BC549E35-EAB5-1CEE-6B40-40BDDD50D5FC}"/>
+              </a:ext>
+            </a:extLst>
+          </p:cNvPr>
+          <p:cNvSpPr txBox="1"/>
+          <p:nvPr/>
+        </p:nvSpPr>
+        <p:spPr>
+          <a:xfrm>
+            <a:off x="4363311" y="2396344"/>
+            <a:ext cx="259095" cy="76944"/>
+          </a:xfrm>
+          <a:prstGeom prst="rect">
+            <a:avLst/>
+          </a:prstGeom>
+          <a:noFill/>
+          <a:ln>
+            <a:noFill/>
+          </a:ln>
+        </p:spPr>
+        <p:txBody>
+          <a:bodyPr wrap="square" lIns="0" tIns="0" rIns="0" bIns="0" rtlCol="0" anchor="ctr">
+            <a:spAutoFit/>
+          </a:bodyPr>
+          <a:lstStyle/>
+          <a:p>
+            <a:pPr algn="ctr"/>
+            <a:r>
+              <a:rPr lang="sv-SE" sz="500" i="1" dirty="0" err="1">
+                <a:solidFill>
+                  <a:schemeClr val="bg1">
+                    <a:lumMod val="50000"/>
+                  </a:schemeClr>
+                </a:solidFill>
+              </a:rPr>
+              <a:t>Base</a:t>
+            </a:r>
+            <a:endParaRPr lang="sv-SE" sz="500" i="1" dirty="0">
+              <a:solidFill>
+                <a:schemeClr val="bg1">
+                  <a:lumMod val="50000"/>
+                </a:schemeClr>
+              </a:solidFill>
+            </a:endParaRPr>
+          </a:p>
+        </p:txBody>
+      </p:sp>
+      <p:sp>
+        <p:nvSpPr>
+          <p:cNvPr id="62" name="Åttahörning 61">
+            <a:extLst>
+              <a:ext uri="{FF2B5EF4-FFF2-40B4-BE49-F238E27FC236}">
+                <a16:creationId xmlns:a16="http://schemas.microsoft.com/office/drawing/2014/main" id="{DA1B6507-101C-97DB-1AE7-DB05C899458A}"/>
+              </a:ext>
+            </a:extLst>
+          </p:cNvPr>
+          <p:cNvSpPr/>
+          <p:nvPr/>
+        </p:nvSpPr>
+        <p:spPr>
+          <a:xfrm>
+            <a:off x="4677377" y="2400860"/>
+            <a:ext cx="270000" cy="180000"/>
+          </a:xfrm>
+          <a:prstGeom prst="octagon">
+            <a:avLst/>
+          </a:prstGeom>
+          <a:solidFill>
+            <a:schemeClr val="bg1"/>
+          </a:solidFill>
+          <a:ln w="6350">
+            <a:solidFill>
+              <a:schemeClr val="tx1"/>
+            </a:solidFill>
+          </a:ln>
+        </p:spPr>
+        <p:style>
+          <a:lnRef idx="2">
+            <a:schemeClr val="accent1">
+              <a:shade val="50000"/>
+            </a:schemeClr>
+          </a:lnRef>
+          <a:fillRef idx="1">
+            <a:schemeClr val="accent1"/>
+          </a:fillRef>
+          <a:effectRef idx="0">
+            <a:schemeClr val="accent1"/>
+          </a:effectRef>
+          <a:fontRef idx="minor">
+            <a:schemeClr val="lt1"/>
+          </a:fontRef>
+        </p:style>
+        <p:txBody>
+          <a:bodyPr rtlCol="0" anchor="ctr"/>
+          <a:lstStyle/>
+          <a:p>
+            <a:pPr algn="r"/>
+            <a:endParaRPr lang="sv-SE" sz="500" dirty="0">
+              <a:solidFill>
+                <a:schemeClr val="bg1">
+                  <a:lumMod val="50000"/>
+                </a:schemeClr>
+              </a:solidFill>
+            </a:endParaRPr>
+          </a:p>
+        </p:txBody>
+      </p:sp>
+      <p:sp>
+        <p:nvSpPr>
+          <p:cNvPr id="63" name="textruta 62">
+            <a:extLst>
+              <a:ext uri="{FF2B5EF4-FFF2-40B4-BE49-F238E27FC236}">
+                <a16:creationId xmlns:a16="http://schemas.microsoft.com/office/drawing/2014/main" id="{A7C82994-0715-5A0D-F42E-4EBED3F15BBE}"/>
+              </a:ext>
+            </a:extLst>
+          </p:cNvPr>
+          <p:cNvSpPr txBox="1"/>
+          <p:nvPr/>
+        </p:nvSpPr>
+        <p:spPr>
+          <a:xfrm>
+            <a:off x="4685304" y="2358536"/>
+            <a:ext cx="259095" cy="153888"/>
+          </a:xfrm>
+          <a:prstGeom prst="rect">
+            <a:avLst/>
+          </a:prstGeom>
+          <a:noFill/>
+          <a:ln>
+            <a:noFill/>
+          </a:ln>
+        </p:spPr>
+        <p:txBody>
+          <a:bodyPr wrap="square" lIns="0" tIns="0" rIns="0" bIns="0" rtlCol="0" anchor="ctr">
+            <a:spAutoFit/>
+          </a:bodyPr>
+          <a:lstStyle/>
+          <a:p>
+            <a:pPr algn="ctr"/>
+            <a:r>
+              <a:rPr lang="sv-SE" sz="500" i="1" dirty="0" err="1">
+                <a:solidFill>
+                  <a:schemeClr val="bg1">
+                    <a:lumMod val="50000"/>
+                  </a:schemeClr>
+                </a:solidFill>
+              </a:rPr>
+              <a:t>Intelligence</a:t>
+            </a:r>
+            <a:endParaRPr lang="sv-SE" sz="500" i="1" dirty="0">
+              <a:solidFill>
+                <a:schemeClr val="bg1">
+                  <a:lumMod val="50000"/>
+                </a:schemeClr>
+              </a:solidFill>
+            </a:endParaRPr>
+          </a:p>
+        </p:txBody>
+      </p:sp>
+      <p:sp>
+        <p:nvSpPr>
+          <p:cNvPr id="492" name="Ellips 491">
+            <a:extLst>
+              <a:ext uri="{FF2B5EF4-FFF2-40B4-BE49-F238E27FC236}">
+                <a16:creationId xmlns:a16="http://schemas.microsoft.com/office/drawing/2014/main" id="{90DF3FDB-61BC-2176-947A-092E336E1AF7}"/>
+              </a:ext>
+            </a:extLst>
+          </p:cNvPr>
+          <p:cNvSpPr/>
+          <p:nvPr/>
+        </p:nvSpPr>
+        <p:spPr>
+          <a:xfrm>
+            <a:off x="4642667" y="2453974"/>
+            <a:ext cx="72000" cy="72000"/>
+          </a:xfrm>
+          <a:prstGeom prst="ellipse">
+            <a:avLst/>
+          </a:prstGeom>
+          <a:solidFill>
+            <a:schemeClr val="bg1"/>
+          </a:solidFill>
+          <a:ln w="6350">
+            <a:solidFill>
+              <a:schemeClr val="tx1"/>
+            </a:solidFill>
+          </a:ln>
+        </p:spPr>
+        <p:style>
+          <a:lnRef idx="2">
+            <a:schemeClr val="accent1">
+              <a:shade val="50000"/>
+            </a:schemeClr>
+          </a:lnRef>
+          <a:fillRef idx="1">
+            <a:schemeClr val="accent1"/>
+          </a:fillRef>
+          <a:effectRef idx="0">
+            <a:schemeClr val="accent1"/>
+          </a:effectRef>
+          <a:fontRef idx="minor">
+            <a:schemeClr val="lt1"/>
+          </a:fontRef>
+        </p:style>
+        <p:txBody>
+          <a:bodyPr rtlCol="0" anchor="ctr"/>
+          <a:lstStyle/>
+          <a:p>
+            <a:pPr algn="ctr"/>
+            <a:endParaRPr lang="sv-SE" dirty="0"/>
+          </a:p>
+        </p:txBody>
+      </p:sp>
       <p:sp>
         <p:nvSpPr>
           <p:cNvPr id="634" name="Rektangel 633">
@@ -12723,7 +13887,7 @@
         </p:nvSpPr>
         <p:spPr>
           <a:xfrm>
-            <a:off x="3471290" y="2616989"/>
+            <a:off x="3469133" y="2622639"/>
             <a:ext cx="2159533" cy="776950"/>
           </a:xfrm>
           <a:prstGeom prst="rect">
@@ -12784,7 +13948,7 @@
         </p:nvSpPr>
         <p:spPr>
           <a:xfrm>
-            <a:off x="2296699" y="4691864"/>
+            <a:off x="2274401" y="4712650"/>
             <a:ext cx="1109553" cy="430887"/>
           </a:xfrm>
           <a:prstGeom prst="rect">
@@ -13077,7 +14241,7 @@
         </p:nvSpPr>
         <p:spPr>
           <a:xfrm>
-            <a:off x="1207961" y="3968654"/>
+            <a:off x="115129" y="4213667"/>
             <a:ext cx="1109553" cy="769441"/>
           </a:xfrm>
           <a:prstGeom prst="rect">
@@ -13154,7 +14318,7 @@
         </p:nvSpPr>
         <p:spPr>
           <a:xfrm>
-            <a:off x="2255686" y="3757667"/>
+            <a:off x="2275883" y="3756385"/>
             <a:ext cx="1109553" cy="938719"/>
           </a:xfrm>
           <a:prstGeom prst="rect">
@@ -13231,7 +14395,7 @@
         </p:nvSpPr>
         <p:spPr>
           <a:xfrm>
-            <a:off x="5307486" y="4863984"/>
+            <a:off x="3453232" y="3729034"/>
             <a:ext cx="1460532" cy="600164"/>
           </a:xfrm>
           <a:prstGeom prst="rect">
@@ -13306,7 +14470,7 @@
         </p:nvSpPr>
         <p:spPr>
           <a:xfrm>
-            <a:off x="4751114" y="4457115"/>
+            <a:off x="4966676" y="3896751"/>
             <a:ext cx="1243074" cy="430887"/>
           </a:xfrm>
           <a:prstGeom prst="rect">
@@ -14148,7 +15312,7 @@
         </p:nvSpPr>
         <p:spPr>
           <a:xfrm>
-            <a:off x="3454291" y="4517595"/>
+            <a:off x="4960856" y="4427976"/>
             <a:ext cx="1243074" cy="938719"/>
           </a:xfrm>
           <a:prstGeom prst="rect">
@@ -14248,7 +15412,7 @@
         </p:nvSpPr>
         <p:spPr>
           <a:xfrm>
-            <a:off x="212756" y="4261280"/>
+            <a:off x="115129" y="3761814"/>
             <a:ext cx="1243074" cy="430887"/>
           </a:xfrm>
           <a:prstGeom prst="rect">
@@ -14300,8 +15464,8 @@
         </p:nvSpPr>
         <p:spPr>
           <a:xfrm>
-            <a:off x="256026" y="4789914"/>
-            <a:ext cx="1046982" cy="600164"/>
+            <a:off x="1236735" y="4337580"/>
+            <a:ext cx="1016851" cy="600164"/>
           </a:xfrm>
           <a:prstGeom prst="rect">
             <a:avLst/>
@@ -15241,7 +16405,7 @@
               <a:p>
                 <a:r>
                   <a:rPr lang="sv-SE" sz="600" b="1" dirty="0" err="1"/>
-                  <a:t>Deception</a:t>
+                  <a:t>Authority</a:t>
                 </a:r>
                 <a:endParaRPr lang="sv-SE" sz="600" b="1" dirty="0"/>
               </a:p>
@@ -15903,7 +17067,7 @@
             </p:nvSpPr>
             <p:spPr>
               <a:xfrm>
-                <a:off x="1008026" y="1489617"/>
+                <a:off x="1008026" y="1489618"/>
                 <a:ext cx="1179665" cy="92333"/>
               </a:xfrm>
               <a:prstGeom prst="rect">
@@ -15921,10 +17085,9 @@
               <a:lstStyle/>
               <a:p>
                 <a:r>
-                  <a:rPr lang="sv-SE" sz="600" b="1" dirty="0" err="1"/>
-                  <a:t>Intimidation</a:t>
+                  <a:rPr lang="sv-SE" sz="600" b="1" dirty="0"/>
+                  <a:t>Intuition</a:t>
                 </a:r>
-                <a:endParaRPr lang="sv-SE" sz="600" b="1" dirty="0"/>
               </a:p>
             </p:txBody>
           </p:sp>
@@ -16602,10 +17765,9 @@
               <a:lstStyle/>
               <a:p>
                 <a:r>
-                  <a:rPr lang="sv-SE" sz="600" b="1" dirty="0" err="1"/>
-                  <a:t>Persuasion</a:t>
+                  <a:rPr lang="sv-SE" sz="600" b="1" dirty="0"/>
+                  <a:t>Suggestion</a:t>
                 </a:r>
-                <a:endParaRPr lang="sv-SE" sz="600" b="1" dirty="0"/>
               </a:p>
             </p:txBody>
           </p:sp>
@@ -20287,10 +21449,9 @@
               <a:lstStyle/>
               <a:p>
                 <a:r>
-                  <a:rPr lang="sv-SE" sz="600" b="1" dirty="0" err="1"/>
-                  <a:t>Sleight</a:t>
+                  <a:rPr lang="sv-SE" sz="600" b="1" dirty="0"/>
+                  <a:t>Handling</a:t>
                 </a:r>
-                <a:endParaRPr lang="sv-SE" sz="600" b="1" dirty="0"/>
               </a:p>
             </p:txBody>
           </p:sp>
@@ -21649,9 +22810,10 @@
               <a:lstStyle/>
               <a:p>
                 <a:r>
-                  <a:rPr lang="sv-SE" sz="600" b="1" dirty="0"/>
-                  <a:t>Handling</a:t>
+                  <a:rPr lang="sv-SE" sz="600" b="1" dirty="0" err="1"/>
+                  <a:t>Finesse</a:t>
                 </a:r>
+                <a:endParaRPr lang="sv-SE" sz="600" b="1" dirty="0"/>
               </a:p>
             </p:txBody>
           </p:sp>
@@ -25175,7 +26337,7 @@
             </p:nvSpPr>
             <p:spPr>
               <a:xfrm>
-                <a:off x="1008027" y="1489617"/>
+                <a:off x="1008027" y="1489618"/>
                 <a:ext cx="417780" cy="92333"/>
               </a:xfrm>
               <a:prstGeom prst="rect">
@@ -25193,10 +26355,9 @@
               <a:lstStyle/>
               <a:p>
                 <a:r>
-                  <a:rPr lang="sv-SE" sz="600" b="1" dirty="0" err="1"/>
-                  <a:t>Tolerance</a:t>
+                  <a:rPr lang="sv-SE" sz="600" b="1" dirty="0"/>
+                  <a:t>Guts</a:t>
                 </a:r>
-                <a:endParaRPr lang="sv-SE" sz="600" b="1" dirty="0"/>
               </a:p>
             </p:txBody>
           </p:sp>
@@ -25943,63 +27104,6 @@
           </p:sp>
         </p:grpSp>
       </p:grpSp>
-      <p:sp>
-        <p:nvSpPr>
-          <p:cNvPr id="516" name="Rektangel 515">
-            <a:extLst>
-              <a:ext uri="{FF2B5EF4-FFF2-40B4-BE49-F238E27FC236}">
-                <a16:creationId xmlns:a16="http://schemas.microsoft.com/office/drawing/2014/main" id="{8A6BAC9A-81E0-BB38-4385-F26929DF1026}"/>
-              </a:ext>
-            </a:extLst>
-          </p:cNvPr>
-          <p:cNvSpPr/>
-          <p:nvPr/>
-        </p:nvSpPr>
-        <p:spPr>
-          <a:xfrm>
-            <a:off x="3470823" y="2366586"/>
-            <a:ext cx="2160000" cy="236726"/>
-          </a:xfrm>
-          <a:prstGeom prst="rect">
-            <a:avLst/>
-          </a:prstGeom>
-          <a:solidFill>
-            <a:schemeClr val="bg1"/>
-          </a:solidFill>
-          <a:ln>
-            <a:solidFill>
-              <a:schemeClr val="tx1"/>
-            </a:solidFill>
-          </a:ln>
-        </p:spPr>
-        <p:style>
-          <a:lnRef idx="2">
-            <a:schemeClr val="accent1">
-              <a:shade val="50000"/>
-            </a:schemeClr>
-          </a:lnRef>
-          <a:fillRef idx="1">
-            <a:schemeClr val="accent1"/>
-          </a:fillRef>
-          <a:effectRef idx="0">
-            <a:schemeClr val="accent1"/>
-          </a:effectRef>
-          <a:fontRef idx="minor">
-            <a:schemeClr val="lt1"/>
-          </a:fontRef>
-        </p:style>
-        <p:txBody>
-          <a:bodyPr rtlCol="0" anchor="b"/>
-          <a:lstStyle/>
-          <a:p>
-            <a:endParaRPr lang="sv-SE" sz="1400" dirty="0">
-              <a:solidFill>
-                <a:sysClr val="windowText" lastClr="000000"/>
-              </a:solidFill>
-            </a:endParaRPr>
-          </a:p>
-        </p:txBody>
-      </p:sp>
       <p:grpSp>
         <p:nvGrpSpPr>
           <p:cNvPr id="636" name="Grupp 635">
@@ -26014,10 +27118,10 @@
         </p:nvGrpSpPr>
         <p:grpSpPr>
           <a:xfrm>
-            <a:off x="3503088" y="2394334"/>
-            <a:ext cx="2039889" cy="183852"/>
-            <a:chOff x="109287" y="2391213"/>
-            <a:chExt cx="2039889" cy="183852"/>
+            <a:off x="3503088" y="2396260"/>
+            <a:ext cx="877689" cy="180000"/>
+            <a:chOff x="109287" y="2393139"/>
+            <a:chExt cx="877689" cy="180000"/>
           </a:xfrm>
         </p:grpSpPr>
         <p:sp>
@@ -26118,12 +27222,33 @@
             </a:p>
           </p:txBody>
         </p:sp>
+      </p:grpSp>
+      <p:grpSp>
+        <p:nvGrpSpPr>
+          <p:cNvPr id="586" name="Grupp 585">
+            <a:extLst>
+              <a:ext uri="{FF2B5EF4-FFF2-40B4-BE49-F238E27FC236}">
+                <a16:creationId xmlns:a16="http://schemas.microsoft.com/office/drawing/2014/main" id="{2F1373E6-A65A-34A2-4752-FBEFDACD0DBB}"/>
+              </a:ext>
+            </a:extLst>
+          </p:cNvPr>
+          <p:cNvGrpSpPr/>
+          <p:nvPr/>
+        </p:nvGrpSpPr>
+        <p:grpSpPr>
+          <a:xfrm>
+            <a:off x="3014599" y="660317"/>
+            <a:ext cx="896082" cy="242760"/>
+            <a:chOff x="749744" y="2230614"/>
+            <a:chExt cx="896082" cy="242760"/>
+          </a:xfrm>
+        </p:grpSpPr>
         <p:grpSp>
           <p:nvGrpSpPr>
-            <p:cNvPr id="504" name="Grupp 503">
+            <p:cNvPr id="588" name="Grupp 587">
               <a:extLst>
                 <a:ext uri="{FF2B5EF4-FFF2-40B4-BE49-F238E27FC236}">
-                  <a16:creationId xmlns:a16="http://schemas.microsoft.com/office/drawing/2014/main" id="{4679C13C-1CEC-517F-72FA-A9220C734C37}"/>
+                  <a16:creationId xmlns:a16="http://schemas.microsoft.com/office/drawing/2014/main" id="{6ACA9868-AFDF-8696-079C-4C8E2B61AA3A}"/>
                 </a:ext>
               </a:extLst>
             </p:cNvPr>
@@ -26132,18 +27257,18 @@
           </p:nvGrpSpPr>
           <p:grpSpPr>
             <a:xfrm>
-              <a:off x="1585536" y="2391213"/>
-              <a:ext cx="270000" cy="183852"/>
-              <a:chOff x="4194450" y="2486027"/>
-              <a:chExt cx="270000" cy="183852"/>
+              <a:off x="749744" y="2383374"/>
+              <a:ext cx="896082" cy="90000"/>
+              <a:chOff x="749612" y="2402746"/>
+              <a:chExt cx="896082" cy="90000"/>
             </a:xfrm>
           </p:grpSpPr>
           <p:sp>
             <p:nvSpPr>
-              <p:cNvPr id="505" name="Åttahörning 504">
+              <p:cNvPr id="606" name="Rektangel: rundade hörn 605">
                 <a:extLst>
                   <a:ext uri="{FF2B5EF4-FFF2-40B4-BE49-F238E27FC236}">
-                    <a16:creationId xmlns:a16="http://schemas.microsoft.com/office/drawing/2014/main" id="{EE6AE0D7-88F8-68C4-1050-B303318D553C}"/>
+                    <a16:creationId xmlns:a16="http://schemas.microsoft.com/office/drawing/2014/main" id="{7E5F502D-1066-79B0-3133-1431E888B069}"/>
                   </a:ext>
                 </a:extLst>
               </p:cNvPr>
@@ -26152,10 +27277,10 @@
             </p:nvSpPr>
             <p:spPr>
               <a:xfrm>
-                <a:off x="4194450" y="2489879"/>
-                <a:ext cx="270000" cy="180000"/>
+                <a:off x="1555694" y="2402746"/>
+                <a:ext cx="90000" cy="90000"/>
               </a:xfrm>
-              <a:prstGeom prst="octagon">
+              <a:prstGeom prst="roundRect">
                 <a:avLst/>
               </a:prstGeom>
               <a:solidFill>
@@ -26187,509 +27312,17 @@
               <a:bodyPr rtlCol="0" anchor="ctr"/>
               <a:lstStyle/>
               <a:p>
-                <a:pPr algn="r"/>
-                <a:endParaRPr lang="sv-SE" sz="500" dirty="0">
-                  <a:solidFill>
-                    <a:schemeClr val="bg1">
-                      <a:lumMod val="50000"/>
-                    </a:schemeClr>
-                  </a:solidFill>
-                </a:endParaRPr>
+                <a:pPr algn="ctr"/>
+                <a:endParaRPr lang="sv-SE"/>
               </a:p>
             </p:txBody>
           </p:sp>
-          <p:sp>
-            <p:nvSpPr>
-              <p:cNvPr id="506" name="textruta 505">
+          <p:grpSp>
+            <p:nvGrpSpPr>
+              <p:cNvPr id="594" name="Grupp 593">
                 <a:extLst>
                   <a:ext uri="{FF2B5EF4-FFF2-40B4-BE49-F238E27FC236}">
-                    <a16:creationId xmlns:a16="http://schemas.microsoft.com/office/drawing/2014/main" id="{740156E4-D1C0-AB3F-6943-8622ED350A65}"/>
-                  </a:ext>
-                </a:extLst>
-              </p:cNvPr>
-              <p:cNvSpPr txBox="1"/>
-              <p:nvPr/>
-            </p:nvSpPr>
-            <p:spPr>
-              <a:xfrm>
-                <a:off x="4202377" y="2486027"/>
-                <a:ext cx="259095" cy="76944"/>
-              </a:xfrm>
-              <a:prstGeom prst="rect">
-                <a:avLst/>
-              </a:prstGeom>
-              <a:noFill/>
-              <a:ln>
-                <a:noFill/>
-              </a:ln>
-            </p:spPr>
-            <p:txBody>
-              <a:bodyPr wrap="square" lIns="0" tIns="0" rIns="0" bIns="0" rtlCol="0" anchor="ctr">
-                <a:spAutoFit/>
-              </a:bodyPr>
-              <a:lstStyle/>
-              <a:p>
-                <a:pPr algn="ctr"/>
-                <a:r>
-                  <a:rPr lang="sv-SE" sz="500" i="1" dirty="0" err="1">
-                    <a:solidFill>
-                      <a:schemeClr val="bg1">
-                        <a:lumMod val="50000"/>
-                      </a:schemeClr>
-                    </a:solidFill>
-                  </a:rPr>
-                  <a:t>Senses</a:t>
-                </a:r>
-                <a:endParaRPr lang="sv-SE" sz="500" i="1" dirty="0">
-                  <a:solidFill>
-                    <a:schemeClr val="bg1">
-                      <a:lumMod val="50000"/>
-                    </a:schemeClr>
-                  </a:solidFill>
-                </a:endParaRPr>
-              </a:p>
-            </p:txBody>
-          </p:sp>
-        </p:grpSp>
-        <p:grpSp>
-          <p:nvGrpSpPr>
-            <p:cNvPr id="507" name="Grupp 506">
-              <a:extLst>
-                <a:ext uri="{FF2B5EF4-FFF2-40B4-BE49-F238E27FC236}">
-                  <a16:creationId xmlns:a16="http://schemas.microsoft.com/office/drawing/2014/main" id="{7F13865B-E594-BAD5-AA0C-47E851A93751}"/>
-                </a:ext>
-              </a:extLst>
-            </p:cNvPr>
-            <p:cNvGrpSpPr/>
-            <p:nvPr/>
-          </p:nvGrpSpPr>
-          <p:grpSpPr>
-            <a:xfrm>
-              <a:off x="989953" y="2391213"/>
-              <a:ext cx="270000" cy="183852"/>
-              <a:chOff x="4194450" y="2486027"/>
-              <a:chExt cx="270000" cy="183852"/>
-            </a:xfrm>
-          </p:grpSpPr>
-          <p:sp>
-            <p:nvSpPr>
-              <p:cNvPr id="508" name="Åttahörning 507">
-                <a:extLst>
-                  <a:ext uri="{FF2B5EF4-FFF2-40B4-BE49-F238E27FC236}">
-                    <a16:creationId xmlns:a16="http://schemas.microsoft.com/office/drawing/2014/main" id="{AC85D91B-FC20-6FE0-E6B5-8E892F07BDCF}"/>
-                  </a:ext>
-                </a:extLst>
-              </p:cNvPr>
-              <p:cNvSpPr/>
-              <p:nvPr/>
-            </p:nvSpPr>
-            <p:spPr>
-              <a:xfrm>
-                <a:off x="4194450" y="2489879"/>
-                <a:ext cx="270000" cy="180000"/>
-              </a:xfrm>
-              <a:prstGeom prst="octagon">
-                <a:avLst/>
-              </a:prstGeom>
-              <a:solidFill>
-                <a:schemeClr val="bg1"/>
-              </a:solidFill>
-              <a:ln w="6350">
-                <a:solidFill>
-                  <a:schemeClr val="tx1"/>
-                </a:solidFill>
-              </a:ln>
-            </p:spPr>
-            <p:style>
-              <a:lnRef idx="2">
-                <a:schemeClr val="accent1">
-                  <a:shade val="50000"/>
-                </a:schemeClr>
-              </a:lnRef>
-              <a:fillRef idx="1">
-                <a:schemeClr val="accent1"/>
-              </a:fillRef>
-              <a:effectRef idx="0">
-                <a:schemeClr val="accent1"/>
-              </a:effectRef>
-              <a:fontRef idx="minor">
-                <a:schemeClr val="lt1"/>
-              </a:fontRef>
-            </p:style>
-            <p:txBody>
-              <a:bodyPr rtlCol="0" anchor="ctr"/>
-              <a:lstStyle/>
-              <a:p>
-                <a:pPr algn="r"/>
-                <a:endParaRPr lang="sv-SE" sz="500" dirty="0">
-                  <a:solidFill>
-                    <a:schemeClr val="bg1">
-                      <a:lumMod val="50000"/>
-                    </a:schemeClr>
-                  </a:solidFill>
-                </a:endParaRPr>
-              </a:p>
-            </p:txBody>
-          </p:sp>
-          <p:sp>
-            <p:nvSpPr>
-              <p:cNvPr id="509" name="textruta 508">
-                <a:extLst>
-                  <a:ext uri="{FF2B5EF4-FFF2-40B4-BE49-F238E27FC236}">
-                    <a16:creationId xmlns:a16="http://schemas.microsoft.com/office/drawing/2014/main" id="{BCCA1EA2-578F-73D8-7B68-45917857562A}"/>
-                  </a:ext>
-                </a:extLst>
-              </p:cNvPr>
-              <p:cNvSpPr txBox="1"/>
-              <p:nvPr/>
-            </p:nvSpPr>
-            <p:spPr>
-              <a:xfrm>
-                <a:off x="4202377" y="2486027"/>
-                <a:ext cx="259095" cy="76944"/>
-              </a:xfrm>
-              <a:prstGeom prst="rect">
-                <a:avLst/>
-              </a:prstGeom>
-              <a:noFill/>
-              <a:ln>
-                <a:noFill/>
-              </a:ln>
-            </p:spPr>
-            <p:txBody>
-              <a:bodyPr wrap="square" lIns="0" tIns="0" rIns="0" bIns="0" rtlCol="0" anchor="ctr">
-                <a:spAutoFit/>
-              </a:bodyPr>
-              <a:lstStyle/>
-              <a:p>
-                <a:pPr algn="ctr"/>
-                <a:r>
-                  <a:rPr lang="sv-SE" sz="500" i="1" dirty="0" err="1">
-                    <a:solidFill>
-                      <a:schemeClr val="bg1">
-                        <a:lumMod val="50000"/>
-                      </a:schemeClr>
-                    </a:solidFill>
-                  </a:rPr>
-                  <a:t>Base</a:t>
-                </a:r>
-                <a:endParaRPr lang="sv-SE" sz="500" i="1" dirty="0">
-                  <a:solidFill>
-                    <a:schemeClr val="bg1">
-                      <a:lumMod val="50000"/>
-                    </a:schemeClr>
-                  </a:solidFill>
-                </a:endParaRPr>
-              </a:p>
-            </p:txBody>
-          </p:sp>
-        </p:grpSp>
-        <p:grpSp>
-          <p:nvGrpSpPr>
-            <p:cNvPr id="510" name="Grupp 509">
-              <a:extLst>
-                <a:ext uri="{FF2B5EF4-FFF2-40B4-BE49-F238E27FC236}">
-                  <a16:creationId xmlns:a16="http://schemas.microsoft.com/office/drawing/2014/main" id="{FE25C593-C25F-5705-9229-20FC33928AC8}"/>
-                </a:ext>
-              </a:extLst>
-            </p:cNvPr>
-            <p:cNvGrpSpPr/>
-            <p:nvPr/>
-          </p:nvGrpSpPr>
-          <p:grpSpPr>
-            <a:xfrm>
-              <a:off x="1290966" y="2391213"/>
-              <a:ext cx="270000" cy="183852"/>
-              <a:chOff x="4194450" y="2486027"/>
-              <a:chExt cx="270000" cy="183852"/>
-            </a:xfrm>
-          </p:grpSpPr>
-          <p:sp>
-            <p:nvSpPr>
-              <p:cNvPr id="511" name="Åttahörning 510">
-                <a:extLst>
-                  <a:ext uri="{FF2B5EF4-FFF2-40B4-BE49-F238E27FC236}">
-                    <a16:creationId xmlns:a16="http://schemas.microsoft.com/office/drawing/2014/main" id="{EF16AC78-ECE1-57DB-C0FA-FA8AD0F3EEF2}"/>
-                  </a:ext>
-                </a:extLst>
-              </p:cNvPr>
-              <p:cNvSpPr/>
-              <p:nvPr/>
-            </p:nvSpPr>
-            <p:spPr>
-              <a:xfrm>
-                <a:off x="4194450" y="2489879"/>
-                <a:ext cx="270000" cy="180000"/>
-              </a:xfrm>
-              <a:prstGeom prst="octagon">
-                <a:avLst/>
-              </a:prstGeom>
-              <a:solidFill>
-                <a:schemeClr val="bg1"/>
-              </a:solidFill>
-              <a:ln w="6350">
-                <a:solidFill>
-                  <a:schemeClr val="tx1"/>
-                </a:solidFill>
-              </a:ln>
-            </p:spPr>
-            <p:style>
-              <a:lnRef idx="2">
-                <a:schemeClr val="accent1">
-                  <a:shade val="50000"/>
-                </a:schemeClr>
-              </a:lnRef>
-              <a:fillRef idx="1">
-                <a:schemeClr val="accent1"/>
-              </a:fillRef>
-              <a:effectRef idx="0">
-                <a:schemeClr val="accent1"/>
-              </a:effectRef>
-              <a:fontRef idx="minor">
-                <a:schemeClr val="lt1"/>
-              </a:fontRef>
-            </p:style>
-            <p:txBody>
-              <a:bodyPr rtlCol="0" anchor="ctr"/>
-              <a:lstStyle/>
-              <a:p>
-                <a:pPr algn="r"/>
-                <a:endParaRPr lang="sv-SE" sz="500" dirty="0">
-                  <a:solidFill>
-                    <a:schemeClr val="bg1">
-                      <a:lumMod val="50000"/>
-                    </a:schemeClr>
-                  </a:solidFill>
-                </a:endParaRPr>
-              </a:p>
-            </p:txBody>
-          </p:sp>
-          <p:sp>
-            <p:nvSpPr>
-              <p:cNvPr id="512" name="textruta 511">
-                <a:extLst>
-                  <a:ext uri="{FF2B5EF4-FFF2-40B4-BE49-F238E27FC236}">
-                    <a16:creationId xmlns:a16="http://schemas.microsoft.com/office/drawing/2014/main" id="{E7F21822-05BB-4FAB-334A-B7FBD7583624}"/>
-                  </a:ext>
-                </a:extLst>
-              </p:cNvPr>
-              <p:cNvSpPr txBox="1"/>
-              <p:nvPr/>
-            </p:nvSpPr>
-            <p:spPr>
-              <a:xfrm>
-                <a:off x="4202377" y="2486027"/>
-                <a:ext cx="259095" cy="76944"/>
-              </a:xfrm>
-              <a:prstGeom prst="rect">
-                <a:avLst/>
-              </a:prstGeom>
-              <a:noFill/>
-              <a:ln>
-                <a:noFill/>
-              </a:ln>
-            </p:spPr>
-            <p:txBody>
-              <a:bodyPr wrap="square" lIns="0" tIns="0" rIns="0" bIns="0" rtlCol="0" anchor="ctr">
-                <a:spAutoFit/>
-              </a:bodyPr>
-              <a:lstStyle/>
-              <a:p>
-                <a:pPr algn="ctr"/>
-                <a:r>
-                  <a:rPr lang="sv-SE" sz="500" i="1" dirty="0">
-                    <a:solidFill>
-                      <a:schemeClr val="bg1">
-                        <a:lumMod val="50000"/>
-                      </a:schemeClr>
-                    </a:solidFill>
-                  </a:rPr>
-                  <a:t>Intuition</a:t>
-                </a:r>
-              </a:p>
-            </p:txBody>
-          </p:sp>
-        </p:grpSp>
-        <p:grpSp>
-          <p:nvGrpSpPr>
-            <p:cNvPr id="513" name="Grupp 512">
-              <a:extLst>
-                <a:ext uri="{FF2B5EF4-FFF2-40B4-BE49-F238E27FC236}">
-                  <a16:creationId xmlns:a16="http://schemas.microsoft.com/office/drawing/2014/main" id="{A3D674A5-E999-D435-7001-0F52D366E659}"/>
-                </a:ext>
-              </a:extLst>
-            </p:cNvPr>
-            <p:cNvGrpSpPr/>
-            <p:nvPr/>
-          </p:nvGrpSpPr>
-          <p:grpSpPr>
-            <a:xfrm>
-              <a:off x="1879176" y="2391213"/>
-              <a:ext cx="270000" cy="183852"/>
-              <a:chOff x="4194450" y="2486027"/>
-              <a:chExt cx="270000" cy="183852"/>
-            </a:xfrm>
-          </p:grpSpPr>
-          <p:sp>
-            <p:nvSpPr>
-              <p:cNvPr id="514" name="Åttahörning 513">
-                <a:extLst>
-                  <a:ext uri="{FF2B5EF4-FFF2-40B4-BE49-F238E27FC236}">
-                    <a16:creationId xmlns:a16="http://schemas.microsoft.com/office/drawing/2014/main" id="{39C8AA3A-67FE-BD6D-767F-BFCC346D5AA6}"/>
-                  </a:ext>
-                </a:extLst>
-              </p:cNvPr>
-              <p:cNvSpPr/>
-              <p:nvPr/>
-            </p:nvSpPr>
-            <p:spPr>
-              <a:xfrm>
-                <a:off x="4194450" y="2489879"/>
-                <a:ext cx="270000" cy="180000"/>
-              </a:xfrm>
-              <a:prstGeom prst="octagon">
-                <a:avLst/>
-              </a:prstGeom>
-              <a:solidFill>
-                <a:schemeClr val="bg1"/>
-              </a:solidFill>
-              <a:ln w="6350">
-                <a:solidFill>
-                  <a:schemeClr val="tx1"/>
-                </a:solidFill>
-              </a:ln>
-            </p:spPr>
-            <p:style>
-              <a:lnRef idx="2">
-                <a:schemeClr val="accent1">
-                  <a:shade val="50000"/>
-                </a:schemeClr>
-              </a:lnRef>
-              <a:fillRef idx="1">
-                <a:schemeClr val="accent1"/>
-              </a:fillRef>
-              <a:effectRef idx="0">
-                <a:schemeClr val="accent1"/>
-              </a:effectRef>
-              <a:fontRef idx="minor">
-                <a:schemeClr val="lt1"/>
-              </a:fontRef>
-            </p:style>
-            <p:txBody>
-              <a:bodyPr rtlCol="0" anchor="ctr"/>
-              <a:lstStyle/>
-              <a:p>
-                <a:pPr algn="r"/>
-                <a:endParaRPr lang="sv-SE" sz="500" dirty="0">
-                  <a:solidFill>
-                    <a:schemeClr val="bg1">
-                      <a:lumMod val="50000"/>
-                    </a:schemeClr>
-                  </a:solidFill>
-                </a:endParaRPr>
-              </a:p>
-            </p:txBody>
-          </p:sp>
-          <p:sp>
-            <p:nvSpPr>
-              <p:cNvPr id="515" name="textruta 514">
-                <a:extLst>
-                  <a:ext uri="{FF2B5EF4-FFF2-40B4-BE49-F238E27FC236}">
-                    <a16:creationId xmlns:a16="http://schemas.microsoft.com/office/drawing/2014/main" id="{AE7AA08B-61FA-5017-3E2A-95AB0E127764}"/>
-                  </a:ext>
-                </a:extLst>
-              </p:cNvPr>
-              <p:cNvSpPr txBox="1"/>
-              <p:nvPr/>
-            </p:nvSpPr>
-            <p:spPr>
-              <a:xfrm>
-                <a:off x="4202377" y="2486027"/>
-                <a:ext cx="259095" cy="76944"/>
-              </a:xfrm>
-              <a:prstGeom prst="rect">
-                <a:avLst/>
-              </a:prstGeom>
-              <a:noFill/>
-              <a:ln>
-                <a:noFill/>
-              </a:ln>
-            </p:spPr>
-            <p:txBody>
-              <a:bodyPr wrap="square" lIns="0" tIns="0" rIns="0" bIns="0" rtlCol="0" anchor="ctr">
-                <a:spAutoFit/>
-              </a:bodyPr>
-              <a:lstStyle/>
-              <a:p>
-                <a:pPr algn="ctr"/>
-                <a:r>
-                  <a:rPr lang="sv-SE" sz="500" i="1" dirty="0" err="1">
-                    <a:solidFill>
-                      <a:schemeClr val="bg1">
-                        <a:lumMod val="50000"/>
-                      </a:schemeClr>
-                    </a:solidFill>
-                  </a:rPr>
-                  <a:t>Other</a:t>
-                </a:r>
-                <a:endParaRPr lang="sv-SE" sz="500" i="1" dirty="0">
-                  <a:solidFill>
-                    <a:schemeClr val="bg1">
-                      <a:lumMod val="50000"/>
-                    </a:schemeClr>
-                  </a:solidFill>
-                </a:endParaRPr>
-              </a:p>
-            </p:txBody>
-          </p:sp>
-        </p:grpSp>
-      </p:grpSp>
-      <p:grpSp>
-        <p:nvGrpSpPr>
-          <p:cNvPr id="609" name="Grupp 608">
-            <a:extLst>
-              <a:ext uri="{FF2B5EF4-FFF2-40B4-BE49-F238E27FC236}">
-                <a16:creationId xmlns:a16="http://schemas.microsoft.com/office/drawing/2014/main" id="{FBFB6975-5B6F-8AB1-032F-25AF66A4ACAC}"/>
-              </a:ext>
-            </a:extLst>
-          </p:cNvPr>
-          <p:cNvGrpSpPr/>
-          <p:nvPr/>
-        </p:nvGrpSpPr>
-        <p:grpSpPr>
-          <a:xfrm>
-            <a:off x="929009" y="1851782"/>
-            <a:ext cx="1624032" cy="468780"/>
-            <a:chOff x="691437" y="2365045"/>
-            <a:chExt cx="1624032" cy="468780"/>
-          </a:xfrm>
-        </p:grpSpPr>
-        <p:grpSp>
-          <p:nvGrpSpPr>
-            <p:cNvPr id="583" name="Grupp 582">
-              <a:extLst>
-                <a:ext uri="{FF2B5EF4-FFF2-40B4-BE49-F238E27FC236}">
-                  <a16:creationId xmlns:a16="http://schemas.microsoft.com/office/drawing/2014/main" id="{02AC7A49-00D7-68B4-D4DA-0A2FF657BBFF}"/>
-                </a:ext>
-              </a:extLst>
-            </p:cNvPr>
-            <p:cNvGrpSpPr/>
-            <p:nvPr/>
-          </p:nvGrpSpPr>
-          <p:grpSpPr>
-            <a:xfrm>
-              <a:off x="1035347" y="2365045"/>
-              <a:ext cx="1280122" cy="468780"/>
-              <a:chOff x="1037790" y="2091321"/>
-              <a:chExt cx="1280122" cy="468780"/>
-            </a:xfrm>
-          </p:grpSpPr>
-          <p:grpSp>
-            <p:nvGrpSpPr>
-              <p:cNvPr id="586" name="Grupp 585">
-                <a:extLst>
-                  <a:ext uri="{FF2B5EF4-FFF2-40B4-BE49-F238E27FC236}">
-                    <a16:creationId xmlns:a16="http://schemas.microsoft.com/office/drawing/2014/main" id="{2F1373E6-A65A-34A2-4752-FBEFDACD0DBB}"/>
+                    <a16:creationId xmlns:a16="http://schemas.microsoft.com/office/drawing/2014/main" id="{2D7BD3BA-33AE-298E-9ECC-8016F93DEA00}"/>
                   </a:ext>
                 </a:extLst>
               </p:cNvPr>
@@ -26698,908 +27331,506 @@
             </p:nvGrpSpPr>
             <p:grpSpPr>
               <a:xfrm>
-                <a:off x="1037790" y="2091321"/>
-                <a:ext cx="1280122" cy="468780"/>
-                <a:chOff x="749744" y="2230614"/>
-                <a:chExt cx="1280122" cy="468780"/>
+                <a:off x="749612" y="2402746"/>
+                <a:ext cx="806933" cy="90000"/>
+                <a:chOff x="1098671" y="1496075"/>
+                <a:chExt cx="806933" cy="90000"/>
               </a:xfrm>
             </p:grpSpPr>
-            <p:grpSp>
-              <p:nvGrpSpPr>
-                <p:cNvPr id="588" name="Grupp 587">
+            <p:sp>
+              <p:nvSpPr>
+                <p:cNvPr id="595" name="Rektangel: rundade hörn 594">
                   <a:extLst>
                     <a:ext uri="{FF2B5EF4-FFF2-40B4-BE49-F238E27FC236}">
-                      <a16:creationId xmlns:a16="http://schemas.microsoft.com/office/drawing/2014/main" id="{6ACA9868-AFDF-8696-079C-4C8E2B61AA3A}"/>
+                      <a16:creationId xmlns:a16="http://schemas.microsoft.com/office/drawing/2014/main" id="{23DE06B3-6124-2688-8C0C-316EE54A1606}"/>
                     </a:ext>
                   </a:extLst>
                 </p:cNvPr>
-                <p:cNvGrpSpPr/>
-                <p:nvPr/>
-              </p:nvGrpSpPr>
-              <p:grpSpPr>
-                <a:xfrm>
-                  <a:off x="749744" y="2337107"/>
-                  <a:ext cx="1280122" cy="362287"/>
-                  <a:chOff x="749612" y="2356479"/>
-                  <a:chExt cx="1280122" cy="362287"/>
-                </a:xfrm>
-              </p:grpSpPr>
-              <p:grpSp>
-                <p:nvGrpSpPr>
-                  <p:cNvPr id="590" name="Grupp 589">
-                    <a:extLst>
-                      <a:ext uri="{FF2B5EF4-FFF2-40B4-BE49-F238E27FC236}">
-                        <a16:creationId xmlns:a16="http://schemas.microsoft.com/office/drawing/2014/main" id="{019A5BD0-B329-AED2-F3AA-6D61CBF582BD}"/>
-                      </a:ext>
-                    </a:extLst>
-                  </p:cNvPr>
-                  <p:cNvGrpSpPr/>
-                  <p:nvPr/>
-                </p:nvGrpSpPr>
-                <p:grpSpPr>
-                  <a:xfrm>
-                    <a:off x="1064426" y="2402746"/>
-                    <a:ext cx="581268" cy="313687"/>
-                    <a:chOff x="1548411" y="1520484"/>
-                    <a:chExt cx="581268" cy="313687"/>
-                  </a:xfrm>
-                </p:grpSpPr>
-                <p:sp>
-                  <p:nvSpPr>
-                    <p:cNvPr id="605" name="Åttahörning 604">
-                      <a:extLst>
-                        <a:ext uri="{FF2B5EF4-FFF2-40B4-BE49-F238E27FC236}">
-                          <a16:creationId xmlns:a16="http://schemas.microsoft.com/office/drawing/2014/main" id="{916F3321-82DD-7028-A4E9-FEB6F8CDB0AB}"/>
-                        </a:ext>
-                      </a:extLst>
-                    </p:cNvPr>
-                    <p:cNvSpPr/>
-                    <p:nvPr/>
-                  </p:nvSpPr>
-                  <p:spPr>
-                    <a:xfrm>
-                      <a:off x="1548411" y="1654171"/>
-                      <a:ext cx="270000" cy="180000"/>
-                    </a:xfrm>
-                    <a:prstGeom prst="octagon">
-                      <a:avLst/>
-                    </a:prstGeom>
-                    <a:solidFill>
-                      <a:schemeClr val="bg1"/>
-                    </a:solidFill>
-                    <a:ln w="6350">
-                      <a:solidFill>
-                        <a:schemeClr val="tx1"/>
-                      </a:solidFill>
-                    </a:ln>
-                  </p:spPr>
-                  <p:style>
-                    <a:lnRef idx="2">
-                      <a:schemeClr val="accent1">
-                        <a:shade val="50000"/>
-                      </a:schemeClr>
-                    </a:lnRef>
-                    <a:fillRef idx="1">
-                      <a:schemeClr val="accent1"/>
-                    </a:fillRef>
-                    <a:effectRef idx="0">
-                      <a:schemeClr val="accent1"/>
-                    </a:effectRef>
-                    <a:fontRef idx="minor">
-                      <a:schemeClr val="lt1"/>
-                    </a:fontRef>
-                  </p:style>
-                  <p:txBody>
-                    <a:bodyPr rtlCol="0" anchor="ctr"/>
-                    <a:lstStyle/>
-                    <a:p>
-                      <a:pPr algn="r"/>
-                      <a:endParaRPr lang="sv-SE" sz="500" dirty="0">
-                        <a:solidFill>
-                          <a:schemeClr val="bg1">
-                            <a:lumMod val="50000"/>
-                          </a:schemeClr>
-                        </a:solidFill>
-                      </a:endParaRPr>
-                    </a:p>
-                  </p:txBody>
-                </p:sp>
-                <p:sp>
-                  <p:nvSpPr>
-                    <p:cNvPr id="606" name="Rektangel: rundade hörn 605">
-                      <a:extLst>
-                        <a:ext uri="{FF2B5EF4-FFF2-40B4-BE49-F238E27FC236}">
-                          <a16:creationId xmlns:a16="http://schemas.microsoft.com/office/drawing/2014/main" id="{7E5F502D-1066-79B0-3133-1431E888B069}"/>
-                        </a:ext>
-                      </a:extLst>
-                    </p:cNvPr>
-                    <p:cNvSpPr/>
-                    <p:nvPr/>
-                  </p:nvSpPr>
-                  <p:spPr>
-                    <a:xfrm>
-                      <a:off x="2039679" y="1520484"/>
-                      <a:ext cx="90000" cy="90000"/>
-                    </a:xfrm>
-                    <a:prstGeom prst="roundRect">
-                      <a:avLst/>
-                    </a:prstGeom>
-                    <a:solidFill>
-                      <a:schemeClr val="bg1"/>
-                    </a:solidFill>
-                    <a:ln w="6350">
-                      <a:solidFill>
-                        <a:schemeClr val="tx1"/>
-                      </a:solidFill>
-                    </a:ln>
-                  </p:spPr>
-                  <p:style>
-                    <a:lnRef idx="2">
-                      <a:schemeClr val="accent1">
-                        <a:shade val="50000"/>
-                      </a:schemeClr>
-                    </a:lnRef>
-                    <a:fillRef idx="1">
-                      <a:schemeClr val="accent1"/>
-                    </a:fillRef>
-                    <a:effectRef idx="0">
-                      <a:schemeClr val="accent1"/>
-                    </a:effectRef>
-                    <a:fontRef idx="minor">
-                      <a:schemeClr val="lt1"/>
-                    </a:fontRef>
-                  </p:style>
-                  <p:txBody>
-                    <a:bodyPr rtlCol="0" anchor="ctr"/>
-                    <a:lstStyle/>
-                    <a:p>
-                      <a:pPr algn="ctr"/>
-                      <a:endParaRPr lang="sv-SE"/>
-                    </a:p>
-                  </p:txBody>
-                </p:sp>
-              </p:grpSp>
-              <p:grpSp>
-                <p:nvGrpSpPr>
-                  <p:cNvPr id="591" name="Grupp 590">
-                    <a:extLst>
-                      <a:ext uri="{FF2B5EF4-FFF2-40B4-BE49-F238E27FC236}">
-                        <a16:creationId xmlns:a16="http://schemas.microsoft.com/office/drawing/2014/main" id="{74FD3B1F-BBFA-4077-8905-8EAC89881268}"/>
-                      </a:ext>
-                    </a:extLst>
-                  </p:cNvPr>
-                  <p:cNvGrpSpPr/>
-                  <p:nvPr/>
-                </p:nvGrpSpPr>
-                <p:grpSpPr>
-                  <a:xfrm>
-                    <a:off x="749612" y="2356479"/>
-                    <a:ext cx="1280122" cy="362287"/>
-                    <a:chOff x="1233597" y="1631479"/>
-                    <a:chExt cx="1280122" cy="362287"/>
-                  </a:xfrm>
-                </p:grpSpPr>
-                <p:sp>
-                  <p:nvSpPr>
-                    <p:cNvPr id="592" name="textruta 591">
-                      <a:extLst>
-                        <a:ext uri="{FF2B5EF4-FFF2-40B4-BE49-F238E27FC236}">
-                          <a16:creationId xmlns:a16="http://schemas.microsoft.com/office/drawing/2014/main" id="{09D92176-2F0A-12D1-A5A9-30FBE49D433B}"/>
-                        </a:ext>
-                      </a:extLst>
-                    </p:cNvPr>
-                    <p:cNvSpPr txBox="1"/>
-                    <p:nvPr/>
-                  </p:nvSpPr>
-                  <p:spPr>
-                    <a:xfrm>
-                      <a:off x="1967803" y="1809100"/>
-                      <a:ext cx="545916" cy="184666"/>
-                    </a:xfrm>
-                    <a:prstGeom prst="rect">
-                      <a:avLst/>
-                    </a:prstGeom>
-                    <a:noFill/>
-                    <a:ln>
-                      <a:noFill/>
-                    </a:ln>
-                  </p:spPr>
-                  <p:txBody>
-                    <a:bodyPr wrap="square" lIns="0" tIns="0" rIns="0" bIns="0" rtlCol="0" anchor="ctr">
-                      <a:spAutoFit/>
-                    </a:bodyPr>
-                    <a:lstStyle/>
-                    <a:p>
-                      <a:pPr algn="ctr"/>
-                      <a:r>
-                        <a:rPr lang="sv-SE" sz="600" b="1" dirty="0" err="1"/>
-                        <a:t>Ranged</a:t>
-                      </a:r>
-                      <a:r>
-                        <a:rPr lang="sv-SE" sz="600" b="1" dirty="0"/>
-                        <a:t>/</a:t>
-                      </a:r>
-                      <a:r>
-                        <a:rPr lang="sv-SE" sz="600" b="1" dirty="0" err="1"/>
-                        <a:t>Finesse</a:t>
-                      </a:r>
-                      <a:r>
-                        <a:rPr lang="sv-SE" sz="600" b="1" dirty="0"/>
-                        <a:t>?</a:t>
-                      </a:r>
-                      <a:br>
-                        <a:rPr lang="sv-SE" sz="600" b="1" dirty="0"/>
-                      </a:br>
-                      <a:r>
-                        <a:rPr lang="sv-SE" sz="600" b="1" dirty="0" err="1"/>
-                        <a:t>Martial</a:t>
-                      </a:r>
-                      <a:endParaRPr lang="sv-SE" sz="600" b="1" dirty="0"/>
-                    </a:p>
-                  </p:txBody>
-                </p:sp>
-                <p:sp>
-                  <p:nvSpPr>
-                    <p:cNvPr id="593" name="Åttahörning 592">
-                      <a:extLst>
-                        <a:ext uri="{FF2B5EF4-FFF2-40B4-BE49-F238E27FC236}">
-                          <a16:creationId xmlns:a16="http://schemas.microsoft.com/office/drawing/2014/main" id="{8AE476DB-F47B-EAE4-2BE1-AEACC17F5DC3}"/>
-                        </a:ext>
-                      </a:extLst>
-                    </p:cNvPr>
-                    <p:cNvSpPr/>
-                    <p:nvPr/>
-                  </p:nvSpPr>
-                  <p:spPr>
-                    <a:xfrm>
-                      <a:off x="2150761" y="1631479"/>
-                      <a:ext cx="180000" cy="180000"/>
-                    </a:xfrm>
-                    <a:prstGeom prst="octagon">
-                      <a:avLst/>
-                    </a:prstGeom>
-                    <a:solidFill>
-                      <a:schemeClr val="bg1"/>
-                    </a:solidFill>
-                    <a:ln w="6350">
-                      <a:solidFill>
-                        <a:schemeClr val="tx1"/>
-                      </a:solidFill>
-                    </a:ln>
-                  </p:spPr>
-                  <p:style>
-                    <a:lnRef idx="2">
-                      <a:schemeClr val="accent1">
-                        <a:shade val="50000"/>
-                      </a:schemeClr>
-                    </a:lnRef>
-                    <a:fillRef idx="1">
-                      <a:schemeClr val="accent1"/>
-                    </a:fillRef>
-                    <a:effectRef idx="0">
-                      <a:schemeClr val="accent1"/>
-                    </a:effectRef>
-                    <a:fontRef idx="minor">
-                      <a:schemeClr val="lt1"/>
-                    </a:fontRef>
-                  </p:style>
-                  <p:txBody>
-                    <a:bodyPr rtlCol="0" anchor="ctr"/>
-                    <a:lstStyle/>
-                    <a:p>
-                      <a:pPr algn="r"/>
-                      <a:endParaRPr lang="sv-SE" sz="500" dirty="0">
-                        <a:solidFill>
-                          <a:schemeClr val="bg1">
-                            <a:lumMod val="50000"/>
-                          </a:schemeClr>
-                        </a:solidFill>
-                      </a:endParaRPr>
-                    </a:p>
-                  </p:txBody>
-                </p:sp>
-                <p:grpSp>
-                  <p:nvGrpSpPr>
-                    <p:cNvPr id="594" name="Grupp 593">
-                      <a:extLst>
-                        <a:ext uri="{FF2B5EF4-FFF2-40B4-BE49-F238E27FC236}">
-                          <a16:creationId xmlns:a16="http://schemas.microsoft.com/office/drawing/2014/main" id="{2D7BD3BA-33AE-298E-9ECC-8016F93DEA00}"/>
-                        </a:ext>
-                      </a:extLst>
-                    </p:cNvPr>
-                    <p:cNvGrpSpPr/>
-                    <p:nvPr/>
-                  </p:nvGrpSpPr>
-                  <p:grpSpPr>
-                    <a:xfrm>
-                      <a:off x="1233597" y="1677746"/>
-                      <a:ext cx="806933" cy="90000"/>
-                      <a:chOff x="1098671" y="1496075"/>
-                      <a:chExt cx="806933" cy="90000"/>
-                    </a:xfrm>
-                  </p:grpSpPr>
-                  <p:sp>
-                    <p:nvSpPr>
-                      <p:cNvPr id="595" name="Rektangel: rundade hörn 594">
-                        <a:extLst>
-                          <a:ext uri="{FF2B5EF4-FFF2-40B4-BE49-F238E27FC236}">
-                            <a16:creationId xmlns:a16="http://schemas.microsoft.com/office/drawing/2014/main" id="{23DE06B3-6124-2688-8C0C-316EE54A1606}"/>
-                          </a:ext>
-                        </a:extLst>
-                      </p:cNvPr>
-                      <p:cNvSpPr/>
-                      <p:nvPr/>
-                    </p:nvSpPr>
-                    <p:spPr>
-                      <a:xfrm>
-                        <a:off x="1367213" y="1496075"/>
-                        <a:ext cx="90000" cy="90000"/>
-                      </a:xfrm>
-                      <a:prstGeom prst="roundRect">
-                        <a:avLst/>
-                      </a:prstGeom>
-                      <a:solidFill>
-                        <a:schemeClr val="bg1"/>
-                      </a:solidFill>
-                      <a:ln w="6350">
-                        <a:solidFill>
-                          <a:schemeClr val="tx1"/>
-                        </a:solidFill>
-                      </a:ln>
-                    </p:spPr>
-                    <p:style>
-                      <a:lnRef idx="2">
-                        <a:schemeClr val="accent1">
-                          <a:shade val="50000"/>
-                        </a:schemeClr>
-                      </a:lnRef>
-                      <a:fillRef idx="1">
-                        <a:schemeClr val="accent1"/>
-                      </a:fillRef>
-                      <a:effectRef idx="0">
-                        <a:schemeClr val="accent1"/>
-                      </a:effectRef>
-                      <a:fontRef idx="minor">
-                        <a:schemeClr val="lt1"/>
-                      </a:fontRef>
-                    </p:style>
-                    <p:txBody>
-                      <a:bodyPr rtlCol="0" anchor="ctr"/>
-                      <a:lstStyle/>
-                      <a:p>
-                        <a:pPr algn="ctr"/>
-                        <a:endParaRPr lang="sv-SE"/>
-                      </a:p>
-                    </p:txBody>
-                  </p:sp>
-                  <p:sp>
-                    <p:nvSpPr>
-                      <p:cNvPr id="596" name="Rektangel: rundade hörn 595">
-                        <a:extLst>
-                          <a:ext uri="{FF2B5EF4-FFF2-40B4-BE49-F238E27FC236}">
-                            <a16:creationId xmlns:a16="http://schemas.microsoft.com/office/drawing/2014/main" id="{7FB354CB-0543-D20A-F51A-E675422A121E}"/>
-                          </a:ext>
-                        </a:extLst>
-                      </p:cNvPr>
-                      <p:cNvSpPr/>
-                      <p:nvPr/>
-                    </p:nvSpPr>
-                    <p:spPr>
-                      <a:xfrm>
-                        <a:off x="1457213" y="1496075"/>
-                        <a:ext cx="90000" cy="90000"/>
-                      </a:xfrm>
-                      <a:prstGeom prst="roundRect">
-                        <a:avLst/>
-                      </a:prstGeom>
-                      <a:solidFill>
-                        <a:schemeClr val="bg1"/>
-                      </a:solidFill>
-                      <a:ln w="6350">
-                        <a:solidFill>
-                          <a:schemeClr val="tx1"/>
-                        </a:solidFill>
-                      </a:ln>
-                    </p:spPr>
-                    <p:style>
-                      <a:lnRef idx="2">
-                        <a:schemeClr val="accent1">
-                          <a:shade val="50000"/>
-                        </a:schemeClr>
-                      </a:lnRef>
-                      <a:fillRef idx="1">
-                        <a:schemeClr val="accent1"/>
-                      </a:fillRef>
-                      <a:effectRef idx="0">
-                        <a:schemeClr val="accent1"/>
-                      </a:effectRef>
-                      <a:fontRef idx="minor">
-                        <a:schemeClr val="lt1"/>
-                      </a:fontRef>
-                    </p:style>
-                    <p:txBody>
-                      <a:bodyPr rtlCol="0" anchor="ctr"/>
-                      <a:lstStyle/>
-                      <a:p>
-                        <a:pPr algn="ctr"/>
-                        <a:endParaRPr lang="sv-SE"/>
-                      </a:p>
-                    </p:txBody>
-                  </p:sp>
-                  <p:sp>
-                    <p:nvSpPr>
-                      <p:cNvPr id="597" name="Rektangel: rundade hörn 596">
-                        <a:extLst>
-                          <a:ext uri="{FF2B5EF4-FFF2-40B4-BE49-F238E27FC236}">
-                            <a16:creationId xmlns:a16="http://schemas.microsoft.com/office/drawing/2014/main" id="{E9AAB667-15ED-F3DA-337F-1C74A11D9999}"/>
-                          </a:ext>
-                        </a:extLst>
-                      </p:cNvPr>
-                      <p:cNvSpPr/>
-                      <p:nvPr/>
-                    </p:nvSpPr>
-                    <p:spPr>
-                      <a:xfrm>
-                        <a:off x="1098671" y="1496075"/>
-                        <a:ext cx="90000" cy="90000"/>
-                      </a:xfrm>
-                      <a:prstGeom prst="roundRect">
-                        <a:avLst/>
-                      </a:prstGeom>
-                      <a:solidFill>
-                        <a:schemeClr val="bg1"/>
-                      </a:solidFill>
-                      <a:ln w="6350">
-                        <a:solidFill>
-                          <a:schemeClr val="tx1"/>
-                        </a:solidFill>
-                      </a:ln>
-                    </p:spPr>
-                    <p:style>
-                      <a:lnRef idx="2">
-                        <a:schemeClr val="accent1">
-                          <a:shade val="50000"/>
-                        </a:schemeClr>
-                      </a:lnRef>
-                      <a:fillRef idx="1">
-                        <a:schemeClr val="accent1"/>
-                      </a:fillRef>
-                      <a:effectRef idx="0">
-                        <a:schemeClr val="accent1"/>
-                      </a:effectRef>
-                      <a:fontRef idx="minor">
-                        <a:schemeClr val="lt1"/>
-                      </a:fontRef>
-                    </p:style>
-                    <p:txBody>
-                      <a:bodyPr rtlCol="0" anchor="ctr"/>
-                      <a:lstStyle/>
-                      <a:p>
-                        <a:pPr algn="ctr"/>
-                        <a:endParaRPr lang="sv-SE"/>
-                      </a:p>
-                    </p:txBody>
-                  </p:sp>
-                  <p:sp>
-                    <p:nvSpPr>
-                      <p:cNvPr id="598" name="Rektangel: rundade hörn 597">
-                        <a:extLst>
-                          <a:ext uri="{FF2B5EF4-FFF2-40B4-BE49-F238E27FC236}">
-                            <a16:creationId xmlns:a16="http://schemas.microsoft.com/office/drawing/2014/main" id="{8FEEFF97-6948-B47F-9FD9-33D29D787077}"/>
-                          </a:ext>
-                        </a:extLst>
-                      </p:cNvPr>
-                      <p:cNvSpPr/>
-                      <p:nvPr/>
-                    </p:nvSpPr>
-                    <p:spPr>
-                      <a:xfrm>
-                        <a:off x="1187942" y="1496075"/>
-                        <a:ext cx="90000" cy="90000"/>
-                      </a:xfrm>
-                      <a:prstGeom prst="roundRect">
-                        <a:avLst/>
-                      </a:prstGeom>
-                      <a:solidFill>
-                        <a:schemeClr val="bg1"/>
-                      </a:solidFill>
-                      <a:ln w="6350">
-                        <a:solidFill>
-                          <a:schemeClr val="tx1"/>
-                        </a:solidFill>
-                      </a:ln>
-                    </p:spPr>
-                    <p:style>
-                      <a:lnRef idx="2">
-                        <a:schemeClr val="accent1">
-                          <a:shade val="50000"/>
-                        </a:schemeClr>
-                      </a:lnRef>
-                      <a:fillRef idx="1">
-                        <a:schemeClr val="accent1"/>
-                      </a:fillRef>
-                      <a:effectRef idx="0">
-                        <a:schemeClr val="accent1"/>
-                      </a:effectRef>
-                      <a:fontRef idx="minor">
-                        <a:schemeClr val="lt1"/>
-                      </a:fontRef>
-                    </p:style>
-                    <p:txBody>
-                      <a:bodyPr rtlCol="0" anchor="ctr"/>
-                      <a:lstStyle/>
-                      <a:p>
-                        <a:pPr algn="ctr"/>
-                        <a:endParaRPr lang="sv-SE"/>
-                      </a:p>
-                    </p:txBody>
-                  </p:sp>
-                  <p:sp>
-                    <p:nvSpPr>
-                      <p:cNvPr id="599" name="Rektangel: rundade hörn 598">
-                        <a:extLst>
-                          <a:ext uri="{FF2B5EF4-FFF2-40B4-BE49-F238E27FC236}">
-                            <a16:creationId xmlns:a16="http://schemas.microsoft.com/office/drawing/2014/main" id="{E351BEB6-4223-43EB-DBF9-7BBDE87EFB9C}"/>
-                          </a:ext>
-                        </a:extLst>
-                      </p:cNvPr>
-                      <p:cNvSpPr/>
-                      <p:nvPr/>
-                    </p:nvSpPr>
-                    <p:spPr>
-                      <a:xfrm>
-                        <a:off x="1277213" y="1496075"/>
-                        <a:ext cx="90000" cy="90000"/>
-                      </a:xfrm>
-                      <a:prstGeom prst="roundRect">
-                        <a:avLst/>
-                      </a:prstGeom>
-                      <a:solidFill>
-                        <a:schemeClr val="bg1"/>
-                      </a:solidFill>
-                      <a:ln w="6350">
-                        <a:solidFill>
-                          <a:schemeClr val="tx1"/>
-                        </a:solidFill>
-                      </a:ln>
-                    </p:spPr>
-                    <p:style>
-                      <a:lnRef idx="2">
-                        <a:schemeClr val="accent1">
-                          <a:shade val="50000"/>
-                        </a:schemeClr>
-                      </a:lnRef>
-                      <a:fillRef idx="1">
-                        <a:schemeClr val="accent1"/>
-                      </a:fillRef>
-                      <a:effectRef idx="0">
-                        <a:schemeClr val="accent1"/>
-                      </a:effectRef>
-                      <a:fontRef idx="minor">
-                        <a:schemeClr val="lt1"/>
-                      </a:fontRef>
-                    </p:style>
-                    <p:txBody>
-                      <a:bodyPr rtlCol="0" anchor="ctr"/>
-                      <a:lstStyle/>
-                      <a:p>
-                        <a:pPr algn="ctr"/>
-                        <a:endParaRPr lang="sv-SE"/>
-                      </a:p>
-                    </p:txBody>
-                  </p:sp>
-                  <p:sp>
-                    <p:nvSpPr>
-                      <p:cNvPr id="600" name="Rektangel: rundade hörn 599">
-                        <a:extLst>
-                          <a:ext uri="{FF2B5EF4-FFF2-40B4-BE49-F238E27FC236}">
-                            <a16:creationId xmlns:a16="http://schemas.microsoft.com/office/drawing/2014/main" id="{AC4F76F4-BEA5-B220-0301-920EFA74D472}"/>
-                          </a:ext>
-                        </a:extLst>
-                      </p:cNvPr>
-                      <p:cNvSpPr/>
-                      <p:nvPr/>
-                    </p:nvSpPr>
-                    <p:spPr>
-                      <a:xfrm>
-                        <a:off x="1815604" y="1496075"/>
-                        <a:ext cx="90000" cy="90000"/>
-                      </a:xfrm>
-                      <a:prstGeom prst="roundRect">
-                        <a:avLst/>
-                      </a:prstGeom>
-                      <a:solidFill>
-                        <a:schemeClr val="bg1"/>
-                      </a:solidFill>
-                      <a:ln w="6350">
-                        <a:solidFill>
-                          <a:schemeClr val="tx1"/>
-                        </a:solidFill>
-                      </a:ln>
-                    </p:spPr>
-                    <p:style>
-                      <a:lnRef idx="2">
-                        <a:schemeClr val="accent1">
-                          <a:shade val="50000"/>
-                        </a:schemeClr>
-                      </a:lnRef>
-                      <a:fillRef idx="1">
-                        <a:schemeClr val="accent1"/>
-                      </a:fillRef>
-                      <a:effectRef idx="0">
-                        <a:schemeClr val="accent1"/>
-                      </a:effectRef>
-                      <a:fontRef idx="minor">
-                        <a:schemeClr val="lt1"/>
-                      </a:fontRef>
-                    </p:style>
-                    <p:txBody>
-                      <a:bodyPr rtlCol="0" anchor="ctr"/>
-                      <a:lstStyle/>
-                      <a:p>
-                        <a:pPr algn="ctr"/>
-                        <a:endParaRPr lang="sv-SE"/>
-                      </a:p>
-                    </p:txBody>
-                  </p:sp>
-                  <p:sp>
-                    <p:nvSpPr>
-                      <p:cNvPr id="601" name="Rektangel: rundade hörn 600">
-                        <a:extLst>
-                          <a:ext uri="{FF2B5EF4-FFF2-40B4-BE49-F238E27FC236}">
-                            <a16:creationId xmlns:a16="http://schemas.microsoft.com/office/drawing/2014/main" id="{76CCEEE1-547A-9245-B477-9DF70AA460CC}"/>
-                          </a:ext>
-                        </a:extLst>
-                      </p:cNvPr>
-                      <p:cNvSpPr/>
-                      <p:nvPr/>
-                    </p:nvSpPr>
-                    <p:spPr>
-                      <a:xfrm>
-                        <a:off x="1547047" y="1496075"/>
-                        <a:ext cx="90000" cy="90000"/>
-                      </a:xfrm>
-                      <a:prstGeom prst="roundRect">
-                        <a:avLst/>
-                      </a:prstGeom>
-                      <a:solidFill>
-                        <a:schemeClr val="bg1"/>
-                      </a:solidFill>
-                      <a:ln w="6350">
-                        <a:solidFill>
-                          <a:schemeClr val="tx1"/>
-                        </a:solidFill>
-                      </a:ln>
-                    </p:spPr>
-                    <p:style>
-                      <a:lnRef idx="2">
-                        <a:schemeClr val="accent1">
-                          <a:shade val="50000"/>
-                        </a:schemeClr>
-                      </a:lnRef>
-                      <a:fillRef idx="1">
-                        <a:schemeClr val="accent1"/>
-                      </a:fillRef>
-                      <a:effectRef idx="0">
-                        <a:schemeClr val="accent1"/>
-                      </a:effectRef>
-                      <a:fontRef idx="minor">
-                        <a:schemeClr val="lt1"/>
-                      </a:fontRef>
-                    </p:style>
-                    <p:txBody>
-                      <a:bodyPr rtlCol="0" anchor="ctr"/>
-                      <a:lstStyle/>
-                      <a:p>
-                        <a:pPr algn="ctr"/>
-                        <a:endParaRPr lang="sv-SE"/>
-                      </a:p>
-                    </p:txBody>
-                  </p:sp>
-                  <p:sp>
-                    <p:nvSpPr>
-                      <p:cNvPr id="602" name="Rektangel: rundade hörn 601">
-                        <a:extLst>
-                          <a:ext uri="{FF2B5EF4-FFF2-40B4-BE49-F238E27FC236}">
-                            <a16:creationId xmlns:a16="http://schemas.microsoft.com/office/drawing/2014/main" id="{34E20DE6-688C-EEE1-5D42-D7A7A4055AA2}"/>
-                          </a:ext>
-                        </a:extLst>
-                      </p:cNvPr>
-                      <p:cNvSpPr/>
-                      <p:nvPr/>
-                    </p:nvSpPr>
-                    <p:spPr>
-                      <a:xfrm>
-                        <a:off x="1637045" y="1496075"/>
-                        <a:ext cx="90000" cy="90000"/>
-                      </a:xfrm>
-                      <a:prstGeom prst="roundRect">
-                        <a:avLst/>
-                      </a:prstGeom>
-                      <a:solidFill>
-                        <a:schemeClr val="bg1"/>
-                      </a:solidFill>
-                      <a:ln w="6350">
-                        <a:solidFill>
-                          <a:schemeClr val="tx1"/>
-                        </a:solidFill>
-                      </a:ln>
-                    </p:spPr>
-                    <p:style>
-                      <a:lnRef idx="2">
-                        <a:schemeClr val="accent1">
-                          <a:shade val="50000"/>
-                        </a:schemeClr>
-                      </a:lnRef>
-                      <a:fillRef idx="1">
-                        <a:schemeClr val="accent1"/>
-                      </a:fillRef>
-                      <a:effectRef idx="0">
-                        <a:schemeClr val="accent1"/>
-                      </a:effectRef>
-                      <a:fontRef idx="minor">
-                        <a:schemeClr val="lt1"/>
-                      </a:fontRef>
-                    </p:style>
-                    <p:txBody>
-                      <a:bodyPr rtlCol="0" anchor="ctr"/>
-                      <a:lstStyle/>
-                      <a:p>
-                        <a:pPr algn="ctr"/>
-                        <a:endParaRPr lang="sv-SE"/>
-                      </a:p>
-                    </p:txBody>
-                  </p:sp>
-                  <p:sp>
-                    <p:nvSpPr>
-                      <p:cNvPr id="603" name="Rektangel: rundade hörn 602">
-                        <a:extLst>
-                          <a:ext uri="{FF2B5EF4-FFF2-40B4-BE49-F238E27FC236}">
-                            <a16:creationId xmlns:a16="http://schemas.microsoft.com/office/drawing/2014/main" id="{86E4453E-E299-BBCA-8066-52629F13414D}"/>
-                          </a:ext>
-                        </a:extLst>
-                      </p:cNvPr>
-                      <p:cNvSpPr/>
-                      <p:nvPr/>
-                    </p:nvSpPr>
-                    <p:spPr>
-                      <a:xfrm>
-                        <a:off x="1726508" y="1496075"/>
-                        <a:ext cx="90000" cy="90000"/>
-                      </a:xfrm>
-                      <a:prstGeom prst="roundRect">
-                        <a:avLst/>
-                      </a:prstGeom>
-                      <a:solidFill>
-                        <a:schemeClr val="bg1"/>
-                      </a:solidFill>
-                      <a:ln w="6350">
-                        <a:solidFill>
-                          <a:schemeClr val="tx1"/>
-                        </a:solidFill>
-                      </a:ln>
-                    </p:spPr>
-                    <p:style>
-                      <a:lnRef idx="2">
-                        <a:schemeClr val="accent1">
-                          <a:shade val="50000"/>
-                        </a:schemeClr>
-                      </a:lnRef>
-                      <a:fillRef idx="1">
-                        <a:schemeClr val="accent1"/>
-                      </a:fillRef>
-                      <a:effectRef idx="0">
-                        <a:schemeClr val="accent1"/>
-                      </a:effectRef>
-                      <a:fontRef idx="minor">
-                        <a:schemeClr val="lt1"/>
-                      </a:fontRef>
-                    </p:style>
-                    <p:txBody>
-                      <a:bodyPr rtlCol="0" anchor="ctr"/>
-                      <a:lstStyle/>
-                      <a:p>
-                        <a:pPr algn="ctr"/>
-                        <a:endParaRPr lang="sv-SE"/>
-                      </a:p>
-                    </p:txBody>
-                  </p:sp>
-                </p:grpSp>
-              </p:grpSp>
-            </p:grpSp>
-            <p:sp>
-              <p:nvSpPr>
-                <p:cNvPr id="589" name="textruta 588">
-                  <a:extLst>
-                    <a:ext uri="{FF2B5EF4-FFF2-40B4-BE49-F238E27FC236}">
-                      <a16:creationId xmlns:a16="http://schemas.microsoft.com/office/drawing/2014/main" id="{28AFB0DE-4896-33F3-4B13-D950D595DF31}"/>
-                    </a:ext>
-                  </a:extLst>
-                </p:cNvPr>
-                <p:cNvSpPr txBox="1"/>
+                <p:cNvSpPr/>
                 <p:nvPr/>
               </p:nvSpPr>
               <p:spPr>
                 <a:xfrm>
-                  <a:off x="988767" y="2230614"/>
-                  <a:ext cx="421582" cy="153888"/>
+                  <a:off x="1367213" y="1496075"/>
+                  <a:ext cx="90000" cy="90000"/>
                 </a:xfrm>
-                <a:prstGeom prst="rect">
+                <a:prstGeom prst="roundRect">
                   <a:avLst/>
                 </a:prstGeom>
-                <a:noFill/>
-                <a:ln>
-                  <a:noFill/>
+                <a:solidFill>
+                  <a:schemeClr val="bg1"/>
+                </a:solidFill>
+                <a:ln w="6350">
+                  <a:solidFill>
+                    <a:schemeClr val="tx1"/>
+                  </a:solidFill>
                 </a:ln>
               </p:spPr>
+              <p:style>
+                <a:lnRef idx="2">
+                  <a:schemeClr val="accent1">
+                    <a:shade val="50000"/>
+                  </a:schemeClr>
+                </a:lnRef>
+                <a:fillRef idx="1">
+                  <a:schemeClr val="accent1"/>
+                </a:fillRef>
+                <a:effectRef idx="0">
+                  <a:schemeClr val="accent1"/>
+                </a:effectRef>
+                <a:fontRef idx="minor">
+                  <a:schemeClr val="lt1"/>
+                </a:fontRef>
+              </p:style>
               <p:txBody>
-                <a:bodyPr wrap="square" lIns="0" tIns="0" rIns="0" bIns="0" rtlCol="0" anchor="ctr">
-                  <a:spAutoFit/>
-                </a:bodyPr>
+                <a:bodyPr rtlCol="0" anchor="ctr"/>
                 <a:lstStyle/>
                 <a:p>
                   <a:pPr algn="ctr"/>
-                  <a:r>
-                    <a:rPr lang="sv-SE" sz="1000" b="1" dirty="0" err="1"/>
-                    <a:t>Martial</a:t>
-                  </a:r>
-                  <a:endParaRPr lang="sv-SE" sz="1000" b="1" dirty="0"/>
+                  <a:endParaRPr lang="sv-SE"/>
+                </a:p>
+              </p:txBody>
+            </p:sp>
+            <p:sp>
+              <p:nvSpPr>
+                <p:cNvPr id="596" name="Rektangel: rundade hörn 595">
+                  <a:extLst>
+                    <a:ext uri="{FF2B5EF4-FFF2-40B4-BE49-F238E27FC236}">
+                      <a16:creationId xmlns:a16="http://schemas.microsoft.com/office/drawing/2014/main" id="{7FB354CB-0543-D20A-F51A-E675422A121E}"/>
+                    </a:ext>
+                  </a:extLst>
+                </p:cNvPr>
+                <p:cNvSpPr/>
+                <p:nvPr/>
+              </p:nvSpPr>
+              <p:spPr>
+                <a:xfrm>
+                  <a:off x="1457213" y="1496075"/>
+                  <a:ext cx="90000" cy="90000"/>
+                </a:xfrm>
+                <a:prstGeom prst="roundRect">
+                  <a:avLst/>
+                </a:prstGeom>
+                <a:solidFill>
+                  <a:schemeClr val="bg1"/>
+                </a:solidFill>
+                <a:ln w="6350">
+                  <a:solidFill>
+                    <a:schemeClr val="tx1"/>
+                  </a:solidFill>
+                </a:ln>
+              </p:spPr>
+              <p:style>
+                <a:lnRef idx="2">
+                  <a:schemeClr val="accent1">
+                    <a:shade val="50000"/>
+                  </a:schemeClr>
+                </a:lnRef>
+                <a:fillRef idx="1">
+                  <a:schemeClr val="accent1"/>
+                </a:fillRef>
+                <a:effectRef idx="0">
+                  <a:schemeClr val="accent1"/>
+                </a:effectRef>
+                <a:fontRef idx="minor">
+                  <a:schemeClr val="lt1"/>
+                </a:fontRef>
+              </p:style>
+              <p:txBody>
+                <a:bodyPr rtlCol="0" anchor="ctr"/>
+                <a:lstStyle/>
+                <a:p>
+                  <a:pPr algn="ctr"/>
+                  <a:endParaRPr lang="sv-SE"/>
+                </a:p>
+              </p:txBody>
+            </p:sp>
+            <p:sp>
+              <p:nvSpPr>
+                <p:cNvPr id="597" name="Rektangel: rundade hörn 596">
+                  <a:extLst>
+                    <a:ext uri="{FF2B5EF4-FFF2-40B4-BE49-F238E27FC236}">
+                      <a16:creationId xmlns:a16="http://schemas.microsoft.com/office/drawing/2014/main" id="{E9AAB667-15ED-F3DA-337F-1C74A11D9999}"/>
+                    </a:ext>
+                  </a:extLst>
+                </p:cNvPr>
+                <p:cNvSpPr/>
+                <p:nvPr/>
+              </p:nvSpPr>
+              <p:spPr>
+                <a:xfrm>
+                  <a:off x="1098671" y="1496075"/>
+                  <a:ext cx="90000" cy="90000"/>
+                </a:xfrm>
+                <a:prstGeom prst="roundRect">
+                  <a:avLst/>
+                </a:prstGeom>
+                <a:solidFill>
+                  <a:schemeClr val="bg1"/>
+                </a:solidFill>
+                <a:ln w="6350">
+                  <a:solidFill>
+                    <a:schemeClr val="tx1"/>
+                  </a:solidFill>
+                </a:ln>
+              </p:spPr>
+              <p:style>
+                <a:lnRef idx="2">
+                  <a:schemeClr val="accent1">
+                    <a:shade val="50000"/>
+                  </a:schemeClr>
+                </a:lnRef>
+                <a:fillRef idx="1">
+                  <a:schemeClr val="accent1"/>
+                </a:fillRef>
+                <a:effectRef idx="0">
+                  <a:schemeClr val="accent1"/>
+                </a:effectRef>
+                <a:fontRef idx="minor">
+                  <a:schemeClr val="lt1"/>
+                </a:fontRef>
+              </p:style>
+              <p:txBody>
+                <a:bodyPr rtlCol="0" anchor="ctr"/>
+                <a:lstStyle/>
+                <a:p>
+                  <a:pPr algn="ctr"/>
+                  <a:endParaRPr lang="sv-SE"/>
+                </a:p>
+              </p:txBody>
+            </p:sp>
+            <p:sp>
+              <p:nvSpPr>
+                <p:cNvPr id="598" name="Rektangel: rundade hörn 597">
+                  <a:extLst>
+                    <a:ext uri="{FF2B5EF4-FFF2-40B4-BE49-F238E27FC236}">
+                      <a16:creationId xmlns:a16="http://schemas.microsoft.com/office/drawing/2014/main" id="{8FEEFF97-6948-B47F-9FD9-33D29D787077}"/>
+                    </a:ext>
+                  </a:extLst>
+                </p:cNvPr>
+                <p:cNvSpPr/>
+                <p:nvPr/>
+              </p:nvSpPr>
+              <p:spPr>
+                <a:xfrm>
+                  <a:off x="1187942" y="1496075"/>
+                  <a:ext cx="90000" cy="90000"/>
+                </a:xfrm>
+                <a:prstGeom prst="roundRect">
+                  <a:avLst/>
+                </a:prstGeom>
+                <a:solidFill>
+                  <a:schemeClr val="bg1"/>
+                </a:solidFill>
+                <a:ln w="6350">
+                  <a:solidFill>
+                    <a:schemeClr val="tx1"/>
+                  </a:solidFill>
+                </a:ln>
+              </p:spPr>
+              <p:style>
+                <a:lnRef idx="2">
+                  <a:schemeClr val="accent1">
+                    <a:shade val="50000"/>
+                  </a:schemeClr>
+                </a:lnRef>
+                <a:fillRef idx="1">
+                  <a:schemeClr val="accent1"/>
+                </a:fillRef>
+                <a:effectRef idx="0">
+                  <a:schemeClr val="accent1"/>
+                </a:effectRef>
+                <a:fontRef idx="minor">
+                  <a:schemeClr val="lt1"/>
+                </a:fontRef>
+              </p:style>
+              <p:txBody>
+                <a:bodyPr rtlCol="0" anchor="ctr"/>
+                <a:lstStyle/>
+                <a:p>
+                  <a:pPr algn="ctr"/>
+                  <a:endParaRPr lang="sv-SE"/>
+                </a:p>
+              </p:txBody>
+            </p:sp>
+            <p:sp>
+              <p:nvSpPr>
+                <p:cNvPr id="599" name="Rektangel: rundade hörn 598">
+                  <a:extLst>
+                    <a:ext uri="{FF2B5EF4-FFF2-40B4-BE49-F238E27FC236}">
+                      <a16:creationId xmlns:a16="http://schemas.microsoft.com/office/drawing/2014/main" id="{E351BEB6-4223-43EB-DBF9-7BBDE87EFB9C}"/>
+                    </a:ext>
+                  </a:extLst>
+                </p:cNvPr>
+                <p:cNvSpPr/>
+                <p:nvPr/>
+              </p:nvSpPr>
+              <p:spPr>
+                <a:xfrm>
+                  <a:off x="1277213" y="1496075"/>
+                  <a:ext cx="90000" cy="90000"/>
+                </a:xfrm>
+                <a:prstGeom prst="roundRect">
+                  <a:avLst/>
+                </a:prstGeom>
+                <a:solidFill>
+                  <a:schemeClr val="bg1"/>
+                </a:solidFill>
+                <a:ln w="6350">
+                  <a:solidFill>
+                    <a:schemeClr val="tx1"/>
+                  </a:solidFill>
+                </a:ln>
+              </p:spPr>
+              <p:style>
+                <a:lnRef idx="2">
+                  <a:schemeClr val="accent1">
+                    <a:shade val="50000"/>
+                  </a:schemeClr>
+                </a:lnRef>
+                <a:fillRef idx="1">
+                  <a:schemeClr val="accent1"/>
+                </a:fillRef>
+                <a:effectRef idx="0">
+                  <a:schemeClr val="accent1"/>
+                </a:effectRef>
+                <a:fontRef idx="minor">
+                  <a:schemeClr val="lt1"/>
+                </a:fontRef>
+              </p:style>
+              <p:txBody>
+                <a:bodyPr rtlCol="0" anchor="ctr"/>
+                <a:lstStyle/>
+                <a:p>
+                  <a:pPr algn="ctr"/>
+                  <a:endParaRPr lang="sv-SE"/>
+                </a:p>
+              </p:txBody>
+            </p:sp>
+            <p:sp>
+              <p:nvSpPr>
+                <p:cNvPr id="600" name="Rektangel: rundade hörn 599">
+                  <a:extLst>
+                    <a:ext uri="{FF2B5EF4-FFF2-40B4-BE49-F238E27FC236}">
+                      <a16:creationId xmlns:a16="http://schemas.microsoft.com/office/drawing/2014/main" id="{AC4F76F4-BEA5-B220-0301-920EFA74D472}"/>
+                    </a:ext>
+                  </a:extLst>
+                </p:cNvPr>
+                <p:cNvSpPr/>
+                <p:nvPr/>
+              </p:nvSpPr>
+              <p:spPr>
+                <a:xfrm>
+                  <a:off x="1815604" y="1496075"/>
+                  <a:ext cx="90000" cy="90000"/>
+                </a:xfrm>
+                <a:prstGeom prst="roundRect">
+                  <a:avLst/>
+                </a:prstGeom>
+                <a:solidFill>
+                  <a:schemeClr val="bg1"/>
+                </a:solidFill>
+                <a:ln w="6350">
+                  <a:solidFill>
+                    <a:schemeClr val="tx1"/>
+                  </a:solidFill>
+                </a:ln>
+              </p:spPr>
+              <p:style>
+                <a:lnRef idx="2">
+                  <a:schemeClr val="accent1">
+                    <a:shade val="50000"/>
+                  </a:schemeClr>
+                </a:lnRef>
+                <a:fillRef idx="1">
+                  <a:schemeClr val="accent1"/>
+                </a:fillRef>
+                <a:effectRef idx="0">
+                  <a:schemeClr val="accent1"/>
+                </a:effectRef>
+                <a:fontRef idx="minor">
+                  <a:schemeClr val="lt1"/>
+                </a:fontRef>
+              </p:style>
+              <p:txBody>
+                <a:bodyPr rtlCol="0" anchor="ctr"/>
+                <a:lstStyle/>
+                <a:p>
+                  <a:pPr algn="ctr"/>
+                  <a:endParaRPr lang="sv-SE"/>
+                </a:p>
+              </p:txBody>
+            </p:sp>
+            <p:sp>
+              <p:nvSpPr>
+                <p:cNvPr id="601" name="Rektangel: rundade hörn 600">
+                  <a:extLst>
+                    <a:ext uri="{FF2B5EF4-FFF2-40B4-BE49-F238E27FC236}">
+                      <a16:creationId xmlns:a16="http://schemas.microsoft.com/office/drawing/2014/main" id="{76CCEEE1-547A-9245-B477-9DF70AA460CC}"/>
+                    </a:ext>
+                  </a:extLst>
+                </p:cNvPr>
+                <p:cNvSpPr/>
+                <p:nvPr/>
+              </p:nvSpPr>
+              <p:spPr>
+                <a:xfrm>
+                  <a:off x="1547047" y="1496075"/>
+                  <a:ext cx="90000" cy="90000"/>
+                </a:xfrm>
+                <a:prstGeom prst="roundRect">
+                  <a:avLst/>
+                </a:prstGeom>
+                <a:solidFill>
+                  <a:schemeClr val="bg1"/>
+                </a:solidFill>
+                <a:ln w="6350">
+                  <a:solidFill>
+                    <a:schemeClr val="tx1"/>
+                  </a:solidFill>
+                </a:ln>
+              </p:spPr>
+              <p:style>
+                <a:lnRef idx="2">
+                  <a:schemeClr val="accent1">
+                    <a:shade val="50000"/>
+                  </a:schemeClr>
+                </a:lnRef>
+                <a:fillRef idx="1">
+                  <a:schemeClr val="accent1"/>
+                </a:fillRef>
+                <a:effectRef idx="0">
+                  <a:schemeClr val="accent1"/>
+                </a:effectRef>
+                <a:fontRef idx="minor">
+                  <a:schemeClr val="lt1"/>
+                </a:fontRef>
+              </p:style>
+              <p:txBody>
+                <a:bodyPr rtlCol="0" anchor="ctr"/>
+                <a:lstStyle/>
+                <a:p>
+                  <a:pPr algn="ctr"/>
+                  <a:endParaRPr lang="sv-SE"/>
+                </a:p>
+              </p:txBody>
+            </p:sp>
+            <p:sp>
+              <p:nvSpPr>
+                <p:cNvPr id="602" name="Rektangel: rundade hörn 601">
+                  <a:extLst>
+                    <a:ext uri="{FF2B5EF4-FFF2-40B4-BE49-F238E27FC236}">
+                      <a16:creationId xmlns:a16="http://schemas.microsoft.com/office/drawing/2014/main" id="{34E20DE6-688C-EEE1-5D42-D7A7A4055AA2}"/>
+                    </a:ext>
+                  </a:extLst>
+                </p:cNvPr>
+                <p:cNvSpPr/>
+                <p:nvPr/>
+              </p:nvSpPr>
+              <p:spPr>
+                <a:xfrm>
+                  <a:off x="1637045" y="1496075"/>
+                  <a:ext cx="90000" cy="90000"/>
+                </a:xfrm>
+                <a:prstGeom prst="roundRect">
+                  <a:avLst/>
+                </a:prstGeom>
+                <a:solidFill>
+                  <a:schemeClr val="bg1"/>
+                </a:solidFill>
+                <a:ln w="6350">
+                  <a:solidFill>
+                    <a:schemeClr val="tx1"/>
+                  </a:solidFill>
+                </a:ln>
+              </p:spPr>
+              <p:style>
+                <a:lnRef idx="2">
+                  <a:schemeClr val="accent1">
+                    <a:shade val="50000"/>
+                  </a:schemeClr>
+                </a:lnRef>
+                <a:fillRef idx="1">
+                  <a:schemeClr val="accent1"/>
+                </a:fillRef>
+                <a:effectRef idx="0">
+                  <a:schemeClr val="accent1"/>
+                </a:effectRef>
+                <a:fontRef idx="minor">
+                  <a:schemeClr val="lt1"/>
+                </a:fontRef>
+              </p:style>
+              <p:txBody>
+                <a:bodyPr rtlCol="0" anchor="ctr"/>
+                <a:lstStyle/>
+                <a:p>
+                  <a:pPr algn="ctr"/>
+                  <a:endParaRPr lang="sv-SE"/>
+                </a:p>
+              </p:txBody>
+            </p:sp>
+            <p:sp>
+              <p:nvSpPr>
+                <p:cNvPr id="603" name="Rektangel: rundade hörn 602">
+                  <a:extLst>
+                    <a:ext uri="{FF2B5EF4-FFF2-40B4-BE49-F238E27FC236}">
+                      <a16:creationId xmlns:a16="http://schemas.microsoft.com/office/drawing/2014/main" id="{86E4453E-E299-BBCA-8066-52629F13414D}"/>
+                    </a:ext>
+                  </a:extLst>
+                </p:cNvPr>
+                <p:cNvSpPr/>
+                <p:nvPr/>
+              </p:nvSpPr>
+              <p:spPr>
+                <a:xfrm>
+                  <a:off x="1726508" y="1496075"/>
+                  <a:ext cx="90000" cy="90000"/>
+                </a:xfrm>
+                <a:prstGeom prst="roundRect">
+                  <a:avLst/>
+                </a:prstGeom>
+                <a:solidFill>
+                  <a:schemeClr val="bg1"/>
+                </a:solidFill>
+                <a:ln w="6350">
+                  <a:solidFill>
+                    <a:schemeClr val="tx1"/>
+                  </a:solidFill>
+                </a:ln>
+              </p:spPr>
+              <p:style>
+                <a:lnRef idx="2">
+                  <a:schemeClr val="accent1">
+                    <a:shade val="50000"/>
+                  </a:schemeClr>
+                </a:lnRef>
+                <a:fillRef idx="1">
+                  <a:schemeClr val="accent1"/>
+                </a:fillRef>
+                <a:effectRef idx="0">
+                  <a:schemeClr val="accent1"/>
+                </a:effectRef>
+                <a:fontRef idx="minor">
+                  <a:schemeClr val="lt1"/>
+                </a:fontRef>
+              </p:style>
+              <p:txBody>
+                <a:bodyPr rtlCol="0" anchor="ctr"/>
+                <a:lstStyle/>
+                <a:p>
+                  <a:pPr algn="ctr"/>
+                  <a:endParaRPr lang="sv-SE"/>
                 </a:p>
               </p:txBody>
             </p:sp>
           </p:grpSp>
-          <p:sp>
-            <p:nvSpPr>
-              <p:cNvPr id="585" name="textruta 584">
-                <a:extLst>
-                  <a:ext uri="{FF2B5EF4-FFF2-40B4-BE49-F238E27FC236}">
-                    <a16:creationId xmlns:a16="http://schemas.microsoft.com/office/drawing/2014/main" id="{0A41E892-F229-CC8B-6E7B-8157F38907FA}"/>
-                  </a:ext>
-                </a:extLst>
-              </p:cNvPr>
-              <p:cNvSpPr txBox="1"/>
-              <p:nvPr/>
-            </p:nvSpPr>
-            <p:spPr>
-              <a:xfrm>
-                <a:off x="1358057" y="2370393"/>
-                <a:ext cx="259095" cy="76944"/>
-              </a:xfrm>
-              <a:prstGeom prst="rect">
-                <a:avLst/>
-              </a:prstGeom>
-              <a:noFill/>
-              <a:ln>
-                <a:noFill/>
-              </a:ln>
-            </p:spPr>
-            <p:txBody>
-              <a:bodyPr wrap="square" lIns="0" tIns="0" rIns="0" bIns="0" rtlCol="0" anchor="ctr">
-                <a:spAutoFit/>
-              </a:bodyPr>
-              <a:lstStyle/>
-              <a:p>
-                <a:pPr algn="ctr"/>
-                <a:r>
-                  <a:rPr lang="sv-SE" sz="500" i="1" dirty="0">
-                    <a:solidFill>
-                      <a:schemeClr val="bg1">
-                        <a:lumMod val="50000"/>
-                      </a:schemeClr>
-                    </a:solidFill>
-                  </a:rPr>
-                  <a:t>Passive</a:t>
-                </a:r>
-              </a:p>
-            </p:txBody>
-          </p:sp>
         </p:grpSp>
         <p:sp>
           <p:nvSpPr>
-            <p:cNvPr id="607" name="textruta 606">
+            <p:cNvPr id="589" name="textruta 588">
               <a:extLst>
                 <a:ext uri="{FF2B5EF4-FFF2-40B4-BE49-F238E27FC236}">
-                  <a16:creationId xmlns:a16="http://schemas.microsoft.com/office/drawing/2014/main" id="{35076C39-173A-5ED7-367A-481433BCBAAF}"/>
+                  <a16:creationId xmlns:a16="http://schemas.microsoft.com/office/drawing/2014/main" id="{28AFB0DE-4896-33F3-4B13-D950D595DF31}"/>
                 </a:ext>
               </a:extLst>
             </p:cNvPr>
@@ -27608,8 +27839,8 @@
           </p:nvSpPr>
           <p:spPr>
             <a:xfrm>
-              <a:off x="691437" y="2649159"/>
-              <a:ext cx="469577" cy="184666"/>
+              <a:off x="988767" y="2230614"/>
+              <a:ext cx="421582" cy="153888"/>
             </a:xfrm>
             <a:prstGeom prst="rect">
               <a:avLst/>
@@ -27627,89 +27858,9 @@
             <a:p>
               <a:pPr algn="ctr"/>
               <a:r>
-                <a:rPr lang="sv-SE" sz="600" b="1" dirty="0" err="1"/>
-                <a:t>Melee</a:t>
+                <a:rPr lang="sv-SE" sz="1000" b="1" dirty="0"/>
+                <a:t>Saves?</a:t>
               </a:r>
-              <a:r>
-                <a:rPr lang="sv-SE" sz="600" b="1" dirty="0"/>
-                <a:t>/</a:t>
-              </a:r>
-              <a:r>
-                <a:rPr lang="sv-SE" sz="600" b="1" dirty="0" err="1"/>
-                <a:t>Brute</a:t>
-              </a:r>
-              <a:r>
-                <a:rPr lang="sv-SE" sz="600" b="1" dirty="0"/>
-                <a:t>?</a:t>
-              </a:r>
-              <a:br>
-                <a:rPr lang="sv-SE" sz="600" b="1" dirty="0"/>
-              </a:br>
-              <a:r>
-                <a:rPr lang="sv-SE" sz="600" b="1" dirty="0" err="1"/>
-                <a:t>Martial</a:t>
-              </a:r>
-              <a:endParaRPr lang="sv-SE" sz="600" b="1" dirty="0"/>
-            </a:p>
-          </p:txBody>
-        </p:sp>
-        <p:sp>
-          <p:nvSpPr>
-            <p:cNvPr id="608" name="Åttahörning 607">
-              <a:extLst>
-                <a:ext uri="{FF2B5EF4-FFF2-40B4-BE49-F238E27FC236}">
-                  <a16:creationId xmlns:a16="http://schemas.microsoft.com/office/drawing/2014/main" id="{7D9C90ED-8BBF-B9F7-9E5A-7FCA5EF9B1ED}"/>
-                </a:ext>
-              </a:extLst>
-            </p:cNvPr>
-            <p:cNvSpPr/>
-            <p:nvPr/>
-          </p:nvSpPr>
-          <p:spPr>
-            <a:xfrm>
-              <a:off x="836225" y="2471538"/>
-              <a:ext cx="180000" cy="180000"/>
-            </a:xfrm>
-            <a:prstGeom prst="octagon">
-              <a:avLst/>
-            </a:prstGeom>
-            <a:solidFill>
-              <a:schemeClr val="bg1"/>
-            </a:solidFill>
-            <a:ln w="6350">
-              <a:solidFill>
-                <a:schemeClr val="tx1"/>
-              </a:solidFill>
-            </a:ln>
-          </p:spPr>
-          <p:style>
-            <a:lnRef idx="2">
-              <a:schemeClr val="accent1">
-                <a:shade val="50000"/>
-              </a:schemeClr>
-            </a:lnRef>
-            <a:fillRef idx="1">
-              <a:schemeClr val="accent1"/>
-            </a:fillRef>
-            <a:effectRef idx="0">
-              <a:schemeClr val="accent1"/>
-            </a:effectRef>
-            <a:fontRef idx="minor">
-              <a:schemeClr val="lt1"/>
-            </a:fontRef>
-          </p:style>
-          <p:txBody>
-            <a:bodyPr rtlCol="0" anchor="ctr"/>
-            <a:lstStyle/>
-            <a:p>
-              <a:pPr algn="r"/>
-              <a:endParaRPr lang="sv-SE" sz="500" dirty="0">
-                <a:solidFill>
-                  <a:schemeClr val="bg1">
-                    <a:lumMod val="50000"/>
-                  </a:schemeClr>
-                </a:solidFill>
-              </a:endParaRPr>
             </a:p>
           </p:txBody>
         </p:sp>
@@ -28670,10 +28821,10 @@
         </p:nvGrpSpPr>
         <p:grpSpPr>
           <a:xfrm>
-            <a:off x="125570" y="2394334"/>
-            <a:ext cx="2039889" cy="183852"/>
-            <a:chOff x="109287" y="2391213"/>
-            <a:chExt cx="2039889" cy="183852"/>
+            <a:off x="125570" y="2396260"/>
+            <a:ext cx="780791" cy="180000"/>
+            <a:chOff x="109287" y="2393139"/>
+            <a:chExt cx="780791" cy="180000"/>
           </a:xfrm>
         </p:grpSpPr>
         <p:sp>
@@ -28775,538 +28926,6 @@
             </a:p>
           </p:txBody>
         </p:sp>
-        <p:grpSp>
-          <p:nvGrpSpPr>
-            <p:cNvPr id="642" name="Grupp 641">
-              <a:extLst>
-                <a:ext uri="{FF2B5EF4-FFF2-40B4-BE49-F238E27FC236}">
-                  <a16:creationId xmlns:a16="http://schemas.microsoft.com/office/drawing/2014/main" id="{E7DEDA99-BD60-7F83-1632-39B0C85B423F}"/>
-                </a:ext>
-              </a:extLst>
-            </p:cNvPr>
-            <p:cNvGrpSpPr/>
-            <p:nvPr/>
-          </p:nvGrpSpPr>
-          <p:grpSpPr>
-            <a:xfrm>
-              <a:off x="1585536" y="2391213"/>
-              <a:ext cx="270000" cy="183852"/>
-              <a:chOff x="4194450" y="2486027"/>
-              <a:chExt cx="270000" cy="183852"/>
-            </a:xfrm>
-          </p:grpSpPr>
-          <p:sp>
-            <p:nvSpPr>
-              <p:cNvPr id="652" name="Åttahörning 651">
-                <a:extLst>
-                  <a:ext uri="{FF2B5EF4-FFF2-40B4-BE49-F238E27FC236}">
-                    <a16:creationId xmlns:a16="http://schemas.microsoft.com/office/drawing/2014/main" id="{1E60E1DC-6A35-7C40-10A0-DDA361D7BEE2}"/>
-                  </a:ext>
-                </a:extLst>
-              </p:cNvPr>
-              <p:cNvSpPr/>
-              <p:nvPr/>
-            </p:nvSpPr>
-            <p:spPr>
-              <a:xfrm>
-                <a:off x="4194450" y="2489879"/>
-                <a:ext cx="270000" cy="180000"/>
-              </a:xfrm>
-              <a:prstGeom prst="octagon">
-                <a:avLst/>
-              </a:prstGeom>
-              <a:solidFill>
-                <a:schemeClr val="bg1"/>
-              </a:solidFill>
-              <a:ln w="6350">
-                <a:solidFill>
-                  <a:schemeClr val="tx1"/>
-                </a:solidFill>
-              </a:ln>
-            </p:spPr>
-            <p:style>
-              <a:lnRef idx="2">
-                <a:schemeClr val="accent1">
-                  <a:shade val="50000"/>
-                </a:schemeClr>
-              </a:lnRef>
-              <a:fillRef idx="1">
-                <a:schemeClr val="accent1"/>
-              </a:fillRef>
-              <a:effectRef idx="0">
-                <a:schemeClr val="accent1"/>
-              </a:effectRef>
-              <a:fontRef idx="minor">
-                <a:schemeClr val="lt1"/>
-              </a:fontRef>
-            </p:style>
-            <p:txBody>
-              <a:bodyPr rtlCol="0" anchor="ctr"/>
-              <a:lstStyle/>
-              <a:p>
-                <a:pPr algn="r"/>
-                <a:endParaRPr lang="sv-SE" sz="500" dirty="0">
-                  <a:solidFill>
-                    <a:schemeClr val="bg1">
-                      <a:lumMod val="50000"/>
-                    </a:schemeClr>
-                  </a:solidFill>
-                </a:endParaRPr>
-              </a:p>
-            </p:txBody>
-          </p:sp>
-          <p:sp>
-            <p:nvSpPr>
-              <p:cNvPr id="653" name="textruta 652">
-                <a:extLst>
-                  <a:ext uri="{FF2B5EF4-FFF2-40B4-BE49-F238E27FC236}">
-                    <a16:creationId xmlns:a16="http://schemas.microsoft.com/office/drawing/2014/main" id="{F47A8D9D-3C76-C1FA-ABE8-FCBC42B20540}"/>
-                  </a:ext>
-                </a:extLst>
-              </p:cNvPr>
-              <p:cNvSpPr txBox="1"/>
-              <p:nvPr/>
-            </p:nvSpPr>
-            <p:spPr>
-              <a:xfrm>
-                <a:off x="4202377" y="2486027"/>
-                <a:ext cx="259095" cy="76944"/>
-              </a:xfrm>
-              <a:prstGeom prst="rect">
-                <a:avLst/>
-              </a:prstGeom>
-              <a:noFill/>
-              <a:ln>
-                <a:noFill/>
-              </a:ln>
-            </p:spPr>
-            <p:txBody>
-              <a:bodyPr wrap="square" lIns="0" tIns="0" rIns="0" bIns="0" rtlCol="0" anchor="ctr">
-                <a:spAutoFit/>
-              </a:bodyPr>
-              <a:lstStyle/>
-              <a:p>
-                <a:pPr algn="ctr"/>
-                <a:r>
-                  <a:rPr lang="sv-SE" sz="500" i="1" dirty="0" err="1">
-                    <a:solidFill>
-                      <a:schemeClr val="bg1">
-                        <a:lumMod val="50000"/>
-                      </a:schemeClr>
-                    </a:solidFill>
-                  </a:rPr>
-                  <a:t>Shield</a:t>
-                </a:r>
-                <a:endParaRPr lang="sv-SE" sz="500" i="1" dirty="0">
-                  <a:solidFill>
-                    <a:schemeClr val="bg1">
-                      <a:lumMod val="50000"/>
-                    </a:schemeClr>
-                  </a:solidFill>
-                </a:endParaRPr>
-              </a:p>
-            </p:txBody>
-          </p:sp>
-        </p:grpSp>
-        <p:grpSp>
-          <p:nvGrpSpPr>
-            <p:cNvPr id="643" name="Grupp 642">
-              <a:extLst>
-                <a:ext uri="{FF2B5EF4-FFF2-40B4-BE49-F238E27FC236}">
-                  <a16:creationId xmlns:a16="http://schemas.microsoft.com/office/drawing/2014/main" id="{50EC6EC6-E2DA-B13B-EBD1-5E23F12183E3}"/>
-                </a:ext>
-              </a:extLst>
-            </p:cNvPr>
-            <p:cNvGrpSpPr/>
-            <p:nvPr/>
-          </p:nvGrpSpPr>
-          <p:grpSpPr>
-            <a:xfrm>
-              <a:off x="989953" y="2391213"/>
-              <a:ext cx="270000" cy="183852"/>
-              <a:chOff x="4194450" y="2486027"/>
-              <a:chExt cx="270000" cy="183852"/>
-            </a:xfrm>
-          </p:grpSpPr>
-          <p:sp>
-            <p:nvSpPr>
-              <p:cNvPr id="650" name="Åttahörning 649">
-                <a:extLst>
-                  <a:ext uri="{FF2B5EF4-FFF2-40B4-BE49-F238E27FC236}">
-                    <a16:creationId xmlns:a16="http://schemas.microsoft.com/office/drawing/2014/main" id="{22203A9D-FD53-3BFF-DAC2-E62ED9ADA96A}"/>
-                  </a:ext>
-                </a:extLst>
-              </p:cNvPr>
-              <p:cNvSpPr/>
-              <p:nvPr/>
-            </p:nvSpPr>
-            <p:spPr>
-              <a:xfrm>
-                <a:off x="4194450" y="2489879"/>
-                <a:ext cx="270000" cy="180000"/>
-              </a:xfrm>
-              <a:prstGeom prst="octagon">
-                <a:avLst/>
-              </a:prstGeom>
-              <a:solidFill>
-                <a:schemeClr val="bg1"/>
-              </a:solidFill>
-              <a:ln w="6350">
-                <a:solidFill>
-                  <a:schemeClr val="tx1"/>
-                </a:solidFill>
-              </a:ln>
-            </p:spPr>
-            <p:style>
-              <a:lnRef idx="2">
-                <a:schemeClr val="accent1">
-                  <a:shade val="50000"/>
-                </a:schemeClr>
-              </a:lnRef>
-              <a:fillRef idx="1">
-                <a:schemeClr val="accent1"/>
-              </a:fillRef>
-              <a:effectRef idx="0">
-                <a:schemeClr val="accent1"/>
-              </a:effectRef>
-              <a:fontRef idx="minor">
-                <a:schemeClr val="lt1"/>
-              </a:fontRef>
-            </p:style>
-            <p:txBody>
-              <a:bodyPr rtlCol="0" anchor="ctr"/>
-              <a:lstStyle/>
-              <a:p>
-                <a:pPr algn="r"/>
-                <a:endParaRPr lang="sv-SE" sz="500" dirty="0">
-                  <a:solidFill>
-                    <a:schemeClr val="bg1">
-                      <a:lumMod val="50000"/>
-                    </a:schemeClr>
-                  </a:solidFill>
-                </a:endParaRPr>
-              </a:p>
-            </p:txBody>
-          </p:sp>
-          <p:sp>
-            <p:nvSpPr>
-              <p:cNvPr id="651" name="textruta 650">
-                <a:extLst>
-                  <a:ext uri="{FF2B5EF4-FFF2-40B4-BE49-F238E27FC236}">
-                    <a16:creationId xmlns:a16="http://schemas.microsoft.com/office/drawing/2014/main" id="{1C2D2AC5-34F4-9AF6-04DE-0A37592AC5CD}"/>
-                  </a:ext>
-                </a:extLst>
-              </p:cNvPr>
-              <p:cNvSpPr txBox="1"/>
-              <p:nvPr/>
-            </p:nvSpPr>
-            <p:spPr>
-              <a:xfrm>
-                <a:off x="4202377" y="2486027"/>
-                <a:ext cx="259095" cy="76944"/>
-              </a:xfrm>
-              <a:prstGeom prst="rect">
-                <a:avLst/>
-              </a:prstGeom>
-              <a:noFill/>
-              <a:ln>
-                <a:noFill/>
-              </a:ln>
-            </p:spPr>
-            <p:txBody>
-              <a:bodyPr wrap="square" lIns="0" tIns="0" rIns="0" bIns="0" rtlCol="0" anchor="ctr">
-                <a:spAutoFit/>
-              </a:bodyPr>
-              <a:lstStyle/>
-              <a:p>
-                <a:pPr algn="ctr"/>
-                <a:r>
-                  <a:rPr lang="sv-SE" sz="500" i="1" dirty="0" err="1">
-                    <a:solidFill>
-                      <a:schemeClr val="bg1">
-                        <a:lumMod val="50000"/>
-                      </a:schemeClr>
-                    </a:solidFill>
-                  </a:rPr>
-                  <a:t>Base</a:t>
-                </a:r>
-                <a:endParaRPr lang="sv-SE" sz="500" i="1" dirty="0">
-                  <a:solidFill>
-                    <a:schemeClr val="bg1">
-                      <a:lumMod val="50000"/>
-                    </a:schemeClr>
-                  </a:solidFill>
-                </a:endParaRPr>
-              </a:p>
-            </p:txBody>
-          </p:sp>
-        </p:grpSp>
-        <p:grpSp>
-          <p:nvGrpSpPr>
-            <p:cNvPr id="644" name="Grupp 643">
-              <a:extLst>
-                <a:ext uri="{FF2B5EF4-FFF2-40B4-BE49-F238E27FC236}">
-                  <a16:creationId xmlns:a16="http://schemas.microsoft.com/office/drawing/2014/main" id="{FF6BA8F7-0964-45D5-4C6B-FB065E93EFC5}"/>
-                </a:ext>
-              </a:extLst>
-            </p:cNvPr>
-            <p:cNvGrpSpPr/>
-            <p:nvPr/>
-          </p:nvGrpSpPr>
-          <p:grpSpPr>
-            <a:xfrm>
-              <a:off x="1290966" y="2391213"/>
-              <a:ext cx="270000" cy="183852"/>
-              <a:chOff x="4194450" y="2486027"/>
-              <a:chExt cx="270000" cy="183852"/>
-            </a:xfrm>
-          </p:grpSpPr>
-          <p:sp>
-            <p:nvSpPr>
-              <p:cNvPr id="648" name="Åttahörning 647">
-                <a:extLst>
-                  <a:ext uri="{FF2B5EF4-FFF2-40B4-BE49-F238E27FC236}">
-                    <a16:creationId xmlns:a16="http://schemas.microsoft.com/office/drawing/2014/main" id="{F8787525-65A2-B8E9-53B7-093FBBD411BD}"/>
-                  </a:ext>
-                </a:extLst>
-              </p:cNvPr>
-              <p:cNvSpPr/>
-              <p:nvPr/>
-            </p:nvSpPr>
-            <p:spPr>
-              <a:xfrm>
-                <a:off x="4194450" y="2489879"/>
-                <a:ext cx="270000" cy="180000"/>
-              </a:xfrm>
-              <a:prstGeom prst="octagon">
-                <a:avLst/>
-              </a:prstGeom>
-              <a:solidFill>
-                <a:schemeClr val="bg1"/>
-              </a:solidFill>
-              <a:ln w="6350">
-                <a:solidFill>
-                  <a:schemeClr val="tx1"/>
-                </a:solidFill>
-              </a:ln>
-            </p:spPr>
-            <p:style>
-              <a:lnRef idx="2">
-                <a:schemeClr val="accent1">
-                  <a:shade val="50000"/>
-                </a:schemeClr>
-              </a:lnRef>
-              <a:fillRef idx="1">
-                <a:schemeClr val="accent1"/>
-              </a:fillRef>
-              <a:effectRef idx="0">
-                <a:schemeClr val="accent1"/>
-              </a:effectRef>
-              <a:fontRef idx="minor">
-                <a:schemeClr val="lt1"/>
-              </a:fontRef>
-            </p:style>
-            <p:txBody>
-              <a:bodyPr rtlCol="0" anchor="ctr"/>
-              <a:lstStyle/>
-              <a:p>
-                <a:pPr algn="r"/>
-                <a:endParaRPr lang="sv-SE" sz="500" dirty="0">
-                  <a:solidFill>
-                    <a:schemeClr val="bg1">
-                      <a:lumMod val="50000"/>
-                    </a:schemeClr>
-                  </a:solidFill>
-                </a:endParaRPr>
-              </a:p>
-            </p:txBody>
-          </p:sp>
-          <p:sp>
-            <p:nvSpPr>
-              <p:cNvPr id="649" name="textruta 648">
-                <a:extLst>
-                  <a:ext uri="{FF2B5EF4-FFF2-40B4-BE49-F238E27FC236}">
-                    <a16:creationId xmlns:a16="http://schemas.microsoft.com/office/drawing/2014/main" id="{2C7C92FB-50C0-178B-C41A-BBF9B427F48B}"/>
-                  </a:ext>
-                </a:extLst>
-              </p:cNvPr>
-              <p:cNvSpPr txBox="1"/>
-              <p:nvPr/>
-            </p:nvSpPr>
-            <p:spPr>
-              <a:xfrm>
-                <a:off x="4202377" y="2486027"/>
-                <a:ext cx="259095" cy="76944"/>
-              </a:xfrm>
-              <a:prstGeom prst="rect">
-                <a:avLst/>
-              </a:prstGeom>
-              <a:noFill/>
-              <a:ln>
-                <a:noFill/>
-              </a:ln>
-            </p:spPr>
-            <p:txBody>
-              <a:bodyPr wrap="square" lIns="0" tIns="0" rIns="0" bIns="0" rtlCol="0" anchor="ctr">
-                <a:spAutoFit/>
-              </a:bodyPr>
-              <a:lstStyle/>
-              <a:p>
-                <a:pPr algn="ctr"/>
-                <a:r>
-                  <a:rPr lang="sv-SE" sz="500" i="1" dirty="0" err="1">
-                    <a:solidFill>
-                      <a:schemeClr val="bg1">
-                        <a:lumMod val="50000"/>
-                      </a:schemeClr>
-                    </a:solidFill>
-                  </a:rPr>
-                  <a:t>Armor</a:t>
-                </a:r>
-                <a:endParaRPr lang="sv-SE" sz="500" i="1" dirty="0">
-                  <a:solidFill>
-                    <a:schemeClr val="bg1">
-                      <a:lumMod val="50000"/>
-                    </a:schemeClr>
-                  </a:solidFill>
-                </a:endParaRPr>
-              </a:p>
-            </p:txBody>
-          </p:sp>
-        </p:grpSp>
-        <p:grpSp>
-          <p:nvGrpSpPr>
-            <p:cNvPr id="645" name="Grupp 644">
-              <a:extLst>
-                <a:ext uri="{FF2B5EF4-FFF2-40B4-BE49-F238E27FC236}">
-                  <a16:creationId xmlns:a16="http://schemas.microsoft.com/office/drawing/2014/main" id="{BD4C1D1F-B665-9633-B18C-9D0FD2D29ACA}"/>
-                </a:ext>
-              </a:extLst>
-            </p:cNvPr>
-            <p:cNvGrpSpPr/>
-            <p:nvPr/>
-          </p:nvGrpSpPr>
-          <p:grpSpPr>
-            <a:xfrm>
-              <a:off x="1879176" y="2391213"/>
-              <a:ext cx="270000" cy="183852"/>
-              <a:chOff x="4194450" y="2486027"/>
-              <a:chExt cx="270000" cy="183852"/>
-            </a:xfrm>
-          </p:grpSpPr>
-          <p:sp>
-            <p:nvSpPr>
-              <p:cNvPr id="646" name="Åttahörning 645">
-                <a:extLst>
-                  <a:ext uri="{FF2B5EF4-FFF2-40B4-BE49-F238E27FC236}">
-                    <a16:creationId xmlns:a16="http://schemas.microsoft.com/office/drawing/2014/main" id="{589879CD-08B3-C7C8-90E4-A4E5B082949D}"/>
-                  </a:ext>
-                </a:extLst>
-              </p:cNvPr>
-              <p:cNvSpPr/>
-              <p:nvPr/>
-            </p:nvSpPr>
-            <p:spPr>
-              <a:xfrm>
-                <a:off x="4194450" y="2489879"/>
-                <a:ext cx="270000" cy="180000"/>
-              </a:xfrm>
-              <a:prstGeom prst="octagon">
-                <a:avLst/>
-              </a:prstGeom>
-              <a:solidFill>
-                <a:schemeClr val="bg1"/>
-              </a:solidFill>
-              <a:ln w="6350">
-                <a:solidFill>
-                  <a:schemeClr val="tx1"/>
-                </a:solidFill>
-              </a:ln>
-            </p:spPr>
-            <p:style>
-              <a:lnRef idx="2">
-                <a:schemeClr val="accent1">
-                  <a:shade val="50000"/>
-                </a:schemeClr>
-              </a:lnRef>
-              <a:fillRef idx="1">
-                <a:schemeClr val="accent1"/>
-              </a:fillRef>
-              <a:effectRef idx="0">
-                <a:schemeClr val="accent1"/>
-              </a:effectRef>
-              <a:fontRef idx="minor">
-                <a:schemeClr val="lt1"/>
-              </a:fontRef>
-            </p:style>
-            <p:txBody>
-              <a:bodyPr rtlCol="0" anchor="ctr"/>
-              <a:lstStyle/>
-              <a:p>
-                <a:pPr algn="r"/>
-                <a:endParaRPr lang="sv-SE" sz="500" dirty="0">
-                  <a:solidFill>
-                    <a:schemeClr val="bg1">
-                      <a:lumMod val="50000"/>
-                    </a:schemeClr>
-                  </a:solidFill>
-                </a:endParaRPr>
-              </a:p>
-            </p:txBody>
-          </p:sp>
-          <p:sp>
-            <p:nvSpPr>
-              <p:cNvPr id="647" name="textruta 646">
-                <a:extLst>
-                  <a:ext uri="{FF2B5EF4-FFF2-40B4-BE49-F238E27FC236}">
-                    <a16:creationId xmlns:a16="http://schemas.microsoft.com/office/drawing/2014/main" id="{5AD44A5F-69BE-A2AA-E20D-AB6ACF2E2825}"/>
-                  </a:ext>
-                </a:extLst>
-              </p:cNvPr>
-              <p:cNvSpPr txBox="1"/>
-              <p:nvPr/>
-            </p:nvSpPr>
-            <p:spPr>
-              <a:xfrm>
-                <a:off x="4202377" y="2486027"/>
-                <a:ext cx="259095" cy="76944"/>
-              </a:xfrm>
-              <a:prstGeom prst="rect">
-                <a:avLst/>
-              </a:prstGeom>
-              <a:noFill/>
-              <a:ln>
-                <a:noFill/>
-              </a:ln>
-            </p:spPr>
-            <p:txBody>
-              <a:bodyPr wrap="square" lIns="0" tIns="0" rIns="0" bIns="0" rtlCol="0" anchor="ctr">
-                <a:spAutoFit/>
-              </a:bodyPr>
-              <a:lstStyle/>
-              <a:p>
-                <a:pPr algn="ctr"/>
-                <a:r>
-                  <a:rPr lang="sv-SE" sz="500" i="1" dirty="0" err="1">
-                    <a:solidFill>
-                      <a:schemeClr val="bg1">
-                        <a:lumMod val="50000"/>
-                      </a:schemeClr>
-                    </a:solidFill>
-                  </a:rPr>
-                  <a:t>Other</a:t>
-                </a:r>
-                <a:endParaRPr lang="sv-SE" sz="500" i="1" dirty="0">
-                  <a:solidFill>
-                    <a:schemeClr val="bg1">
-                      <a:lumMod val="50000"/>
-                    </a:schemeClr>
-                  </a:solidFill>
-                </a:endParaRPr>
-              </a:p>
-            </p:txBody>
-          </p:sp>
-        </p:grpSp>
       </p:grpSp>
       <p:sp>
         <p:nvSpPr>
@@ -29586,6 +29205,2047 @@
           </a:p>
         </p:txBody>
       </p:sp>
+      <p:sp>
+        <p:nvSpPr>
+          <p:cNvPr id="4" name="textruta 3">
+            <a:extLst>
+              <a:ext uri="{FF2B5EF4-FFF2-40B4-BE49-F238E27FC236}">
+                <a16:creationId xmlns:a16="http://schemas.microsoft.com/office/drawing/2014/main" id="{DFD3D1EB-F6F8-301A-6A1C-D902F449E3D7}"/>
+              </a:ext>
+            </a:extLst>
+          </p:cNvPr>
+          <p:cNvSpPr txBox="1"/>
+          <p:nvPr/>
+        </p:nvSpPr>
+        <p:spPr>
+          <a:xfrm>
+            <a:off x="4998617" y="930672"/>
+            <a:ext cx="216000" cy="92333"/>
+          </a:xfrm>
+          <a:prstGeom prst="rect">
+            <a:avLst/>
+          </a:prstGeom>
+          <a:noFill/>
+          <a:ln>
+            <a:noFill/>
+          </a:ln>
+        </p:spPr>
+        <p:txBody>
+          <a:bodyPr wrap="square" lIns="0" tIns="0" rIns="0" bIns="0" rtlCol="0" anchor="ctr">
+            <a:spAutoFit/>
+          </a:bodyPr>
+          <a:lstStyle/>
+          <a:p>
+            <a:r>
+              <a:rPr lang="sv-SE" sz="600" b="1" dirty="0"/>
+              <a:t>Saves</a:t>
+            </a:r>
+          </a:p>
+        </p:txBody>
+      </p:sp>
+      <p:sp>
+        <p:nvSpPr>
+          <p:cNvPr id="11" name="Åttahörning 10">
+            <a:extLst>
+              <a:ext uri="{FF2B5EF4-FFF2-40B4-BE49-F238E27FC236}">
+                <a16:creationId xmlns:a16="http://schemas.microsoft.com/office/drawing/2014/main" id="{772E492E-2043-13AE-90AE-06666EE4C902}"/>
+              </a:ext>
+            </a:extLst>
+          </p:cNvPr>
+          <p:cNvSpPr/>
+          <p:nvPr/>
+        </p:nvSpPr>
+        <p:spPr>
+          <a:xfrm>
+            <a:off x="4799337" y="886838"/>
+            <a:ext cx="180000" cy="180000"/>
+          </a:xfrm>
+          <a:prstGeom prst="octagon">
+            <a:avLst/>
+          </a:prstGeom>
+          <a:solidFill>
+            <a:schemeClr val="bg1"/>
+          </a:solidFill>
+          <a:ln w="6350">
+            <a:solidFill>
+              <a:schemeClr val="tx1"/>
+            </a:solidFill>
+          </a:ln>
+        </p:spPr>
+        <p:style>
+          <a:lnRef idx="2">
+            <a:schemeClr val="accent1">
+              <a:shade val="50000"/>
+            </a:schemeClr>
+          </a:lnRef>
+          <a:fillRef idx="1">
+            <a:schemeClr val="accent1"/>
+          </a:fillRef>
+          <a:effectRef idx="0">
+            <a:schemeClr val="accent1"/>
+          </a:effectRef>
+          <a:fontRef idx="minor">
+            <a:schemeClr val="lt1"/>
+          </a:fontRef>
+        </p:style>
+        <p:txBody>
+          <a:bodyPr rtlCol="0" anchor="ctr"/>
+          <a:lstStyle/>
+          <a:p>
+            <a:pPr algn="r"/>
+            <a:endParaRPr lang="sv-SE" sz="500" dirty="0">
+              <a:solidFill>
+                <a:schemeClr val="bg1">
+                  <a:lumMod val="50000"/>
+                </a:schemeClr>
+              </a:solidFill>
+            </a:endParaRPr>
+          </a:p>
+        </p:txBody>
+      </p:sp>
+      <p:sp>
+        <p:nvSpPr>
+          <p:cNvPr id="12" name="textruta 11">
+            <a:extLst>
+              <a:ext uri="{FF2B5EF4-FFF2-40B4-BE49-F238E27FC236}">
+                <a16:creationId xmlns:a16="http://schemas.microsoft.com/office/drawing/2014/main" id="{A768389A-636A-B035-2BD1-F7F155CAC74A}"/>
+              </a:ext>
+            </a:extLst>
+          </p:cNvPr>
+          <p:cNvSpPr txBox="1"/>
+          <p:nvPr/>
+        </p:nvSpPr>
+        <p:spPr>
+          <a:xfrm>
+            <a:off x="6575001" y="925473"/>
+            <a:ext cx="216000" cy="92333"/>
+          </a:xfrm>
+          <a:prstGeom prst="rect">
+            <a:avLst/>
+          </a:prstGeom>
+          <a:noFill/>
+          <a:ln>
+            <a:noFill/>
+          </a:ln>
+        </p:spPr>
+        <p:txBody>
+          <a:bodyPr wrap="square" lIns="0" tIns="0" rIns="0" bIns="0" rtlCol="0" anchor="ctr">
+            <a:spAutoFit/>
+          </a:bodyPr>
+          <a:lstStyle/>
+          <a:p>
+            <a:r>
+              <a:rPr lang="sv-SE" sz="600" b="1" dirty="0"/>
+              <a:t>Saves</a:t>
+            </a:r>
+          </a:p>
+        </p:txBody>
+      </p:sp>
+      <p:sp>
+        <p:nvSpPr>
+          <p:cNvPr id="15" name="Åttahörning 14">
+            <a:extLst>
+              <a:ext uri="{FF2B5EF4-FFF2-40B4-BE49-F238E27FC236}">
+                <a16:creationId xmlns:a16="http://schemas.microsoft.com/office/drawing/2014/main" id="{09C5C503-7931-6519-BDFD-65A22BC73981}"/>
+              </a:ext>
+            </a:extLst>
+          </p:cNvPr>
+          <p:cNvSpPr/>
+          <p:nvPr/>
+        </p:nvSpPr>
+        <p:spPr>
+          <a:xfrm>
+            <a:off x="6375721" y="881639"/>
+            <a:ext cx="180000" cy="180000"/>
+          </a:xfrm>
+          <a:prstGeom prst="octagon">
+            <a:avLst/>
+          </a:prstGeom>
+          <a:solidFill>
+            <a:schemeClr val="bg1"/>
+          </a:solidFill>
+          <a:ln w="6350">
+            <a:solidFill>
+              <a:schemeClr val="tx1"/>
+            </a:solidFill>
+          </a:ln>
+        </p:spPr>
+        <p:style>
+          <a:lnRef idx="2">
+            <a:schemeClr val="accent1">
+              <a:shade val="50000"/>
+            </a:schemeClr>
+          </a:lnRef>
+          <a:fillRef idx="1">
+            <a:schemeClr val="accent1"/>
+          </a:fillRef>
+          <a:effectRef idx="0">
+            <a:schemeClr val="accent1"/>
+          </a:effectRef>
+          <a:fontRef idx="minor">
+            <a:schemeClr val="lt1"/>
+          </a:fontRef>
+        </p:style>
+        <p:txBody>
+          <a:bodyPr rtlCol="0" anchor="ctr"/>
+          <a:lstStyle/>
+          <a:p>
+            <a:pPr algn="r"/>
+            <a:endParaRPr lang="sv-SE" sz="500" dirty="0">
+              <a:solidFill>
+                <a:schemeClr val="bg1">
+                  <a:lumMod val="50000"/>
+                </a:schemeClr>
+              </a:solidFill>
+            </a:endParaRPr>
+          </a:p>
+        </p:txBody>
+      </p:sp>
+      <p:sp>
+        <p:nvSpPr>
+          <p:cNvPr id="16" name="textruta 15">
+            <a:extLst>
+              <a:ext uri="{FF2B5EF4-FFF2-40B4-BE49-F238E27FC236}">
+                <a16:creationId xmlns:a16="http://schemas.microsoft.com/office/drawing/2014/main" id="{422F0E72-7DF0-7215-381B-08B8FD5D31C8}"/>
+              </a:ext>
+            </a:extLst>
+          </p:cNvPr>
+          <p:cNvSpPr txBox="1"/>
+          <p:nvPr/>
+        </p:nvSpPr>
+        <p:spPr>
+          <a:xfrm>
+            <a:off x="1489948" y="930672"/>
+            <a:ext cx="216000" cy="92333"/>
+          </a:xfrm>
+          <a:prstGeom prst="rect">
+            <a:avLst/>
+          </a:prstGeom>
+          <a:noFill/>
+          <a:ln>
+            <a:noFill/>
+          </a:ln>
+        </p:spPr>
+        <p:txBody>
+          <a:bodyPr wrap="square" lIns="0" tIns="0" rIns="0" bIns="0" rtlCol="0" anchor="ctr">
+            <a:spAutoFit/>
+          </a:bodyPr>
+          <a:lstStyle/>
+          <a:p>
+            <a:r>
+              <a:rPr lang="sv-SE" sz="600" b="1" dirty="0"/>
+              <a:t>Saves</a:t>
+            </a:r>
+          </a:p>
+        </p:txBody>
+      </p:sp>
+      <p:sp>
+        <p:nvSpPr>
+          <p:cNvPr id="18" name="Åttahörning 17">
+            <a:extLst>
+              <a:ext uri="{FF2B5EF4-FFF2-40B4-BE49-F238E27FC236}">
+                <a16:creationId xmlns:a16="http://schemas.microsoft.com/office/drawing/2014/main" id="{36CD4506-780C-43D2-DBEB-9ECC24A02F42}"/>
+              </a:ext>
+            </a:extLst>
+          </p:cNvPr>
+          <p:cNvSpPr/>
+          <p:nvPr/>
+        </p:nvSpPr>
+        <p:spPr>
+          <a:xfrm>
+            <a:off x="1290668" y="886838"/>
+            <a:ext cx="180000" cy="180000"/>
+          </a:xfrm>
+          <a:prstGeom prst="octagon">
+            <a:avLst/>
+          </a:prstGeom>
+          <a:solidFill>
+            <a:schemeClr val="bg1"/>
+          </a:solidFill>
+          <a:ln w="6350">
+            <a:solidFill>
+              <a:schemeClr val="tx1"/>
+            </a:solidFill>
+          </a:ln>
+        </p:spPr>
+        <p:style>
+          <a:lnRef idx="2">
+            <a:schemeClr val="accent1">
+              <a:shade val="50000"/>
+            </a:schemeClr>
+          </a:lnRef>
+          <a:fillRef idx="1">
+            <a:schemeClr val="accent1"/>
+          </a:fillRef>
+          <a:effectRef idx="0">
+            <a:schemeClr val="accent1"/>
+          </a:effectRef>
+          <a:fontRef idx="minor">
+            <a:schemeClr val="lt1"/>
+          </a:fontRef>
+        </p:style>
+        <p:txBody>
+          <a:bodyPr rtlCol="0" anchor="ctr"/>
+          <a:lstStyle/>
+          <a:p>
+            <a:pPr algn="r"/>
+            <a:endParaRPr lang="sv-SE" sz="500" dirty="0">
+              <a:solidFill>
+                <a:schemeClr val="bg1">
+                  <a:lumMod val="50000"/>
+                </a:schemeClr>
+              </a:solidFill>
+            </a:endParaRPr>
+          </a:p>
+        </p:txBody>
+      </p:sp>
+      <p:sp>
+        <p:nvSpPr>
+          <p:cNvPr id="20" name="textruta 19">
+            <a:extLst>
+              <a:ext uri="{FF2B5EF4-FFF2-40B4-BE49-F238E27FC236}">
+                <a16:creationId xmlns:a16="http://schemas.microsoft.com/office/drawing/2014/main" id="{21D895C2-A2D9-F190-4BDC-7E734D0E0D3F}"/>
+              </a:ext>
+            </a:extLst>
+          </p:cNvPr>
+          <p:cNvSpPr txBox="1"/>
+          <p:nvPr/>
+        </p:nvSpPr>
+        <p:spPr>
+          <a:xfrm>
+            <a:off x="3066332" y="925473"/>
+            <a:ext cx="216000" cy="92333"/>
+          </a:xfrm>
+          <a:prstGeom prst="rect">
+            <a:avLst/>
+          </a:prstGeom>
+          <a:noFill/>
+          <a:ln>
+            <a:noFill/>
+          </a:ln>
+        </p:spPr>
+        <p:txBody>
+          <a:bodyPr wrap="square" lIns="0" tIns="0" rIns="0" bIns="0" rtlCol="0" anchor="ctr">
+            <a:spAutoFit/>
+          </a:bodyPr>
+          <a:lstStyle/>
+          <a:p>
+            <a:r>
+              <a:rPr lang="sv-SE" sz="600" b="1" dirty="0"/>
+              <a:t>Saves</a:t>
+            </a:r>
+          </a:p>
+        </p:txBody>
+      </p:sp>
+      <p:sp>
+        <p:nvSpPr>
+          <p:cNvPr id="24" name="Åttahörning 23">
+            <a:extLst>
+              <a:ext uri="{FF2B5EF4-FFF2-40B4-BE49-F238E27FC236}">
+                <a16:creationId xmlns:a16="http://schemas.microsoft.com/office/drawing/2014/main" id="{D14B3586-4D3F-2421-7052-5CE76A08C557}"/>
+              </a:ext>
+            </a:extLst>
+          </p:cNvPr>
+          <p:cNvSpPr/>
+          <p:nvPr/>
+        </p:nvSpPr>
+        <p:spPr>
+          <a:xfrm>
+            <a:off x="2867052" y="881639"/>
+            <a:ext cx="180000" cy="180000"/>
+          </a:xfrm>
+          <a:prstGeom prst="octagon">
+            <a:avLst/>
+          </a:prstGeom>
+          <a:solidFill>
+            <a:schemeClr val="bg1"/>
+          </a:solidFill>
+          <a:ln w="6350">
+            <a:solidFill>
+              <a:schemeClr val="tx1"/>
+            </a:solidFill>
+          </a:ln>
+        </p:spPr>
+        <p:style>
+          <a:lnRef idx="2">
+            <a:schemeClr val="accent1">
+              <a:shade val="50000"/>
+            </a:schemeClr>
+          </a:lnRef>
+          <a:fillRef idx="1">
+            <a:schemeClr val="accent1"/>
+          </a:fillRef>
+          <a:effectRef idx="0">
+            <a:schemeClr val="accent1"/>
+          </a:effectRef>
+          <a:fontRef idx="minor">
+            <a:schemeClr val="lt1"/>
+          </a:fontRef>
+        </p:style>
+        <p:txBody>
+          <a:bodyPr rtlCol="0" anchor="ctr"/>
+          <a:lstStyle/>
+          <a:p>
+            <a:pPr algn="r"/>
+            <a:endParaRPr lang="sv-SE" sz="500" dirty="0">
+              <a:solidFill>
+                <a:schemeClr val="bg1">
+                  <a:lumMod val="50000"/>
+                </a:schemeClr>
+              </a:solidFill>
+            </a:endParaRPr>
+          </a:p>
+        </p:txBody>
+      </p:sp>
+      <p:sp>
+        <p:nvSpPr>
+          <p:cNvPr id="29" name="Åttahörning 28">
+            <a:extLst>
+              <a:ext uri="{FF2B5EF4-FFF2-40B4-BE49-F238E27FC236}">
+                <a16:creationId xmlns:a16="http://schemas.microsoft.com/office/drawing/2014/main" id="{CAA5564A-1279-41E0-E046-54D4124835A6}"/>
+              </a:ext>
+            </a:extLst>
+          </p:cNvPr>
+          <p:cNvSpPr/>
+          <p:nvPr/>
+        </p:nvSpPr>
+        <p:spPr>
+          <a:xfrm>
+            <a:off x="1634456" y="2392086"/>
+            <a:ext cx="270000" cy="180000"/>
+          </a:xfrm>
+          <a:prstGeom prst="octagon">
+            <a:avLst/>
+          </a:prstGeom>
+          <a:solidFill>
+            <a:schemeClr val="bg1"/>
+          </a:solidFill>
+          <a:ln w="6350">
+            <a:solidFill>
+              <a:schemeClr val="tx1"/>
+            </a:solidFill>
+          </a:ln>
+        </p:spPr>
+        <p:style>
+          <a:lnRef idx="2">
+            <a:schemeClr val="accent1">
+              <a:shade val="50000"/>
+            </a:schemeClr>
+          </a:lnRef>
+          <a:fillRef idx="1">
+            <a:schemeClr val="accent1"/>
+          </a:fillRef>
+          <a:effectRef idx="0">
+            <a:schemeClr val="accent1"/>
+          </a:effectRef>
+          <a:fontRef idx="minor">
+            <a:schemeClr val="lt1"/>
+          </a:fontRef>
+        </p:style>
+        <p:txBody>
+          <a:bodyPr rtlCol="0" anchor="ctr"/>
+          <a:lstStyle/>
+          <a:p>
+            <a:pPr algn="r"/>
+            <a:endParaRPr lang="sv-SE" sz="500" dirty="0">
+              <a:solidFill>
+                <a:schemeClr val="bg1">
+                  <a:lumMod val="50000"/>
+                </a:schemeClr>
+              </a:solidFill>
+            </a:endParaRPr>
+          </a:p>
+        </p:txBody>
+      </p:sp>
+      <p:sp>
+        <p:nvSpPr>
+          <p:cNvPr id="30" name="textruta 29">
+            <a:extLst>
+              <a:ext uri="{FF2B5EF4-FFF2-40B4-BE49-F238E27FC236}">
+                <a16:creationId xmlns:a16="http://schemas.microsoft.com/office/drawing/2014/main" id="{63210488-2A99-9043-FED5-DDD3943FE542}"/>
+              </a:ext>
+            </a:extLst>
+          </p:cNvPr>
+          <p:cNvSpPr txBox="1"/>
+          <p:nvPr/>
+        </p:nvSpPr>
+        <p:spPr>
+          <a:xfrm>
+            <a:off x="1642383" y="2388234"/>
+            <a:ext cx="259095" cy="76944"/>
+          </a:xfrm>
+          <a:prstGeom prst="rect">
+            <a:avLst/>
+          </a:prstGeom>
+          <a:noFill/>
+          <a:ln>
+            <a:noFill/>
+          </a:ln>
+        </p:spPr>
+        <p:txBody>
+          <a:bodyPr wrap="square" lIns="0" tIns="0" rIns="0" bIns="0" rtlCol="0" anchor="ctr">
+            <a:spAutoFit/>
+          </a:bodyPr>
+          <a:lstStyle/>
+          <a:p>
+            <a:pPr algn="ctr"/>
+            <a:r>
+              <a:rPr lang="sv-SE" sz="500" i="1" dirty="0" err="1">
+                <a:solidFill>
+                  <a:schemeClr val="bg1">
+                    <a:lumMod val="50000"/>
+                  </a:schemeClr>
+                </a:solidFill>
+              </a:rPr>
+              <a:t>Armor</a:t>
+            </a:r>
+            <a:endParaRPr lang="sv-SE" sz="500" i="1" dirty="0">
+              <a:solidFill>
+                <a:schemeClr val="bg1">
+                  <a:lumMod val="50000"/>
+                </a:schemeClr>
+              </a:solidFill>
+            </a:endParaRPr>
+          </a:p>
+        </p:txBody>
+      </p:sp>
+      <p:sp>
+        <p:nvSpPr>
+          <p:cNvPr id="26" name="Ellips 25">
+            <a:extLst>
+              <a:ext uri="{FF2B5EF4-FFF2-40B4-BE49-F238E27FC236}">
+                <a16:creationId xmlns:a16="http://schemas.microsoft.com/office/drawing/2014/main" id="{DF8A0483-F9B6-2A9C-0ABA-57901AC033AC}"/>
+              </a:ext>
+            </a:extLst>
+          </p:cNvPr>
+          <p:cNvSpPr/>
+          <p:nvPr/>
+        </p:nvSpPr>
+        <p:spPr>
+          <a:xfrm>
+            <a:off x="1599746" y="2445200"/>
+            <a:ext cx="72000" cy="72000"/>
+          </a:xfrm>
+          <a:prstGeom prst="ellipse">
+            <a:avLst/>
+          </a:prstGeom>
+          <a:solidFill>
+            <a:schemeClr val="bg1"/>
+          </a:solidFill>
+          <a:ln w="6350">
+            <a:solidFill>
+              <a:schemeClr val="tx1"/>
+            </a:solidFill>
+          </a:ln>
+        </p:spPr>
+        <p:style>
+          <a:lnRef idx="2">
+            <a:schemeClr val="accent1">
+              <a:shade val="50000"/>
+            </a:schemeClr>
+          </a:lnRef>
+          <a:fillRef idx="1">
+            <a:schemeClr val="accent1"/>
+          </a:fillRef>
+          <a:effectRef idx="0">
+            <a:schemeClr val="accent1"/>
+          </a:effectRef>
+          <a:fontRef idx="minor">
+            <a:schemeClr val="lt1"/>
+          </a:fontRef>
+        </p:style>
+        <p:txBody>
+          <a:bodyPr rtlCol="0" anchor="ctr"/>
+          <a:lstStyle/>
+          <a:p>
+            <a:pPr algn="ctr"/>
+            <a:endParaRPr lang="sv-SE" dirty="0"/>
+          </a:p>
+        </p:txBody>
+      </p:sp>
+      <p:sp>
+        <p:nvSpPr>
+          <p:cNvPr id="32" name="Åttahörning 31">
+            <a:extLst>
+              <a:ext uri="{FF2B5EF4-FFF2-40B4-BE49-F238E27FC236}">
+                <a16:creationId xmlns:a16="http://schemas.microsoft.com/office/drawing/2014/main" id="{6A0EA4D5-BE2F-BA61-1EA3-BBA49AFDDD76}"/>
+              </a:ext>
+            </a:extLst>
+          </p:cNvPr>
+          <p:cNvSpPr/>
+          <p:nvPr/>
+        </p:nvSpPr>
+        <p:spPr>
+          <a:xfrm>
+            <a:off x="1956449" y="2392750"/>
+            <a:ext cx="270000" cy="180000"/>
+          </a:xfrm>
+          <a:prstGeom prst="octagon">
+            <a:avLst/>
+          </a:prstGeom>
+          <a:solidFill>
+            <a:schemeClr val="bg1"/>
+          </a:solidFill>
+          <a:ln w="6350">
+            <a:solidFill>
+              <a:schemeClr val="tx1"/>
+            </a:solidFill>
+          </a:ln>
+        </p:spPr>
+        <p:style>
+          <a:lnRef idx="2">
+            <a:schemeClr val="accent1">
+              <a:shade val="50000"/>
+            </a:schemeClr>
+          </a:lnRef>
+          <a:fillRef idx="1">
+            <a:schemeClr val="accent1"/>
+          </a:fillRef>
+          <a:effectRef idx="0">
+            <a:schemeClr val="accent1"/>
+          </a:effectRef>
+          <a:fontRef idx="minor">
+            <a:schemeClr val="lt1"/>
+          </a:fontRef>
+        </p:style>
+        <p:txBody>
+          <a:bodyPr rtlCol="0" anchor="ctr"/>
+          <a:lstStyle/>
+          <a:p>
+            <a:pPr algn="r"/>
+            <a:endParaRPr lang="sv-SE" sz="500" dirty="0">
+              <a:solidFill>
+                <a:schemeClr val="bg1">
+                  <a:lumMod val="50000"/>
+                </a:schemeClr>
+              </a:solidFill>
+            </a:endParaRPr>
+          </a:p>
+        </p:txBody>
+      </p:sp>
+      <p:sp>
+        <p:nvSpPr>
+          <p:cNvPr id="33" name="textruta 32">
+            <a:extLst>
+              <a:ext uri="{FF2B5EF4-FFF2-40B4-BE49-F238E27FC236}">
+                <a16:creationId xmlns:a16="http://schemas.microsoft.com/office/drawing/2014/main" id="{00C23091-1B33-86CA-9CD4-064DF8D9F332}"/>
+              </a:ext>
+            </a:extLst>
+          </p:cNvPr>
+          <p:cNvSpPr txBox="1"/>
+          <p:nvPr/>
+        </p:nvSpPr>
+        <p:spPr>
+          <a:xfrm>
+            <a:off x="1964376" y="2388898"/>
+            <a:ext cx="259095" cy="76944"/>
+          </a:xfrm>
+          <a:prstGeom prst="rect">
+            <a:avLst/>
+          </a:prstGeom>
+          <a:noFill/>
+          <a:ln>
+            <a:noFill/>
+          </a:ln>
+        </p:spPr>
+        <p:txBody>
+          <a:bodyPr wrap="square" lIns="0" tIns="0" rIns="0" bIns="0" rtlCol="0" anchor="ctr">
+            <a:spAutoFit/>
+          </a:bodyPr>
+          <a:lstStyle/>
+          <a:p>
+            <a:pPr algn="ctr"/>
+            <a:r>
+              <a:rPr lang="sv-SE" sz="500" i="1" dirty="0" err="1">
+                <a:solidFill>
+                  <a:schemeClr val="bg1">
+                    <a:lumMod val="50000"/>
+                  </a:schemeClr>
+                </a:solidFill>
+              </a:rPr>
+              <a:t>Shield</a:t>
+            </a:r>
+            <a:endParaRPr lang="sv-SE" sz="500" i="1" dirty="0">
+              <a:solidFill>
+                <a:schemeClr val="bg1">
+                  <a:lumMod val="50000"/>
+                </a:schemeClr>
+              </a:solidFill>
+            </a:endParaRPr>
+          </a:p>
+        </p:txBody>
+      </p:sp>
+      <p:sp>
+        <p:nvSpPr>
+          <p:cNvPr id="34" name="Ellips 33">
+            <a:extLst>
+              <a:ext uri="{FF2B5EF4-FFF2-40B4-BE49-F238E27FC236}">
+                <a16:creationId xmlns:a16="http://schemas.microsoft.com/office/drawing/2014/main" id="{A5E0E5CB-3CFF-9AB8-CDC6-8066926E82D4}"/>
+              </a:ext>
+            </a:extLst>
+          </p:cNvPr>
+          <p:cNvSpPr/>
+          <p:nvPr/>
+        </p:nvSpPr>
+        <p:spPr>
+          <a:xfrm>
+            <a:off x="1921739" y="2445864"/>
+            <a:ext cx="72000" cy="72000"/>
+          </a:xfrm>
+          <a:prstGeom prst="ellipse">
+            <a:avLst/>
+          </a:prstGeom>
+          <a:solidFill>
+            <a:schemeClr val="bg1"/>
+          </a:solidFill>
+          <a:ln w="6350">
+            <a:solidFill>
+              <a:schemeClr val="tx1"/>
+            </a:solidFill>
+          </a:ln>
+        </p:spPr>
+        <p:style>
+          <a:lnRef idx="2">
+            <a:schemeClr val="accent1">
+              <a:shade val="50000"/>
+            </a:schemeClr>
+          </a:lnRef>
+          <a:fillRef idx="1">
+            <a:schemeClr val="accent1"/>
+          </a:fillRef>
+          <a:effectRef idx="0">
+            <a:schemeClr val="accent1"/>
+          </a:effectRef>
+          <a:fontRef idx="minor">
+            <a:schemeClr val="lt1"/>
+          </a:fontRef>
+        </p:style>
+        <p:txBody>
+          <a:bodyPr rtlCol="0" anchor="ctr"/>
+          <a:lstStyle/>
+          <a:p>
+            <a:pPr algn="ctr"/>
+            <a:endParaRPr lang="sv-SE" dirty="0"/>
+          </a:p>
+        </p:txBody>
+      </p:sp>
+      <p:sp>
+        <p:nvSpPr>
+          <p:cNvPr id="47" name="Åttahörning 46">
+            <a:extLst>
+              <a:ext uri="{FF2B5EF4-FFF2-40B4-BE49-F238E27FC236}">
+                <a16:creationId xmlns:a16="http://schemas.microsoft.com/office/drawing/2014/main" id="{48A68383-C50A-9B1F-EB7C-B02DDA1FF786}"/>
+              </a:ext>
+            </a:extLst>
+          </p:cNvPr>
+          <p:cNvSpPr/>
+          <p:nvPr/>
+        </p:nvSpPr>
+        <p:spPr>
+          <a:xfrm>
+            <a:off x="988300" y="2392086"/>
+            <a:ext cx="270000" cy="180000"/>
+          </a:xfrm>
+          <a:prstGeom prst="octagon">
+            <a:avLst/>
+          </a:prstGeom>
+          <a:solidFill>
+            <a:schemeClr val="bg1"/>
+          </a:solidFill>
+          <a:ln w="6350">
+            <a:solidFill>
+              <a:schemeClr val="tx1"/>
+            </a:solidFill>
+          </a:ln>
+        </p:spPr>
+        <p:style>
+          <a:lnRef idx="2">
+            <a:schemeClr val="accent1">
+              <a:shade val="50000"/>
+            </a:schemeClr>
+          </a:lnRef>
+          <a:fillRef idx="1">
+            <a:schemeClr val="accent1"/>
+          </a:fillRef>
+          <a:effectRef idx="0">
+            <a:schemeClr val="accent1"/>
+          </a:effectRef>
+          <a:fontRef idx="minor">
+            <a:schemeClr val="lt1"/>
+          </a:fontRef>
+        </p:style>
+        <p:txBody>
+          <a:bodyPr rtlCol="0" anchor="ctr"/>
+          <a:lstStyle/>
+          <a:p>
+            <a:pPr algn="r"/>
+            <a:endParaRPr lang="sv-SE" sz="500" dirty="0">
+              <a:solidFill>
+                <a:schemeClr val="bg1">
+                  <a:lumMod val="50000"/>
+                </a:schemeClr>
+              </a:solidFill>
+            </a:endParaRPr>
+          </a:p>
+        </p:txBody>
+      </p:sp>
+      <p:sp>
+        <p:nvSpPr>
+          <p:cNvPr id="48" name="textruta 47">
+            <a:extLst>
+              <a:ext uri="{FF2B5EF4-FFF2-40B4-BE49-F238E27FC236}">
+                <a16:creationId xmlns:a16="http://schemas.microsoft.com/office/drawing/2014/main" id="{DD4B325F-D923-07D2-3BA8-F74F9DA25960}"/>
+              </a:ext>
+            </a:extLst>
+          </p:cNvPr>
+          <p:cNvSpPr txBox="1"/>
+          <p:nvPr/>
+        </p:nvSpPr>
+        <p:spPr>
+          <a:xfrm>
+            <a:off x="996227" y="2388234"/>
+            <a:ext cx="259095" cy="76944"/>
+          </a:xfrm>
+          <a:prstGeom prst="rect">
+            <a:avLst/>
+          </a:prstGeom>
+          <a:noFill/>
+          <a:ln>
+            <a:noFill/>
+          </a:ln>
+        </p:spPr>
+        <p:txBody>
+          <a:bodyPr wrap="square" lIns="0" tIns="0" rIns="0" bIns="0" rtlCol="0" anchor="ctr">
+            <a:spAutoFit/>
+          </a:bodyPr>
+          <a:lstStyle/>
+          <a:p>
+            <a:pPr algn="ctr"/>
+            <a:r>
+              <a:rPr lang="sv-SE" sz="500" i="1" dirty="0" err="1">
+                <a:solidFill>
+                  <a:schemeClr val="bg1">
+                    <a:lumMod val="50000"/>
+                  </a:schemeClr>
+                </a:solidFill>
+              </a:rPr>
+              <a:t>Base</a:t>
+            </a:r>
+            <a:endParaRPr lang="sv-SE" sz="500" i="1" dirty="0">
+              <a:solidFill>
+                <a:schemeClr val="bg1">
+                  <a:lumMod val="50000"/>
+                </a:schemeClr>
+              </a:solidFill>
+            </a:endParaRPr>
+          </a:p>
+        </p:txBody>
+      </p:sp>
+      <p:sp>
+        <p:nvSpPr>
+          <p:cNvPr id="50" name="Åttahörning 49">
+            <a:extLst>
+              <a:ext uri="{FF2B5EF4-FFF2-40B4-BE49-F238E27FC236}">
+                <a16:creationId xmlns:a16="http://schemas.microsoft.com/office/drawing/2014/main" id="{F9836BCB-E1B3-CC1A-323C-9B5D78F1D4F4}"/>
+              </a:ext>
+            </a:extLst>
+          </p:cNvPr>
+          <p:cNvSpPr/>
+          <p:nvPr/>
+        </p:nvSpPr>
+        <p:spPr>
+          <a:xfrm>
+            <a:off x="1310293" y="2392750"/>
+            <a:ext cx="270000" cy="180000"/>
+          </a:xfrm>
+          <a:prstGeom prst="octagon">
+            <a:avLst/>
+          </a:prstGeom>
+          <a:solidFill>
+            <a:schemeClr val="bg1"/>
+          </a:solidFill>
+          <a:ln w="6350">
+            <a:solidFill>
+              <a:schemeClr val="tx1"/>
+            </a:solidFill>
+          </a:ln>
+        </p:spPr>
+        <p:style>
+          <a:lnRef idx="2">
+            <a:schemeClr val="accent1">
+              <a:shade val="50000"/>
+            </a:schemeClr>
+          </a:lnRef>
+          <a:fillRef idx="1">
+            <a:schemeClr val="accent1"/>
+          </a:fillRef>
+          <a:effectRef idx="0">
+            <a:schemeClr val="accent1"/>
+          </a:effectRef>
+          <a:fontRef idx="minor">
+            <a:schemeClr val="lt1"/>
+          </a:fontRef>
+        </p:style>
+        <p:txBody>
+          <a:bodyPr rtlCol="0" anchor="ctr"/>
+          <a:lstStyle/>
+          <a:p>
+            <a:pPr algn="r"/>
+            <a:endParaRPr lang="sv-SE" sz="500" dirty="0">
+              <a:solidFill>
+                <a:schemeClr val="bg1">
+                  <a:lumMod val="50000"/>
+                </a:schemeClr>
+              </a:solidFill>
+            </a:endParaRPr>
+          </a:p>
+        </p:txBody>
+      </p:sp>
+      <p:sp>
+        <p:nvSpPr>
+          <p:cNvPr id="51" name="textruta 50">
+            <a:extLst>
+              <a:ext uri="{FF2B5EF4-FFF2-40B4-BE49-F238E27FC236}">
+                <a16:creationId xmlns:a16="http://schemas.microsoft.com/office/drawing/2014/main" id="{13601369-ABF9-D1CB-B71F-B52B74A6EB4D}"/>
+              </a:ext>
+            </a:extLst>
+          </p:cNvPr>
+          <p:cNvSpPr txBox="1"/>
+          <p:nvPr/>
+        </p:nvSpPr>
+        <p:spPr>
+          <a:xfrm>
+            <a:off x="1318220" y="2388898"/>
+            <a:ext cx="259095" cy="76944"/>
+          </a:xfrm>
+          <a:prstGeom prst="rect">
+            <a:avLst/>
+          </a:prstGeom>
+          <a:noFill/>
+          <a:ln>
+            <a:noFill/>
+          </a:ln>
+        </p:spPr>
+        <p:txBody>
+          <a:bodyPr wrap="square" lIns="0" tIns="0" rIns="0" bIns="0" rtlCol="0" anchor="ctr">
+            <a:spAutoFit/>
+          </a:bodyPr>
+          <a:lstStyle/>
+          <a:p>
+            <a:pPr algn="ctr"/>
+            <a:r>
+              <a:rPr lang="sv-SE" sz="500" i="1" dirty="0">
+                <a:solidFill>
+                  <a:schemeClr val="bg1">
+                    <a:lumMod val="50000"/>
+                  </a:schemeClr>
+                </a:solidFill>
+              </a:rPr>
+              <a:t>Agility</a:t>
+            </a:r>
+          </a:p>
+        </p:txBody>
+      </p:sp>
+      <p:sp>
+        <p:nvSpPr>
+          <p:cNvPr id="52" name="Ellips 51">
+            <a:extLst>
+              <a:ext uri="{FF2B5EF4-FFF2-40B4-BE49-F238E27FC236}">
+                <a16:creationId xmlns:a16="http://schemas.microsoft.com/office/drawing/2014/main" id="{92375A69-7B75-F05B-6863-331A41E19959}"/>
+              </a:ext>
+            </a:extLst>
+          </p:cNvPr>
+          <p:cNvSpPr/>
+          <p:nvPr/>
+        </p:nvSpPr>
+        <p:spPr>
+          <a:xfrm>
+            <a:off x="1275583" y="2445864"/>
+            <a:ext cx="72000" cy="72000"/>
+          </a:xfrm>
+          <a:prstGeom prst="ellipse">
+            <a:avLst/>
+          </a:prstGeom>
+          <a:solidFill>
+            <a:schemeClr val="bg1"/>
+          </a:solidFill>
+          <a:ln w="6350">
+            <a:solidFill>
+              <a:schemeClr val="tx1"/>
+            </a:solidFill>
+          </a:ln>
+        </p:spPr>
+        <p:style>
+          <a:lnRef idx="2">
+            <a:schemeClr val="accent1">
+              <a:shade val="50000"/>
+            </a:schemeClr>
+          </a:lnRef>
+          <a:fillRef idx="1">
+            <a:schemeClr val="accent1"/>
+          </a:fillRef>
+          <a:effectRef idx="0">
+            <a:schemeClr val="accent1"/>
+          </a:effectRef>
+          <a:fontRef idx="minor">
+            <a:schemeClr val="lt1"/>
+          </a:fontRef>
+        </p:style>
+        <p:txBody>
+          <a:bodyPr rtlCol="0" anchor="ctr"/>
+          <a:lstStyle/>
+          <a:p>
+            <a:pPr algn="ctr"/>
+            <a:endParaRPr lang="sv-SE" dirty="0"/>
+          </a:p>
+        </p:txBody>
+      </p:sp>
+      <p:grpSp>
+        <p:nvGrpSpPr>
+          <p:cNvPr id="493" name="Grupp 492">
+            <a:extLst>
+              <a:ext uri="{FF2B5EF4-FFF2-40B4-BE49-F238E27FC236}">
+                <a16:creationId xmlns:a16="http://schemas.microsoft.com/office/drawing/2014/main" id="{3967A31F-2A4B-6529-136B-4B08B24092EA}"/>
+              </a:ext>
+            </a:extLst>
+          </p:cNvPr>
+          <p:cNvGrpSpPr/>
+          <p:nvPr/>
+        </p:nvGrpSpPr>
+        <p:grpSpPr>
+          <a:xfrm>
+            <a:off x="1081409" y="2004182"/>
+            <a:ext cx="1624032" cy="468780"/>
+            <a:chOff x="691437" y="2365045"/>
+            <a:chExt cx="1624032" cy="468780"/>
+          </a:xfrm>
+        </p:grpSpPr>
+        <p:grpSp>
+          <p:nvGrpSpPr>
+            <p:cNvPr id="494" name="Grupp 493">
+              <a:extLst>
+                <a:ext uri="{FF2B5EF4-FFF2-40B4-BE49-F238E27FC236}">
+                  <a16:creationId xmlns:a16="http://schemas.microsoft.com/office/drawing/2014/main" id="{E46150B7-153D-9CA2-11F7-E537ACDB86F6}"/>
+                </a:ext>
+              </a:extLst>
+            </p:cNvPr>
+            <p:cNvGrpSpPr/>
+            <p:nvPr/>
+          </p:nvGrpSpPr>
+          <p:grpSpPr>
+            <a:xfrm>
+              <a:off x="1035347" y="2365045"/>
+              <a:ext cx="1280122" cy="468780"/>
+              <a:chOff x="1037790" y="2091321"/>
+              <a:chExt cx="1280122" cy="468780"/>
+            </a:xfrm>
+          </p:grpSpPr>
+          <p:grpSp>
+            <p:nvGrpSpPr>
+              <p:cNvPr id="497" name="Grupp 496">
+                <a:extLst>
+                  <a:ext uri="{FF2B5EF4-FFF2-40B4-BE49-F238E27FC236}">
+                    <a16:creationId xmlns:a16="http://schemas.microsoft.com/office/drawing/2014/main" id="{8592D9C4-2210-318C-EE48-EE758766D1F2}"/>
+                  </a:ext>
+                </a:extLst>
+              </p:cNvPr>
+              <p:cNvGrpSpPr/>
+              <p:nvPr/>
+            </p:nvGrpSpPr>
+            <p:grpSpPr>
+              <a:xfrm>
+                <a:off x="1037790" y="2091321"/>
+                <a:ext cx="1280122" cy="468780"/>
+                <a:chOff x="749744" y="2230614"/>
+                <a:chExt cx="1280122" cy="468780"/>
+              </a:xfrm>
+            </p:grpSpPr>
+            <p:grpSp>
+              <p:nvGrpSpPr>
+                <p:cNvPr id="499" name="Grupp 498">
+                  <a:extLst>
+                    <a:ext uri="{FF2B5EF4-FFF2-40B4-BE49-F238E27FC236}">
+                      <a16:creationId xmlns:a16="http://schemas.microsoft.com/office/drawing/2014/main" id="{286C2E12-0CB6-453D-E3CA-12065B02DD89}"/>
+                    </a:ext>
+                  </a:extLst>
+                </p:cNvPr>
+                <p:cNvGrpSpPr/>
+                <p:nvPr/>
+              </p:nvGrpSpPr>
+              <p:grpSpPr>
+                <a:xfrm>
+                  <a:off x="749744" y="2337107"/>
+                  <a:ext cx="1280122" cy="362287"/>
+                  <a:chOff x="749612" y="2356479"/>
+                  <a:chExt cx="1280122" cy="362287"/>
+                </a:xfrm>
+              </p:grpSpPr>
+              <p:grpSp>
+                <p:nvGrpSpPr>
+                  <p:cNvPr id="503" name="Grupp 502">
+                    <a:extLst>
+                      <a:ext uri="{FF2B5EF4-FFF2-40B4-BE49-F238E27FC236}">
+                        <a16:creationId xmlns:a16="http://schemas.microsoft.com/office/drawing/2014/main" id="{D125E8E4-92DC-6C7F-599F-15A56DA84998}"/>
+                      </a:ext>
+                    </a:extLst>
+                  </p:cNvPr>
+                  <p:cNvGrpSpPr/>
+                  <p:nvPr/>
+                </p:nvGrpSpPr>
+                <p:grpSpPr>
+                  <a:xfrm>
+                    <a:off x="1064426" y="2402746"/>
+                    <a:ext cx="581268" cy="313687"/>
+                    <a:chOff x="1548411" y="1520484"/>
+                    <a:chExt cx="581268" cy="313687"/>
+                  </a:xfrm>
+                </p:grpSpPr>
+                <p:sp>
+                  <p:nvSpPr>
+                    <p:cNvPr id="77" name="Åttahörning 76">
+                      <a:extLst>
+                        <a:ext uri="{FF2B5EF4-FFF2-40B4-BE49-F238E27FC236}">
+                          <a16:creationId xmlns:a16="http://schemas.microsoft.com/office/drawing/2014/main" id="{E694DCB0-93A2-337B-701B-6D35D2F62B81}"/>
+                        </a:ext>
+                      </a:extLst>
+                    </p:cNvPr>
+                    <p:cNvSpPr/>
+                    <p:nvPr/>
+                  </p:nvSpPr>
+                  <p:spPr>
+                    <a:xfrm>
+                      <a:off x="1548411" y="1654171"/>
+                      <a:ext cx="270000" cy="180000"/>
+                    </a:xfrm>
+                    <a:prstGeom prst="octagon">
+                      <a:avLst/>
+                    </a:prstGeom>
+                    <a:solidFill>
+                      <a:schemeClr val="bg1"/>
+                    </a:solidFill>
+                    <a:ln w="6350">
+                      <a:solidFill>
+                        <a:schemeClr val="tx1"/>
+                      </a:solidFill>
+                    </a:ln>
+                  </p:spPr>
+                  <p:style>
+                    <a:lnRef idx="2">
+                      <a:schemeClr val="accent1">
+                        <a:shade val="50000"/>
+                      </a:schemeClr>
+                    </a:lnRef>
+                    <a:fillRef idx="1">
+                      <a:schemeClr val="accent1"/>
+                    </a:fillRef>
+                    <a:effectRef idx="0">
+                      <a:schemeClr val="accent1"/>
+                    </a:effectRef>
+                    <a:fontRef idx="minor">
+                      <a:schemeClr val="lt1"/>
+                    </a:fontRef>
+                  </p:style>
+                  <p:txBody>
+                    <a:bodyPr rtlCol="0" anchor="ctr"/>
+                    <a:lstStyle/>
+                    <a:p>
+                      <a:pPr algn="r"/>
+                      <a:endParaRPr lang="sv-SE" sz="500" dirty="0">
+                        <a:solidFill>
+                          <a:schemeClr val="bg1">
+                            <a:lumMod val="50000"/>
+                          </a:schemeClr>
+                        </a:solidFill>
+                      </a:endParaRPr>
+                    </a:p>
+                  </p:txBody>
+                </p:sp>
+                <p:sp>
+                  <p:nvSpPr>
+                    <p:cNvPr id="78" name="Rektangel: rundade hörn 77">
+                      <a:extLst>
+                        <a:ext uri="{FF2B5EF4-FFF2-40B4-BE49-F238E27FC236}">
+                          <a16:creationId xmlns:a16="http://schemas.microsoft.com/office/drawing/2014/main" id="{CFD18352-9066-63CD-2948-9AC2888A86B2}"/>
+                        </a:ext>
+                      </a:extLst>
+                    </p:cNvPr>
+                    <p:cNvSpPr/>
+                    <p:nvPr/>
+                  </p:nvSpPr>
+                  <p:spPr>
+                    <a:xfrm>
+                      <a:off x="2039679" y="1520484"/>
+                      <a:ext cx="90000" cy="90000"/>
+                    </a:xfrm>
+                    <a:prstGeom prst="roundRect">
+                      <a:avLst/>
+                    </a:prstGeom>
+                    <a:solidFill>
+                      <a:schemeClr val="bg1"/>
+                    </a:solidFill>
+                    <a:ln w="6350">
+                      <a:solidFill>
+                        <a:schemeClr val="tx1"/>
+                      </a:solidFill>
+                    </a:ln>
+                  </p:spPr>
+                  <p:style>
+                    <a:lnRef idx="2">
+                      <a:schemeClr val="accent1">
+                        <a:shade val="50000"/>
+                      </a:schemeClr>
+                    </a:lnRef>
+                    <a:fillRef idx="1">
+                      <a:schemeClr val="accent1"/>
+                    </a:fillRef>
+                    <a:effectRef idx="0">
+                      <a:schemeClr val="accent1"/>
+                    </a:effectRef>
+                    <a:fontRef idx="minor">
+                      <a:schemeClr val="lt1"/>
+                    </a:fontRef>
+                  </p:style>
+                  <p:txBody>
+                    <a:bodyPr rtlCol="0" anchor="ctr"/>
+                    <a:lstStyle/>
+                    <a:p>
+                      <a:pPr algn="ctr"/>
+                      <a:endParaRPr lang="sv-SE"/>
+                    </a:p>
+                  </p:txBody>
+                </p:sp>
+              </p:grpSp>
+              <p:grpSp>
+                <p:nvGrpSpPr>
+                  <p:cNvPr id="64" name="Grupp 63">
+                    <a:extLst>
+                      <a:ext uri="{FF2B5EF4-FFF2-40B4-BE49-F238E27FC236}">
+                        <a16:creationId xmlns:a16="http://schemas.microsoft.com/office/drawing/2014/main" id="{79975A17-9101-DEF6-DDFA-4EADD84CE68A}"/>
+                      </a:ext>
+                    </a:extLst>
+                  </p:cNvPr>
+                  <p:cNvGrpSpPr/>
+                  <p:nvPr/>
+                </p:nvGrpSpPr>
+                <p:grpSpPr>
+                  <a:xfrm>
+                    <a:off x="749612" y="2356479"/>
+                    <a:ext cx="1280122" cy="362287"/>
+                    <a:chOff x="1233597" y="1631479"/>
+                    <a:chExt cx="1280122" cy="362287"/>
+                  </a:xfrm>
+                </p:grpSpPr>
+                <p:sp>
+                  <p:nvSpPr>
+                    <p:cNvPr id="65" name="textruta 64">
+                      <a:extLst>
+                        <a:ext uri="{FF2B5EF4-FFF2-40B4-BE49-F238E27FC236}">
+                          <a16:creationId xmlns:a16="http://schemas.microsoft.com/office/drawing/2014/main" id="{020E5040-5F32-D89E-686E-49AA2EA6B879}"/>
+                        </a:ext>
+                      </a:extLst>
+                    </p:cNvPr>
+                    <p:cNvSpPr txBox="1"/>
+                    <p:nvPr/>
+                  </p:nvSpPr>
+                  <p:spPr>
+                    <a:xfrm>
+                      <a:off x="1967803" y="1809100"/>
+                      <a:ext cx="545916" cy="184666"/>
+                    </a:xfrm>
+                    <a:prstGeom prst="rect">
+                      <a:avLst/>
+                    </a:prstGeom>
+                    <a:noFill/>
+                    <a:ln>
+                      <a:noFill/>
+                    </a:ln>
+                  </p:spPr>
+                  <p:txBody>
+                    <a:bodyPr wrap="square" lIns="0" tIns="0" rIns="0" bIns="0" rtlCol="0" anchor="ctr">
+                      <a:spAutoFit/>
+                    </a:bodyPr>
+                    <a:lstStyle/>
+                    <a:p>
+                      <a:pPr algn="ctr"/>
+                      <a:r>
+                        <a:rPr lang="sv-SE" sz="600" b="1" dirty="0" err="1"/>
+                        <a:t>Ranged</a:t>
+                      </a:r>
+                      <a:br>
+                        <a:rPr lang="sv-SE" sz="600" b="1" dirty="0"/>
+                      </a:br>
+                      <a:r>
+                        <a:rPr lang="sv-SE" sz="600" b="1" dirty="0" err="1"/>
+                        <a:t>Martial</a:t>
+                      </a:r>
+                      <a:endParaRPr lang="sv-SE" sz="600" b="1" dirty="0"/>
+                    </a:p>
+                  </p:txBody>
+                </p:sp>
+                <p:sp>
+                  <p:nvSpPr>
+                    <p:cNvPr id="66" name="Åttahörning 65">
+                      <a:extLst>
+                        <a:ext uri="{FF2B5EF4-FFF2-40B4-BE49-F238E27FC236}">
+                          <a16:creationId xmlns:a16="http://schemas.microsoft.com/office/drawing/2014/main" id="{04B86F3C-62F4-3034-B8DB-372FBF76004B}"/>
+                        </a:ext>
+                      </a:extLst>
+                    </p:cNvPr>
+                    <p:cNvSpPr/>
+                    <p:nvPr/>
+                  </p:nvSpPr>
+                  <p:spPr>
+                    <a:xfrm>
+                      <a:off x="2150761" y="1631479"/>
+                      <a:ext cx="180000" cy="180000"/>
+                    </a:xfrm>
+                    <a:prstGeom prst="octagon">
+                      <a:avLst/>
+                    </a:prstGeom>
+                    <a:solidFill>
+                      <a:schemeClr val="bg1"/>
+                    </a:solidFill>
+                    <a:ln w="6350">
+                      <a:solidFill>
+                        <a:schemeClr val="tx1"/>
+                      </a:solidFill>
+                    </a:ln>
+                  </p:spPr>
+                  <p:style>
+                    <a:lnRef idx="2">
+                      <a:schemeClr val="accent1">
+                        <a:shade val="50000"/>
+                      </a:schemeClr>
+                    </a:lnRef>
+                    <a:fillRef idx="1">
+                      <a:schemeClr val="accent1"/>
+                    </a:fillRef>
+                    <a:effectRef idx="0">
+                      <a:schemeClr val="accent1"/>
+                    </a:effectRef>
+                    <a:fontRef idx="minor">
+                      <a:schemeClr val="lt1"/>
+                    </a:fontRef>
+                  </p:style>
+                  <p:txBody>
+                    <a:bodyPr rtlCol="0" anchor="ctr"/>
+                    <a:lstStyle/>
+                    <a:p>
+                      <a:pPr algn="r"/>
+                      <a:endParaRPr lang="sv-SE" sz="500" dirty="0">
+                        <a:solidFill>
+                          <a:schemeClr val="bg1">
+                            <a:lumMod val="50000"/>
+                          </a:schemeClr>
+                        </a:solidFill>
+                      </a:endParaRPr>
+                    </a:p>
+                  </p:txBody>
+                </p:sp>
+                <p:grpSp>
+                  <p:nvGrpSpPr>
+                    <p:cNvPr id="67" name="Grupp 66">
+                      <a:extLst>
+                        <a:ext uri="{FF2B5EF4-FFF2-40B4-BE49-F238E27FC236}">
+                          <a16:creationId xmlns:a16="http://schemas.microsoft.com/office/drawing/2014/main" id="{7BF71CD5-BC57-FA62-ECA6-09E25A1B6735}"/>
+                        </a:ext>
+                      </a:extLst>
+                    </p:cNvPr>
+                    <p:cNvGrpSpPr/>
+                    <p:nvPr/>
+                  </p:nvGrpSpPr>
+                  <p:grpSpPr>
+                    <a:xfrm>
+                      <a:off x="1233597" y="1677746"/>
+                      <a:ext cx="806933" cy="90000"/>
+                      <a:chOff x="1098671" y="1496075"/>
+                      <a:chExt cx="806933" cy="90000"/>
+                    </a:xfrm>
+                  </p:grpSpPr>
+                  <p:sp>
+                    <p:nvSpPr>
+                      <p:cNvPr id="68" name="Rektangel: rundade hörn 67">
+                        <a:extLst>
+                          <a:ext uri="{FF2B5EF4-FFF2-40B4-BE49-F238E27FC236}">
+                            <a16:creationId xmlns:a16="http://schemas.microsoft.com/office/drawing/2014/main" id="{8870925F-B97D-2487-19D1-0C761AFE66BA}"/>
+                          </a:ext>
+                        </a:extLst>
+                      </p:cNvPr>
+                      <p:cNvSpPr/>
+                      <p:nvPr/>
+                    </p:nvSpPr>
+                    <p:spPr>
+                      <a:xfrm>
+                        <a:off x="1367213" y="1496075"/>
+                        <a:ext cx="90000" cy="90000"/>
+                      </a:xfrm>
+                      <a:prstGeom prst="roundRect">
+                        <a:avLst/>
+                      </a:prstGeom>
+                      <a:solidFill>
+                        <a:schemeClr val="bg1"/>
+                      </a:solidFill>
+                      <a:ln w="6350">
+                        <a:solidFill>
+                          <a:schemeClr val="tx1"/>
+                        </a:solidFill>
+                      </a:ln>
+                    </p:spPr>
+                    <p:style>
+                      <a:lnRef idx="2">
+                        <a:schemeClr val="accent1">
+                          <a:shade val="50000"/>
+                        </a:schemeClr>
+                      </a:lnRef>
+                      <a:fillRef idx="1">
+                        <a:schemeClr val="accent1"/>
+                      </a:fillRef>
+                      <a:effectRef idx="0">
+                        <a:schemeClr val="accent1"/>
+                      </a:effectRef>
+                      <a:fontRef idx="minor">
+                        <a:schemeClr val="lt1"/>
+                      </a:fontRef>
+                    </p:style>
+                    <p:txBody>
+                      <a:bodyPr rtlCol="0" anchor="ctr"/>
+                      <a:lstStyle/>
+                      <a:p>
+                        <a:pPr algn="ctr"/>
+                        <a:endParaRPr lang="sv-SE"/>
+                      </a:p>
+                    </p:txBody>
+                  </p:sp>
+                  <p:sp>
+                    <p:nvSpPr>
+                      <p:cNvPr id="69" name="Rektangel: rundade hörn 68">
+                        <a:extLst>
+                          <a:ext uri="{FF2B5EF4-FFF2-40B4-BE49-F238E27FC236}">
+                            <a16:creationId xmlns:a16="http://schemas.microsoft.com/office/drawing/2014/main" id="{8D4BDE52-6630-E655-0625-636202F4298D}"/>
+                          </a:ext>
+                        </a:extLst>
+                      </p:cNvPr>
+                      <p:cNvSpPr/>
+                      <p:nvPr/>
+                    </p:nvSpPr>
+                    <p:spPr>
+                      <a:xfrm>
+                        <a:off x="1457213" y="1496075"/>
+                        <a:ext cx="90000" cy="90000"/>
+                      </a:xfrm>
+                      <a:prstGeom prst="roundRect">
+                        <a:avLst/>
+                      </a:prstGeom>
+                      <a:solidFill>
+                        <a:schemeClr val="bg1"/>
+                      </a:solidFill>
+                      <a:ln w="6350">
+                        <a:solidFill>
+                          <a:schemeClr val="tx1"/>
+                        </a:solidFill>
+                      </a:ln>
+                    </p:spPr>
+                    <p:style>
+                      <a:lnRef idx="2">
+                        <a:schemeClr val="accent1">
+                          <a:shade val="50000"/>
+                        </a:schemeClr>
+                      </a:lnRef>
+                      <a:fillRef idx="1">
+                        <a:schemeClr val="accent1"/>
+                      </a:fillRef>
+                      <a:effectRef idx="0">
+                        <a:schemeClr val="accent1"/>
+                      </a:effectRef>
+                      <a:fontRef idx="minor">
+                        <a:schemeClr val="lt1"/>
+                      </a:fontRef>
+                    </p:style>
+                    <p:txBody>
+                      <a:bodyPr rtlCol="0" anchor="ctr"/>
+                      <a:lstStyle/>
+                      <a:p>
+                        <a:pPr algn="ctr"/>
+                        <a:endParaRPr lang="sv-SE"/>
+                      </a:p>
+                    </p:txBody>
+                  </p:sp>
+                  <p:sp>
+                    <p:nvSpPr>
+                      <p:cNvPr id="70" name="Rektangel: rundade hörn 69">
+                        <a:extLst>
+                          <a:ext uri="{FF2B5EF4-FFF2-40B4-BE49-F238E27FC236}">
+                            <a16:creationId xmlns:a16="http://schemas.microsoft.com/office/drawing/2014/main" id="{56017F89-40F4-B6BA-9630-3A2BBEDBDBC3}"/>
+                          </a:ext>
+                        </a:extLst>
+                      </p:cNvPr>
+                      <p:cNvSpPr/>
+                      <p:nvPr/>
+                    </p:nvSpPr>
+                    <p:spPr>
+                      <a:xfrm>
+                        <a:off x="1098671" y="1496075"/>
+                        <a:ext cx="90000" cy="90000"/>
+                      </a:xfrm>
+                      <a:prstGeom prst="roundRect">
+                        <a:avLst/>
+                      </a:prstGeom>
+                      <a:solidFill>
+                        <a:schemeClr val="bg1"/>
+                      </a:solidFill>
+                      <a:ln w="6350">
+                        <a:solidFill>
+                          <a:schemeClr val="tx1"/>
+                        </a:solidFill>
+                      </a:ln>
+                    </p:spPr>
+                    <p:style>
+                      <a:lnRef idx="2">
+                        <a:schemeClr val="accent1">
+                          <a:shade val="50000"/>
+                        </a:schemeClr>
+                      </a:lnRef>
+                      <a:fillRef idx="1">
+                        <a:schemeClr val="accent1"/>
+                      </a:fillRef>
+                      <a:effectRef idx="0">
+                        <a:schemeClr val="accent1"/>
+                      </a:effectRef>
+                      <a:fontRef idx="minor">
+                        <a:schemeClr val="lt1"/>
+                      </a:fontRef>
+                    </p:style>
+                    <p:txBody>
+                      <a:bodyPr rtlCol="0" anchor="ctr"/>
+                      <a:lstStyle/>
+                      <a:p>
+                        <a:pPr algn="ctr"/>
+                        <a:endParaRPr lang="sv-SE"/>
+                      </a:p>
+                    </p:txBody>
+                  </p:sp>
+                  <p:sp>
+                    <p:nvSpPr>
+                      <p:cNvPr id="71" name="Rektangel: rundade hörn 70">
+                        <a:extLst>
+                          <a:ext uri="{FF2B5EF4-FFF2-40B4-BE49-F238E27FC236}">
+                            <a16:creationId xmlns:a16="http://schemas.microsoft.com/office/drawing/2014/main" id="{0E649D8A-551E-D5F6-E639-5B7B0F4828E6}"/>
+                          </a:ext>
+                        </a:extLst>
+                      </p:cNvPr>
+                      <p:cNvSpPr/>
+                      <p:nvPr/>
+                    </p:nvSpPr>
+                    <p:spPr>
+                      <a:xfrm>
+                        <a:off x="1187942" y="1496075"/>
+                        <a:ext cx="90000" cy="90000"/>
+                      </a:xfrm>
+                      <a:prstGeom prst="roundRect">
+                        <a:avLst/>
+                      </a:prstGeom>
+                      <a:solidFill>
+                        <a:schemeClr val="bg1"/>
+                      </a:solidFill>
+                      <a:ln w="6350">
+                        <a:solidFill>
+                          <a:schemeClr val="tx1"/>
+                        </a:solidFill>
+                      </a:ln>
+                    </p:spPr>
+                    <p:style>
+                      <a:lnRef idx="2">
+                        <a:schemeClr val="accent1">
+                          <a:shade val="50000"/>
+                        </a:schemeClr>
+                      </a:lnRef>
+                      <a:fillRef idx="1">
+                        <a:schemeClr val="accent1"/>
+                      </a:fillRef>
+                      <a:effectRef idx="0">
+                        <a:schemeClr val="accent1"/>
+                      </a:effectRef>
+                      <a:fontRef idx="minor">
+                        <a:schemeClr val="lt1"/>
+                      </a:fontRef>
+                    </p:style>
+                    <p:txBody>
+                      <a:bodyPr rtlCol="0" anchor="ctr"/>
+                      <a:lstStyle/>
+                      <a:p>
+                        <a:pPr algn="ctr"/>
+                        <a:endParaRPr lang="sv-SE"/>
+                      </a:p>
+                    </p:txBody>
+                  </p:sp>
+                  <p:sp>
+                    <p:nvSpPr>
+                      <p:cNvPr id="72" name="Rektangel: rundade hörn 71">
+                        <a:extLst>
+                          <a:ext uri="{FF2B5EF4-FFF2-40B4-BE49-F238E27FC236}">
+                            <a16:creationId xmlns:a16="http://schemas.microsoft.com/office/drawing/2014/main" id="{68DBAEA8-D915-11EE-1FE0-981DEDBDC73E}"/>
+                          </a:ext>
+                        </a:extLst>
+                      </p:cNvPr>
+                      <p:cNvSpPr/>
+                      <p:nvPr/>
+                    </p:nvSpPr>
+                    <p:spPr>
+                      <a:xfrm>
+                        <a:off x="1277213" y="1496075"/>
+                        <a:ext cx="90000" cy="90000"/>
+                      </a:xfrm>
+                      <a:prstGeom prst="roundRect">
+                        <a:avLst/>
+                      </a:prstGeom>
+                      <a:solidFill>
+                        <a:schemeClr val="bg1"/>
+                      </a:solidFill>
+                      <a:ln w="6350">
+                        <a:solidFill>
+                          <a:schemeClr val="tx1"/>
+                        </a:solidFill>
+                      </a:ln>
+                    </p:spPr>
+                    <p:style>
+                      <a:lnRef idx="2">
+                        <a:schemeClr val="accent1">
+                          <a:shade val="50000"/>
+                        </a:schemeClr>
+                      </a:lnRef>
+                      <a:fillRef idx="1">
+                        <a:schemeClr val="accent1"/>
+                      </a:fillRef>
+                      <a:effectRef idx="0">
+                        <a:schemeClr val="accent1"/>
+                      </a:effectRef>
+                      <a:fontRef idx="minor">
+                        <a:schemeClr val="lt1"/>
+                      </a:fontRef>
+                    </p:style>
+                    <p:txBody>
+                      <a:bodyPr rtlCol="0" anchor="ctr"/>
+                      <a:lstStyle/>
+                      <a:p>
+                        <a:pPr algn="ctr"/>
+                        <a:endParaRPr lang="sv-SE"/>
+                      </a:p>
+                    </p:txBody>
+                  </p:sp>
+                  <p:sp>
+                    <p:nvSpPr>
+                      <p:cNvPr id="73" name="Rektangel: rundade hörn 72">
+                        <a:extLst>
+                          <a:ext uri="{FF2B5EF4-FFF2-40B4-BE49-F238E27FC236}">
+                            <a16:creationId xmlns:a16="http://schemas.microsoft.com/office/drawing/2014/main" id="{C6AFF8C6-AF5F-335D-DD09-E9BDB392A59B}"/>
+                          </a:ext>
+                        </a:extLst>
+                      </p:cNvPr>
+                      <p:cNvSpPr/>
+                      <p:nvPr/>
+                    </p:nvSpPr>
+                    <p:spPr>
+                      <a:xfrm>
+                        <a:off x="1815604" y="1496075"/>
+                        <a:ext cx="90000" cy="90000"/>
+                      </a:xfrm>
+                      <a:prstGeom prst="roundRect">
+                        <a:avLst/>
+                      </a:prstGeom>
+                      <a:solidFill>
+                        <a:schemeClr val="bg1"/>
+                      </a:solidFill>
+                      <a:ln w="6350">
+                        <a:solidFill>
+                          <a:schemeClr val="tx1"/>
+                        </a:solidFill>
+                      </a:ln>
+                    </p:spPr>
+                    <p:style>
+                      <a:lnRef idx="2">
+                        <a:schemeClr val="accent1">
+                          <a:shade val="50000"/>
+                        </a:schemeClr>
+                      </a:lnRef>
+                      <a:fillRef idx="1">
+                        <a:schemeClr val="accent1"/>
+                      </a:fillRef>
+                      <a:effectRef idx="0">
+                        <a:schemeClr val="accent1"/>
+                      </a:effectRef>
+                      <a:fontRef idx="minor">
+                        <a:schemeClr val="lt1"/>
+                      </a:fontRef>
+                    </p:style>
+                    <p:txBody>
+                      <a:bodyPr rtlCol="0" anchor="ctr"/>
+                      <a:lstStyle/>
+                      <a:p>
+                        <a:pPr algn="ctr"/>
+                        <a:endParaRPr lang="sv-SE"/>
+                      </a:p>
+                    </p:txBody>
+                  </p:sp>
+                  <p:sp>
+                    <p:nvSpPr>
+                      <p:cNvPr id="74" name="Rektangel: rundade hörn 73">
+                        <a:extLst>
+                          <a:ext uri="{FF2B5EF4-FFF2-40B4-BE49-F238E27FC236}">
+                            <a16:creationId xmlns:a16="http://schemas.microsoft.com/office/drawing/2014/main" id="{CAC225E6-8A60-6E56-4197-697396418D2F}"/>
+                          </a:ext>
+                        </a:extLst>
+                      </p:cNvPr>
+                      <p:cNvSpPr/>
+                      <p:nvPr/>
+                    </p:nvSpPr>
+                    <p:spPr>
+                      <a:xfrm>
+                        <a:off x="1547047" y="1496075"/>
+                        <a:ext cx="90000" cy="90000"/>
+                      </a:xfrm>
+                      <a:prstGeom prst="roundRect">
+                        <a:avLst/>
+                      </a:prstGeom>
+                      <a:solidFill>
+                        <a:schemeClr val="bg1"/>
+                      </a:solidFill>
+                      <a:ln w="6350">
+                        <a:solidFill>
+                          <a:schemeClr val="tx1"/>
+                        </a:solidFill>
+                      </a:ln>
+                    </p:spPr>
+                    <p:style>
+                      <a:lnRef idx="2">
+                        <a:schemeClr val="accent1">
+                          <a:shade val="50000"/>
+                        </a:schemeClr>
+                      </a:lnRef>
+                      <a:fillRef idx="1">
+                        <a:schemeClr val="accent1"/>
+                      </a:fillRef>
+                      <a:effectRef idx="0">
+                        <a:schemeClr val="accent1"/>
+                      </a:effectRef>
+                      <a:fontRef idx="minor">
+                        <a:schemeClr val="lt1"/>
+                      </a:fontRef>
+                    </p:style>
+                    <p:txBody>
+                      <a:bodyPr rtlCol="0" anchor="ctr"/>
+                      <a:lstStyle/>
+                      <a:p>
+                        <a:pPr algn="ctr"/>
+                        <a:endParaRPr lang="sv-SE"/>
+                      </a:p>
+                    </p:txBody>
+                  </p:sp>
+                  <p:sp>
+                    <p:nvSpPr>
+                      <p:cNvPr id="75" name="Rektangel: rundade hörn 74">
+                        <a:extLst>
+                          <a:ext uri="{FF2B5EF4-FFF2-40B4-BE49-F238E27FC236}">
+                            <a16:creationId xmlns:a16="http://schemas.microsoft.com/office/drawing/2014/main" id="{95F00F08-2573-CCD2-B58F-4CFABDDA6843}"/>
+                          </a:ext>
+                        </a:extLst>
+                      </p:cNvPr>
+                      <p:cNvSpPr/>
+                      <p:nvPr/>
+                    </p:nvSpPr>
+                    <p:spPr>
+                      <a:xfrm>
+                        <a:off x="1637045" y="1496075"/>
+                        <a:ext cx="90000" cy="90000"/>
+                      </a:xfrm>
+                      <a:prstGeom prst="roundRect">
+                        <a:avLst/>
+                      </a:prstGeom>
+                      <a:solidFill>
+                        <a:schemeClr val="bg1"/>
+                      </a:solidFill>
+                      <a:ln w="6350">
+                        <a:solidFill>
+                          <a:schemeClr val="tx1"/>
+                        </a:solidFill>
+                      </a:ln>
+                    </p:spPr>
+                    <p:style>
+                      <a:lnRef idx="2">
+                        <a:schemeClr val="accent1">
+                          <a:shade val="50000"/>
+                        </a:schemeClr>
+                      </a:lnRef>
+                      <a:fillRef idx="1">
+                        <a:schemeClr val="accent1"/>
+                      </a:fillRef>
+                      <a:effectRef idx="0">
+                        <a:schemeClr val="accent1"/>
+                      </a:effectRef>
+                      <a:fontRef idx="minor">
+                        <a:schemeClr val="lt1"/>
+                      </a:fontRef>
+                    </p:style>
+                    <p:txBody>
+                      <a:bodyPr rtlCol="0" anchor="ctr"/>
+                      <a:lstStyle/>
+                      <a:p>
+                        <a:pPr algn="ctr"/>
+                        <a:endParaRPr lang="sv-SE"/>
+                      </a:p>
+                    </p:txBody>
+                  </p:sp>
+                  <p:sp>
+                    <p:nvSpPr>
+                      <p:cNvPr id="76" name="Rektangel: rundade hörn 75">
+                        <a:extLst>
+                          <a:ext uri="{FF2B5EF4-FFF2-40B4-BE49-F238E27FC236}">
+                            <a16:creationId xmlns:a16="http://schemas.microsoft.com/office/drawing/2014/main" id="{7C6E65B1-1A71-AA67-D587-F661FE53BD5C}"/>
+                          </a:ext>
+                        </a:extLst>
+                      </p:cNvPr>
+                      <p:cNvSpPr/>
+                      <p:nvPr/>
+                    </p:nvSpPr>
+                    <p:spPr>
+                      <a:xfrm>
+                        <a:off x="1726508" y="1496075"/>
+                        <a:ext cx="90000" cy="90000"/>
+                      </a:xfrm>
+                      <a:prstGeom prst="roundRect">
+                        <a:avLst/>
+                      </a:prstGeom>
+                      <a:solidFill>
+                        <a:schemeClr val="bg1"/>
+                      </a:solidFill>
+                      <a:ln w="6350">
+                        <a:solidFill>
+                          <a:schemeClr val="tx1"/>
+                        </a:solidFill>
+                      </a:ln>
+                    </p:spPr>
+                    <p:style>
+                      <a:lnRef idx="2">
+                        <a:schemeClr val="accent1">
+                          <a:shade val="50000"/>
+                        </a:schemeClr>
+                      </a:lnRef>
+                      <a:fillRef idx="1">
+                        <a:schemeClr val="accent1"/>
+                      </a:fillRef>
+                      <a:effectRef idx="0">
+                        <a:schemeClr val="accent1"/>
+                      </a:effectRef>
+                      <a:fontRef idx="minor">
+                        <a:schemeClr val="lt1"/>
+                      </a:fontRef>
+                    </p:style>
+                    <p:txBody>
+                      <a:bodyPr rtlCol="0" anchor="ctr"/>
+                      <a:lstStyle/>
+                      <a:p>
+                        <a:pPr algn="ctr"/>
+                        <a:endParaRPr lang="sv-SE"/>
+                      </a:p>
+                    </p:txBody>
+                  </p:sp>
+                </p:grpSp>
+              </p:grpSp>
+            </p:grpSp>
+            <p:sp>
+              <p:nvSpPr>
+                <p:cNvPr id="502" name="textruta 501">
+                  <a:extLst>
+                    <a:ext uri="{FF2B5EF4-FFF2-40B4-BE49-F238E27FC236}">
+                      <a16:creationId xmlns:a16="http://schemas.microsoft.com/office/drawing/2014/main" id="{B129FEB1-9CA0-048B-81F5-158E87260EEE}"/>
+                    </a:ext>
+                  </a:extLst>
+                </p:cNvPr>
+                <p:cNvSpPr txBox="1"/>
+                <p:nvPr/>
+              </p:nvSpPr>
+              <p:spPr>
+                <a:xfrm>
+                  <a:off x="988767" y="2230614"/>
+                  <a:ext cx="421582" cy="153888"/>
+                </a:xfrm>
+                <a:prstGeom prst="rect">
+                  <a:avLst/>
+                </a:prstGeom>
+                <a:noFill/>
+                <a:ln>
+                  <a:noFill/>
+                </a:ln>
+              </p:spPr>
+              <p:txBody>
+                <a:bodyPr wrap="square" lIns="0" tIns="0" rIns="0" bIns="0" rtlCol="0" anchor="ctr">
+                  <a:spAutoFit/>
+                </a:bodyPr>
+                <a:lstStyle/>
+                <a:p>
+                  <a:pPr algn="ctr"/>
+                  <a:r>
+                    <a:rPr lang="sv-SE" sz="1000" b="1" dirty="0" err="1"/>
+                    <a:t>Martial</a:t>
+                  </a:r>
+                  <a:endParaRPr lang="sv-SE" sz="1000" b="1" dirty="0"/>
+                </a:p>
+              </p:txBody>
+            </p:sp>
+          </p:grpSp>
+          <p:sp>
+            <p:nvSpPr>
+              <p:cNvPr id="498" name="textruta 497">
+                <a:extLst>
+                  <a:ext uri="{FF2B5EF4-FFF2-40B4-BE49-F238E27FC236}">
+                    <a16:creationId xmlns:a16="http://schemas.microsoft.com/office/drawing/2014/main" id="{9E1BA45F-D6FC-B219-3487-0C3C887C959C}"/>
+                  </a:ext>
+                </a:extLst>
+              </p:cNvPr>
+              <p:cNvSpPr txBox="1"/>
+              <p:nvPr/>
+            </p:nvSpPr>
+            <p:spPr>
+              <a:xfrm>
+                <a:off x="1358057" y="2370393"/>
+                <a:ext cx="259095" cy="76944"/>
+              </a:xfrm>
+              <a:prstGeom prst="rect">
+                <a:avLst/>
+              </a:prstGeom>
+              <a:noFill/>
+              <a:ln>
+                <a:noFill/>
+              </a:ln>
+            </p:spPr>
+            <p:txBody>
+              <a:bodyPr wrap="square" lIns="0" tIns="0" rIns="0" bIns="0" rtlCol="0" anchor="ctr">
+                <a:spAutoFit/>
+              </a:bodyPr>
+              <a:lstStyle/>
+              <a:p>
+                <a:pPr algn="ctr"/>
+                <a:r>
+                  <a:rPr lang="sv-SE" sz="500" i="1" dirty="0">
+                    <a:solidFill>
+                      <a:schemeClr val="bg1">
+                        <a:lumMod val="50000"/>
+                      </a:schemeClr>
+                    </a:solidFill>
+                  </a:rPr>
+                  <a:t>Passive</a:t>
+                </a:r>
+              </a:p>
+            </p:txBody>
+          </p:sp>
+        </p:grpSp>
+        <p:sp>
+          <p:nvSpPr>
+            <p:cNvPr id="495" name="textruta 494">
+              <a:extLst>
+                <a:ext uri="{FF2B5EF4-FFF2-40B4-BE49-F238E27FC236}">
+                  <a16:creationId xmlns:a16="http://schemas.microsoft.com/office/drawing/2014/main" id="{072A840C-3A83-E47F-2F19-0A053A2853B0}"/>
+                </a:ext>
+              </a:extLst>
+            </p:cNvPr>
+            <p:cNvSpPr txBox="1"/>
+            <p:nvPr/>
+          </p:nvSpPr>
+          <p:spPr>
+            <a:xfrm>
+              <a:off x="691437" y="2649159"/>
+              <a:ext cx="469577" cy="184666"/>
+            </a:xfrm>
+            <a:prstGeom prst="rect">
+              <a:avLst/>
+            </a:prstGeom>
+            <a:noFill/>
+            <a:ln>
+              <a:noFill/>
+            </a:ln>
+          </p:spPr>
+          <p:txBody>
+            <a:bodyPr wrap="square" lIns="0" tIns="0" rIns="0" bIns="0" rtlCol="0" anchor="ctr">
+              <a:spAutoFit/>
+            </a:bodyPr>
+            <a:lstStyle/>
+            <a:p>
+              <a:pPr algn="ctr"/>
+              <a:r>
+                <a:rPr lang="sv-SE" sz="600" b="1" dirty="0" err="1"/>
+                <a:t>Melee</a:t>
+              </a:r>
+              <a:br>
+                <a:rPr lang="sv-SE" sz="600" b="1" dirty="0"/>
+              </a:br>
+              <a:r>
+                <a:rPr lang="sv-SE" sz="600" b="1" dirty="0" err="1"/>
+                <a:t>Martial</a:t>
+              </a:r>
+              <a:endParaRPr lang="sv-SE" sz="600" b="1" dirty="0"/>
+            </a:p>
+          </p:txBody>
+        </p:sp>
+        <p:sp>
+          <p:nvSpPr>
+            <p:cNvPr id="496" name="Åttahörning 495">
+              <a:extLst>
+                <a:ext uri="{FF2B5EF4-FFF2-40B4-BE49-F238E27FC236}">
+                  <a16:creationId xmlns:a16="http://schemas.microsoft.com/office/drawing/2014/main" id="{F9E87B53-FE68-6C45-C380-F6D43CD5E9DD}"/>
+                </a:ext>
+              </a:extLst>
+            </p:cNvPr>
+            <p:cNvSpPr/>
+            <p:nvPr/>
+          </p:nvSpPr>
+          <p:spPr>
+            <a:xfrm>
+              <a:off x="836225" y="2471538"/>
+              <a:ext cx="180000" cy="180000"/>
+            </a:xfrm>
+            <a:prstGeom prst="octagon">
+              <a:avLst/>
+            </a:prstGeom>
+            <a:solidFill>
+              <a:schemeClr val="bg1"/>
+            </a:solidFill>
+            <a:ln w="6350">
+              <a:solidFill>
+                <a:schemeClr val="tx1"/>
+              </a:solidFill>
+            </a:ln>
+          </p:spPr>
+          <p:style>
+            <a:lnRef idx="2">
+              <a:schemeClr val="accent1">
+                <a:shade val="50000"/>
+              </a:schemeClr>
+            </a:lnRef>
+            <a:fillRef idx="1">
+              <a:schemeClr val="accent1"/>
+            </a:fillRef>
+            <a:effectRef idx="0">
+              <a:schemeClr val="accent1"/>
+            </a:effectRef>
+            <a:fontRef idx="minor">
+              <a:schemeClr val="lt1"/>
+            </a:fontRef>
+          </p:style>
+          <p:txBody>
+            <a:bodyPr rtlCol="0" anchor="ctr"/>
+            <a:lstStyle/>
+            <a:p>
+              <a:pPr algn="r"/>
+              <a:endParaRPr lang="sv-SE" sz="500" dirty="0">
+                <a:solidFill>
+                  <a:schemeClr val="bg1">
+                    <a:lumMod val="50000"/>
+                  </a:schemeClr>
+                </a:solidFill>
+              </a:endParaRPr>
+            </a:p>
+          </p:txBody>
+        </p:sp>
+      </p:grpSp>
     </p:spTree>
     <p:extLst>
       <p:ext uri="{BB962C8B-B14F-4D97-AF65-F5344CB8AC3E}">
